--- a/Presentation1_Present.pptx
+++ b/Presentation1_Present.pptx
@@ -5,7 +5,7 @@
     <p:sldMasterId id="2147483648" r:id="rId1"/>
   </p:sldMasterIdLst>
   <p:notesMasterIdLst>
-    <p:notesMasterId r:id="rId42"/>
+    <p:notesMasterId r:id="rId54"/>
   </p:notesMasterIdLst>
   <p:sldIdLst>
     <p:sldId id="256" r:id="rId2"/>
@@ -48,6 +48,18 @@
     <p:sldId id="295" r:id="rId39"/>
     <p:sldId id="296" r:id="rId40"/>
     <p:sldId id="297" r:id="rId41"/>
+    <p:sldId id="298" r:id="rId42"/>
+    <p:sldId id="299" r:id="rId43"/>
+    <p:sldId id="300" r:id="rId44"/>
+    <p:sldId id="301" r:id="rId45"/>
+    <p:sldId id="302" r:id="rId46"/>
+    <p:sldId id="303" r:id="rId47"/>
+    <p:sldId id="304" r:id="rId48"/>
+    <p:sldId id="305" r:id="rId49"/>
+    <p:sldId id="306" r:id="rId50"/>
+    <p:sldId id="307" r:id="rId51"/>
+    <p:sldId id="308" r:id="rId52"/>
+    <p:sldId id="309" r:id="rId53"/>
   </p:sldIdLst>
   <p:sldSz cx="9144000" cy="6858000" type="screen4x3"/>
   <p:notesSz cx="6858000" cy="9144000"/>
@@ -1644,6 +1656,753 @@
 </file>
 
 <file path=ppt/diagrams/colors3.xml><?xml version="1.0" encoding="utf-8"?>
+<dgm:colorsDef xmlns:dgm="http://schemas.openxmlformats.org/drawingml/2006/diagram" xmlns:a="http://schemas.openxmlformats.org/drawingml/2006/main" uniqueId="urn:microsoft.com/office/officeart/2005/8/colors/accent1_2">
+  <dgm:title val=""/>
+  <dgm:desc val=""/>
+  <dgm:catLst>
+    <dgm:cat type="accent1" pri="11200"/>
+  </dgm:catLst>
+  <dgm:styleLbl name="node0">
+    <dgm:fillClrLst meth="repeat">
+      <a:schemeClr val="accent1"/>
+    </dgm:fillClrLst>
+    <dgm:linClrLst meth="repeat">
+      <a:schemeClr val="lt1"/>
+    </dgm:linClrLst>
+    <dgm:effectClrLst/>
+    <dgm:txLinClrLst/>
+    <dgm:txFillClrLst/>
+    <dgm:txEffectClrLst/>
+  </dgm:styleLbl>
+  <dgm:styleLbl name="alignNode1">
+    <dgm:fillClrLst meth="repeat">
+      <a:schemeClr val="accent1"/>
+    </dgm:fillClrLst>
+    <dgm:linClrLst meth="repeat">
+      <a:schemeClr val="accent1"/>
+    </dgm:linClrLst>
+    <dgm:effectClrLst/>
+    <dgm:txLinClrLst/>
+    <dgm:txFillClrLst/>
+    <dgm:txEffectClrLst/>
+  </dgm:styleLbl>
+  <dgm:styleLbl name="node1">
+    <dgm:fillClrLst meth="repeat">
+      <a:schemeClr val="accent1"/>
+    </dgm:fillClrLst>
+    <dgm:linClrLst meth="repeat">
+      <a:schemeClr val="lt1"/>
+    </dgm:linClrLst>
+    <dgm:effectClrLst/>
+    <dgm:txLinClrLst/>
+    <dgm:txFillClrLst/>
+    <dgm:txEffectClrLst/>
+  </dgm:styleLbl>
+  <dgm:styleLbl name="lnNode1">
+    <dgm:fillClrLst meth="repeat">
+      <a:schemeClr val="accent1"/>
+    </dgm:fillClrLst>
+    <dgm:linClrLst meth="repeat">
+      <a:schemeClr val="lt1"/>
+    </dgm:linClrLst>
+    <dgm:effectClrLst/>
+    <dgm:txLinClrLst/>
+    <dgm:txFillClrLst/>
+    <dgm:txEffectClrLst/>
+  </dgm:styleLbl>
+  <dgm:styleLbl name="vennNode1">
+    <dgm:fillClrLst meth="repeat">
+      <a:schemeClr val="accent1">
+        <a:alpha val="50000"/>
+      </a:schemeClr>
+    </dgm:fillClrLst>
+    <dgm:linClrLst meth="repeat">
+      <a:schemeClr val="lt1"/>
+    </dgm:linClrLst>
+    <dgm:effectClrLst/>
+    <dgm:txLinClrLst/>
+    <dgm:txFillClrLst/>
+    <dgm:txEffectClrLst/>
+  </dgm:styleLbl>
+  <dgm:styleLbl name="node2">
+    <dgm:fillClrLst meth="repeat">
+      <a:schemeClr val="accent1"/>
+    </dgm:fillClrLst>
+    <dgm:linClrLst meth="repeat">
+      <a:schemeClr val="lt1"/>
+    </dgm:linClrLst>
+    <dgm:effectClrLst/>
+    <dgm:txLinClrLst/>
+    <dgm:txFillClrLst/>
+    <dgm:txEffectClrLst/>
+  </dgm:styleLbl>
+  <dgm:styleLbl name="node3">
+    <dgm:fillClrLst meth="repeat">
+      <a:schemeClr val="accent1"/>
+    </dgm:fillClrLst>
+    <dgm:linClrLst meth="repeat">
+      <a:schemeClr val="lt1"/>
+    </dgm:linClrLst>
+    <dgm:effectClrLst/>
+    <dgm:txLinClrLst/>
+    <dgm:txFillClrLst/>
+    <dgm:txEffectClrLst/>
+  </dgm:styleLbl>
+  <dgm:styleLbl name="node4">
+    <dgm:fillClrLst meth="repeat">
+      <a:schemeClr val="accent1"/>
+    </dgm:fillClrLst>
+    <dgm:linClrLst meth="repeat">
+      <a:schemeClr val="lt1"/>
+    </dgm:linClrLst>
+    <dgm:effectClrLst/>
+    <dgm:txLinClrLst/>
+    <dgm:txFillClrLst/>
+    <dgm:txEffectClrLst/>
+  </dgm:styleLbl>
+  <dgm:styleLbl name="fgImgPlace1">
+    <dgm:fillClrLst meth="repeat">
+      <a:schemeClr val="accent1">
+        <a:tint val="50000"/>
+      </a:schemeClr>
+    </dgm:fillClrLst>
+    <dgm:linClrLst meth="repeat">
+      <a:schemeClr val="lt1"/>
+    </dgm:linClrLst>
+    <dgm:effectClrLst/>
+    <dgm:txLinClrLst/>
+    <dgm:txFillClrLst meth="repeat">
+      <a:schemeClr val="lt1"/>
+    </dgm:txFillClrLst>
+    <dgm:txEffectClrLst/>
+  </dgm:styleLbl>
+  <dgm:styleLbl name="alignImgPlace1">
+    <dgm:fillClrLst meth="repeat">
+      <a:schemeClr val="accent1">
+        <a:tint val="50000"/>
+      </a:schemeClr>
+    </dgm:fillClrLst>
+    <dgm:linClrLst meth="repeat">
+      <a:schemeClr val="lt1"/>
+    </dgm:linClrLst>
+    <dgm:effectClrLst/>
+    <dgm:txLinClrLst/>
+    <dgm:txFillClrLst meth="repeat">
+      <a:schemeClr val="lt1"/>
+    </dgm:txFillClrLst>
+    <dgm:txEffectClrLst/>
+  </dgm:styleLbl>
+  <dgm:styleLbl name="bgImgPlace1">
+    <dgm:fillClrLst meth="repeat">
+      <a:schemeClr val="accent1">
+        <a:tint val="50000"/>
+      </a:schemeClr>
+    </dgm:fillClrLst>
+    <dgm:linClrLst meth="repeat">
+      <a:schemeClr val="lt1"/>
+    </dgm:linClrLst>
+    <dgm:effectClrLst/>
+    <dgm:txLinClrLst/>
+    <dgm:txFillClrLst meth="repeat">
+      <a:schemeClr val="lt1"/>
+    </dgm:txFillClrLst>
+    <dgm:txEffectClrLst/>
+  </dgm:styleLbl>
+  <dgm:styleLbl name="sibTrans2D1">
+    <dgm:fillClrLst meth="repeat">
+      <a:schemeClr val="accent1">
+        <a:tint val="60000"/>
+      </a:schemeClr>
+    </dgm:fillClrLst>
+    <dgm:linClrLst meth="repeat">
+      <a:schemeClr val="accent1">
+        <a:tint val="60000"/>
+      </a:schemeClr>
+    </dgm:linClrLst>
+    <dgm:effectClrLst/>
+    <dgm:txLinClrLst/>
+    <dgm:txFillClrLst/>
+    <dgm:txEffectClrLst/>
+  </dgm:styleLbl>
+  <dgm:styleLbl name="fgSibTrans2D1">
+    <dgm:fillClrLst meth="repeat">
+      <a:schemeClr val="accent1">
+        <a:tint val="60000"/>
+      </a:schemeClr>
+    </dgm:fillClrLst>
+    <dgm:linClrLst meth="repeat">
+      <a:schemeClr val="accent1">
+        <a:tint val="60000"/>
+      </a:schemeClr>
+    </dgm:linClrLst>
+    <dgm:effectClrLst/>
+    <dgm:txLinClrLst/>
+    <dgm:txFillClrLst/>
+    <dgm:txEffectClrLst/>
+  </dgm:styleLbl>
+  <dgm:styleLbl name="bgSibTrans2D1">
+    <dgm:fillClrLst meth="repeat">
+      <a:schemeClr val="accent1">
+        <a:tint val="60000"/>
+      </a:schemeClr>
+    </dgm:fillClrLst>
+    <dgm:linClrLst meth="repeat">
+      <a:schemeClr val="accent1">
+        <a:tint val="60000"/>
+      </a:schemeClr>
+    </dgm:linClrLst>
+    <dgm:effectClrLst/>
+    <dgm:txLinClrLst/>
+    <dgm:txFillClrLst/>
+    <dgm:txEffectClrLst/>
+  </dgm:styleLbl>
+  <dgm:styleLbl name="sibTrans1D1">
+    <dgm:fillClrLst meth="repeat">
+      <a:schemeClr val="accent1"/>
+    </dgm:fillClrLst>
+    <dgm:linClrLst meth="repeat">
+      <a:schemeClr val="accent1"/>
+    </dgm:linClrLst>
+    <dgm:effectClrLst/>
+    <dgm:txLinClrLst/>
+    <dgm:txFillClrLst meth="repeat">
+      <a:schemeClr val="tx1"/>
+    </dgm:txFillClrLst>
+    <dgm:txEffectClrLst/>
+  </dgm:styleLbl>
+  <dgm:styleLbl name="callout">
+    <dgm:fillClrLst meth="repeat">
+      <a:schemeClr val="accent1"/>
+    </dgm:fillClrLst>
+    <dgm:linClrLst meth="repeat">
+      <a:schemeClr val="accent1">
+        <a:tint val="50000"/>
+      </a:schemeClr>
+    </dgm:linClrLst>
+    <dgm:effectClrLst/>
+    <dgm:txLinClrLst/>
+    <dgm:txFillClrLst meth="repeat">
+      <a:schemeClr val="tx1"/>
+    </dgm:txFillClrLst>
+    <dgm:txEffectClrLst/>
+  </dgm:styleLbl>
+  <dgm:styleLbl name="asst0">
+    <dgm:fillClrLst meth="repeat">
+      <a:schemeClr val="accent1"/>
+    </dgm:fillClrLst>
+    <dgm:linClrLst meth="repeat">
+      <a:schemeClr val="lt1"/>
+    </dgm:linClrLst>
+    <dgm:effectClrLst/>
+    <dgm:txLinClrLst/>
+    <dgm:txFillClrLst/>
+    <dgm:txEffectClrLst/>
+  </dgm:styleLbl>
+  <dgm:styleLbl name="asst1">
+    <dgm:fillClrLst meth="repeat">
+      <a:schemeClr val="accent1"/>
+    </dgm:fillClrLst>
+    <dgm:linClrLst meth="repeat">
+      <a:schemeClr val="lt1"/>
+    </dgm:linClrLst>
+    <dgm:effectClrLst/>
+    <dgm:txLinClrLst/>
+    <dgm:txFillClrLst/>
+    <dgm:txEffectClrLst/>
+  </dgm:styleLbl>
+  <dgm:styleLbl name="asst2">
+    <dgm:fillClrLst meth="repeat">
+      <a:schemeClr val="accent1"/>
+    </dgm:fillClrLst>
+    <dgm:linClrLst meth="repeat">
+      <a:schemeClr val="lt1"/>
+    </dgm:linClrLst>
+    <dgm:effectClrLst/>
+    <dgm:txLinClrLst/>
+    <dgm:txFillClrLst/>
+    <dgm:txEffectClrLst/>
+  </dgm:styleLbl>
+  <dgm:styleLbl name="asst3">
+    <dgm:fillClrLst meth="repeat">
+      <a:schemeClr val="accent1"/>
+    </dgm:fillClrLst>
+    <dgm:linClrLst meth="repeat">
+      <a:schemeClr val="lt1"/>
+    </dgm:linClrLst>
+    <dgm:effectClrLst/>
+    <dgm:txLinClrLst/>
+    <dgm:txFillClrLst/>
+    <dgm:txEffectClrLst/>
+  </dgm:styleLbl>
+  <dgm:styleLbl name="asst4">
+    <dgm:fillClrLst meth="repeat">
+      <a:schemeClr val="accent1"/>
+    </dgm:fillClrLst>
+    <dgm:linClrLst meth="repeat">
+      <a:schemeClr val="lt1"/>
+    </dgm:linClrLst>
+    <dgm:effectClrLst/>
+    <dgm:txLinClrLst/>
+    <dgm:txFillClrLst/>
+    <dgm:txEffectClrLst/>
+  </dgm:styleLbl>
+  <dgm:styleLbl name="parChTrans2D1">
+    <dgm:fillClrLst meth="repeat">
+      <a:schemeClr val="accent1">
+        <a:tint val="60000"/>
+      </a:schemeClr>
+    </dgm:fillClrLst>
+    <dgm:linClrLst meth="repeat">
+      <a:schemeClr val="accent1">
+        <a:tint val="60000"/>
+      </a:schemeClr>
+    </dgm:linClrLst>
+    <dgm:effectClrLst/>
+    <dgm:txLinClrLst/>
+    <dgm:txFillClrLst meth="repeat">
+      <a:schemeClr val="lt1"/>
+    </dgm:txFillClrLst>
+    <dgm:txEffectClrLst/>
+  </dgm:styleLbl>
+  <dgm:styleLbl name="parChTrans2D2">
+    <dgm:fillClrLst meth="repeat">
+      <a:schemeClr val="accent1"/>
+    </dgm:fillClrLst>
+    <dgm:linClrLst meth="repeat">
+      <a:schemeClr val="accent1"/>
+    </dgm:linClrLst>
+    <dgm:effectClrLst/>
+    <dgm:txLinClrLst/>
+    <dgm:txFillClrLst meth="repeat">
+      <a:schemeClr val="lt1"/>
+    </dgm:txFillClrLst>
+    <dgm:txEffectClrLst/>
+  </dgm:styleLbl>
+  <dgm:styleLbl name="parChTrans2D3">
+    <dgm:fillClrLst meth="repeat">
+      <a:schemeClr val="accent1"/>
+    </dgm:fillClrLst>
+    <dgm:linClrLst meth="repeat">
+      <a:schemeClr val="accent1"/>
+    </dgm:linClrLst>
+    <dgm:effectClrLst/>
+    <dgm:txLinClrLst/>
+    <dgm:txFillClrLst meth="repeat">
+      <a:schemeClr val="lt1"/>
+    </dgm:txFillClrLst>
+    <dgm:txEffectClrLst/>
+  </dgm:styleLbl>
+  <dgm:styleLbl name="parChTrans2D4">
+    <dgm:fillClrLst meth="repeat">
+      <a:schemeClr val="accent1"/>
+    </dgm:fillClrLst>
+    <dgm:linClrLst meth="repeat">
+      <a:schemeClr val="accent1"/>
+    </dgm:linClrLst>
+    <dgm:effectClrLst/>
+    <dgm:txLinClrLst/>
+    <dgm:txFillClrLst meth="repeat">
+      <a:schemeClr val="lt1"/>
+    </dgm:txFillClrLst>
+    <dgm:txEffectClrLst/>
+  </dgm:styleLbl>
+  <dgm:styleLbl name="parChTrans1D1">
+    <dgm:fillClrLst meth="repeat">
+      <a:schemeClr val="accent1"/>
+    </dgm:fillClrLst>
+    <dgm:linClrLst meth="repeat">
+      <a:schemeClr val="accent1">
+        <a:shade val="60000"/>
+      </a:schemeClr>
+    </dgm:linClrLst>
+    <dgm:effectClrLst/>
+    <dgm:txLinClrLst/>
+    <dgm:txFillClrLst meth="repeat">
+      <a:schemeClr val="tx1"/>
+    </dgm:txFillClrLst>
+    <dgm:txEffectClrLst/>
+  </dgm:styleLbl>
+  <dgm:styleLbl name="parChTrans1D2">
+    <dgm:fillClrLst meth="repeat">
+      <a:schemeClr val="accent1"/>
+    </dgm:fillClrLst>
+    <dgm:linClrLst meth="repeat">
+      <a:schemeClr val="accent1">
+        <a:shade val="60000"/>
+      </a:schemeClr>
+    </dgm:linClrLst>
+    <dgm:effectClrLst/>
+    <dgm:txLinClrLst/>
+    <dgm:txFillClrLst meth="repeat">
+      <a:schemeClr val="tx1"/>
+    </dgm:txFillClrLst>
+    <dgm:txEffectClrLst/>
+  </dgm:styleLbl>
+  <dgm:styleLbl name="parChTrans1D3">
+    <dgm:fillClrLst meth="repeat">
+      <a:schemeClr val="accent1"/>
+    </dgm:fillClrLst>
+    <dgm:linClrLst meth="repeat">
+      <a:schemeClr val="accent1">
+        <a:shade val="80000"/>
+      </a:schemeClr>
+    </dgm:linClrLst>
+    <dgm:effectClrLst/>
+    <dgm:txLinClrLst/>
+    <dgm:txFillClrLst meth="repeat">
+      <a:schemeClr val="tx1"/>
+    </dgm:txFillClrLst>
+    <dgm:txEffectClrLst/>
+  </dgm:styleLbl>
+  <dgm:styleLbl name="parChTrans1D4">
+    <dgm:fillClrLst meth="repeat">
+      <a:schemeClr val="accent1"/>
+    </dgm:fillClrLst>
+    <dgm:linClrLst meth="repeat">
+      <a:schemeClr val="accent1">
+        <a:shade val="80000"/>
+      </a:schemeClr>
+    </dgm:linClrLst>
+    <dgm:effectClrLst/>
+    <dgm:txLinClrLst/>
+    <dgm:txFillClrLst meth="repeat">
+      <a:schemeClr val="tx1"/>
+    </dgm:txFillClrLst>
+    <dgm:txEffectClrLst/>
+  </dgm:styleLbl>
+  <dgm:styleLbl name="fgAcc1">
+    <dgm:fillClrLst meth="repeat">
+      <a:schemeClr val="lt1">
+        <a:alpha val="90000"/>
+      </a:schemeClr>
+    </dgm:fillClrLst>
+    <dgm:linClrLst meth="repeat">
+      <a:schemeClr val="accent1"/>
+    </dgm:linClrLst>
+    <dgm:effectClrLst/>
+    <dgm:txLinClrLst/>
+    <dgm:txFillClrLst meth="repeat">
+      <a:schemeClr val="dk1"/>
+    </dgm:txFillClrLst>
+    <dgm:txEffectClrLst/>
+  </dgm:styleLbl>
+  <dgm:styleLbl name="conFgAcc1">
+    <dgm:fillClrLst meth="repeat">
+      <a:schemeClr val="lt1">
+        <a:alpha val="90000"/>
+      </a:schemeClr>
+    </dgm:fillClrLst>
+    <dgm:linClrLst meth="repeat">
+      <a:schemeClr val="accent1"/>
+    </dgm:linClrLst>
+    <dgm:effectClrLst/>
+    <dgm:txLinClrLst/>
+    <dgm:txFillClrLst meth="repeat">
+      <a:schemeClr val="dk1"/>
+    </dgm:txFillClrLst>
+    <dgm:txEffectClrLst/>
+  </dgm:styleLbl>
+  <dgm:styleLbl name="alignAcc1">
+    <dgm:fillClrLst meth="repeat">
+      <a:schemeClr val="lt1">
+        <a:alpha val="90000"/>
+      </a:schemeClr>
+    </dgm:fillClrLst>
+    <dgm:linClrLst meth="repeat">
+      <a:schemeClr val="accent1"/>
+    </dgm:linClrLst>
+    <dgm:effectClrLst/>
+    <dgm:txLinClrLst/>
+    <dgm:txFillClrLst meth="repeat">
+      <a:schemeClr val="dk1"/>
+    </dgm:txFillClrLst>
+    <dgm:txEffectClrLst/>
+  </dgm:styleLbl>
+  <dgm:styleLbl name="trAlignAcc1">
+    <dgm:fillClrLst meth="repeat">
+      <a:schemeClr val="lt1">
+        <a:alpha val="40000"/>
+      </a:schemeClr>
+    </dgm:fillClrLst>
+    <dgm:linClrLst meth="repeat">
+      <a:schemeClr val="accent1"/>
+    </dgm:linClrLst>
+    <dgm:effectClrLst/>
+    <dgm:txLinClrLst/>
+    <dgm:txFillClrLst meth="repeat">
+      <a:schemeClr val="dk1"/>
+    </dgm:txFillClrLst>
+    <dgm:txEffectClrLst/>
+  </dgm:styleLbl>
+  <dgm:styleLbl name="bgAcc1">
+    <dgm:fillClrLst meth="repeat">
+      <a:schemeClr val="lt1">
+        <a:alpha val="90000"/>
+      </a:schemeClr>
+    </dgm:fillClrLst>
+    <dgm:linClrLst meth="repeat">
+      <a:schemeClr val="accent1"/>
+    </dgm:linClrLst>
+    <dgm:effectClrLst/>
+    <dgm:txLinClrLst/>
+    <dgm:txFillClrLst meth="repeat">
+      <a:schemeClr val="dk1"/>
+    </dgm:txFillClrLst>
+    <dgm:txEffectClrLst/>
+  </dgm:styleLbl>
+  <dgm:styleLbl name="solidFgAcc1">
+    <dgm:fillClrLst meth="repeat">
+      <a:schemeClr val="lt1"/>
+    </dgm:fillClrLst>
+    <dgm:linClrLst meth="repeat">
+      <a:schemeClr val="accent1"/>
+    </dgm:linClrLst>
+    <dgm:effectClrLst/>
+    <dgm:txLinClrLst/>
+    <dgm:txFillClrLst meth="repeat">
+      <a:schemeClr val="dk1"/>
+    </dgm:txFillClrLst>
+    <dgm:txEffectClrLst/>
+  </dgm:styleLbl>
+  <dgm:styleLbl name="solidAlignAcc1">
+    <dgm:fillClrLst meth="repeat">
+      <a:schemeClr val="lt1"/>
+    </dgm:fillClrLst>
+    <dgm:linClrLst meth="repeat">
+      <a:schemeClr val="accent1"/>
+    </dgm:linClrLst>
+    <dgm:effectClrLst/>
+    <dgm:txLinClrLst/>
+    <dgm:txFillClrLst meth="repeat">
+      <a:schemeClr val="dk1"/>
+    </dgm:txFillClrLst>
+    <dgm:txEffectClrLst/>
+  </dgm:styleLbl>
+  <dgm:styleLbl name="solidBgAcc1">
+    <dgm:fillClrLst meth="repeat">
+      <a:schemeClr val="lt1"/>
+    </dgm:fillClrLst>
+    <dgm:linClrLst meth="repeat">
+      <a:schemeClr val="accent1"/>
+    </dgm:linClrLst>
+    <dgm:effectClrLst/>
+    <dgm:txLinClrLst/>
+    <dgm:txFillClrLst meth="repeat">
+      <a:schemeClr val="dk1"/>
+    </dgm:txFillClrLst>
+    <dgm:txEffectClrLst/>
+  </dgm:styleLbl>
+  <dgm:styleLbl name="fgAccFollowNode1">
+    <dgm:fillClrLst meth="repeat">
+      <a:schemeClr val="accent1">
+        <a:alpha val="90000"/>
+        <a:tint val="40000"/>
+      </a:schemeClr>
+    </dgm:fillClrLst>
+    <dgm:linClrLst meth="repeat">
+      <a:schemeClr val="accent1">
+        <a:alpha val="90000"/>
+        <a:tint val="40000"/>
+      </a:schemeClr>
+    </dgm:linClrLst>
+    <dgm:effectClrLst/>
+    <dgm:txLinClrLst/>
+    <dgm:txFillClrLst meth="repeat">
+      <a:schemeClr val="dk1"/>
+    </dgm:txFillClrLst>
+    <dgm:txEffectClrLst/>
+  </dgm:styleLbl>
+  <dgm:styleLbl name="alignAccFollowNode1">
+    <dgm:fillClrLst meth="repeat">
+      <a:schemeClr val="accent1">
+        <a:alpha val="90000"/>
+        <a:tint val="40000"/>
+      </a:schemeClr>
+    </dgm:fillClrLst>
+    <dgm:linClrLst meth="repeat">
+      <a:schemeClr val="accent1">
+        <a:alpha val="90000"/>
+        <a:tint val="40000"/>
+      </a:schemeClr>
+    </dgm:linClrLst>
+    <dgm:effectClrLst/>
+    <dgm:txLinClrLst/>
+    <dgm:txFillClrLst meth="repeat">
+      <a:schemeClr val="dk1"/>
+    </dgm:txFillClrLst>
+    <dgm:txEffectClrLst/>
+  </dgm:styleLbl>
+  <dgm:styleLbl name="bgAccFollowNode1">
+    <dgm:fillClrLst meth="repeat">
+      <a:schemeClr val="accent1">
+        <a:alpha val="90000"/>
+        <a:tint val="40000"/>
+      </a:schemeClr>
+    </dgm:fillClrLst>
+    <dgm:linClrLst meth="repeat">
+      <a:schemeClr val="accent1">
+        <a:alpha val="90000"/>
+        <a:tint val="40000"/>
+      </a:schemeClr>
+    </dgm:linClrLst>
+    <dgm:effectClrLst/>
+    <dgm:txLinClrLst/>
+    <dgm:txFillClrLst meth="repeat">
+      <a:schemeClr val="dk1"/>
+    </dgm:txFillClrLst>
+    <dgm:txEffectClrLst/>
+  </dgm:styleLbl>
+  <dgm:styleLbl name="fgAcc0">
+    <dgm:fillClrLst meth="repeat">
+      <a:schemeClr val="lt1">
+        <a:alpha val="90000"/>
+      </a:schemeClr>
+    </dgm:fillClrLst>
+    <dgm:linClrLst meth="repeat">
+      <a:schemeClr val="accent1"/>
+    </dgm:linClrLst>
+    <dgm:effectClrLst/>
+    <dgm:txLinClrLst/>
+    <dgm:txFillClrLst meth="repeat">
+      <a:schemeClr val="dk1"/>
+    </dgm:txFillClrLst>
+    <dgm:txEffectClrLst/>
+  </dgm:styleLbl>
+  <dgm:styleLbl name="fgAcc2">
+    <dgm:fillClrLst meth="repeat">
+      <a:schemeClr val="lt1">
+        <a:alpha val="90000"/>
+      </a:schemeClr>
+    </dgm:fillClrLst>
+    <dgm:linClrLst meth="repeat">
+      <a:schemeClr val="accent1"/>
+    </dgm:linClrLst>
+    <dgm:effectClrLst/>
+    <dgm:txLinClrLst/>
+    <dgm:txFillClrLst meth="repeat">
+      <a:schemeClr val="dk1"/>
+    </dgm:txFillClrLst>
+    <dgm:txEffectClrLst/>
+  </dgm:styleLbl>
+  <dgm:styleLbl name="fgAcc3">
+    <dgm:fillClrLst meth="repeat">
+      <a:schemeClr val="lt1">
+        <a:alpha val="90000"/>
+      </a:schemeClr>
+    </dgm:fillClrLst>
+    <dgm:linClrLst meth="repeat">
+      <a:schemeClr val="accent1"/>
+    </dgm:linClrLst>
+    <dgm:effectClrLst/>
+    <dgm:txLinClrLst/>
+    <dgm:txFillClrLst meth="repeat">
+      <a:schemeClr val="dk1"/>
+    </dgm:txFillClrLst>
+    <dgm:txEffectClrLst/>
+  </dgm:styleLbl>
+  <dgm:styleLbl name="fgAcc4">
+    <dgm:fillClrLst meth="repeat">
+      <a:schemeClr val="lt1">
+        <a:alpha val="90000"/>
+      </a:schemeClr>
+    </dgm:fillClrLst>
+    <dgm:linClrLst meth="repeat">
+      <a:schemeClr val="accent1"/>
+    </dgm:linClrLst>
+    <dgm:effectClrLst/>
+    <dgm:txLinClrLst/>
+    <dgm:txFillClrLst meth="repeat">
+      <a:schemeClr val="dk1"/>
+    </dgm:txFillClrLst>
+    <dgm:txEffectClrLst/>
+  </dgm:styleLbl>
+  <dgm:styleLbl name="bgShp">
+    <dgm:fillClrLst meth="repeat">
+      <a:schemeClr val="accent1">
+        <a:tint val="40000"/>
+      </a:schemeClr>
+    </dgm:fillClrLst>
+    <dgm:linClrLst meth="repeat">
+      <a:schemeClr val="accent1"/>
+    </dgm:linClrLst>
+    <dgm:effectClrLst/>
+    <dgm:txLinClrLst/>
+    <dgm:txFillClrLst meth="repeat">
+      <a:schemeClr val="dk1"/>
+    </dgm:txFillClrLst>
+    <dgm:txEffectClrLst/>
+  </dgm:styleLbl>
+  <dgm:styleLbl name="dkBgShp">
+    <dgm:fillClrLst meth="repeat">
+      <a:schemeClr val="accent1">
+        <a:shade val="80000"/>
+      </a:schemeClr>
+    </dgm:fillClrLst>
+    <dgm:linClrLst meth="repeat">
+      <a:schemeClr val="accent1"/>
+    </dgm:linClrLst>
+    <dgm:effectClrLst/>
+    <dgm:txLinClrLst/>
+    <dgm:txFillClrLst meth="repeat">
+      <a:schemeClr val="lt1"/>
+    </dgm:txFillClrLst>
+    <dgm:txEffectClrLst/>
+  </dgm:styleLbl>
+  <dgm:styleLbl name="trBgShp">
+    <dgm:fillClrLst meth="repeat">
+      <a:schemeClr val="accent1">
+        <a:tint val="50000"/>
+        <a:alpha val="40000"/>
+      </a:schemeClr>
+    </dgm:fillClrLst>
+    <dgm:linClrLst meth="repeat">
+      <a:schemeClr val="accent1"/>
+    </dgm:linClrLst>
+    <dgm:effectClrLst/>
+    <dgm:txLinClrLst/>
+    <dgm:txFillClrLst meth="repeat">
+      <a:schemeClr val="lt1"/>
+    </dgm:txFillClrLst>
+    <dgm:txEffectClrLst/>
+  </dgm:styleLbl>
+  <dgm:styleLbl name="fgShp">
+    <dgm:fillClrLst meth="repeat">
+      <a:schemeClr val="accent1">
+        <a:tint val="60000"/>
+      </a:schemeClr>
+    </dgm:fillClrLst>
+    <dgm:linClrLst meth="repeat">
+      <a:schemeClr val="lt1"/>
+    </dgm:linClrLst>
+    <dgm:effectClrLst/>
+    <dgm:txLinClrLst/>
+    <dgm:txFillClrLst meth="repeat">
+      <a:schemeClr val="dk1"/>
+    </dgm:txFillClrLst>
+    <dgm:txEffectClrLst/>
+  </dgm:styleLbl>
+  <dgm:styleLbl name="revTx">
+    <dgm:fillClrLst meth="repeat">
+      <a:schemeClr val="lt1">
+        <a:alpha val="0"/>
+      </a:schemeClr>
+    </dgm:fillClrLst>
+    <dgm:linClrLst meth="repeat">
+      <a:schemeClr val="dk1">
+        <a:alpha val="0"/>
+      </a:schemeClr>
+    </dgm:linClrLst>
+    <dgm:effectClrLst/>
+    <dgm:txLinClrLst/>
+    <dgm:txFillClrLst meth="repeat">
+      <a:schemeClr val="tx1"/>
+    </dgm:txFillClrLst>
+    <dgm:txEffectClrLst/>
+  </dgm:styleLbl>
+</dgm:colorsDef>
+</file>
+
+<file path=ppt/diagrams/colors4.xml><?xml version="1.0" encoding="utf-8"?>
 <dgm:colorsDef xmlns:dgm="http://schemas.openxmlformats.org/drawingml/2006/diagram" xmlns:a="http://schemas.openxmlformats.org/drawingml/2006/main" uniqueId="urn:microsoft.com/office/officeart/2005/8/colors/accent1_2">
   <dgm:title val=""/>
   <dgm:desc val=""/>
@@ -2886,6 +3645,805 @@
   <dgm:extLst>
     <a:ext uri="http://schemas.microsoft.com/office/drawing/2008/diagram">
       <dsp:dataModelExt xmlns:dsp="http://schemas.microsoft.com/office/drawing/2008/diagram" xmlns="" relId="rId7" minVer="http://schemas.openxmlformats.org/drawingml/2006/diagram"/>
+    </a:ext>
+  </dgm:extLst>
+</dgm:dataModel>
+</file>
+
+<file path=ppt/diagrams/data4.xml><?xml version="1.0" encoding="utf-8"?>
+<dgm:dataModel xmlns:dgm="http://schemas.openxmlformats.org/drawingml/2006/diagram" xmlns:a="http://schemas.openxmlformats.org/drawingml/2006/main">
+  <dgm:ptLst>
+    <dgm:pt modelId="{5AC97B45-D950-4BA7-828F-A82426FC621B}" type="doc">
+      <dgm:prSet loTypeId="urn:microsoft.com/office/officeart/2005/8/layout/hierarchy6" loCatId="hierarchy" qsTypeId="urn:microsoft.com/office/officeart/2005/8/quickstyle/simple1" qsCatId="simple" csTypeId="urn:microsoft.com/office/officeart/2005/8/colors/accent1_2" csCatId="accent1" phldr="1"/>
+      <dgm:spPr/>
+      <dgm:t>
+        <a:bodyPr/>
+        <a:lstStyle/>
+        <a:p>
+          <a:endParaRPr lang="en-US"/>
+        </a:p>
+      </dgm:t>
+    </dgm:pt>
+    <dgm:pt modelId="{81ECDEF2-4B90-4768-BA63-4BE734E93C77}">
+      <dgm:prSet phldrT="[Text]"/>
+      <dgm:spPr/>
+      <dgm:t>
+        <a:bodyPr/>
+        <a:lstStyle/>
+        <a:p>
+          <a:r>
+            <a:rPr lang="en-US" dirty="0" smtClean="0"/>
+            <a:t>Neural Network</a:t>
+          </a:r>
+          <a:endParaRPr lang="en-US" dirty="0"/>
+        </a:p>
+      </dgm:t>
+    </dgm:pt>
+    <dgm:pt modelId="{B7B25871-225C-4884-8BEC-F9D608D91BB7}" type="parTrans" cxnId="{36996426-A526-4EF6-87C6-58D4AE717C3A}">
+      <dgm:prSet/>
+      <dgm:spPr/>
+      <dgm:t>
+        <a:bodyPr/>
+        <a:lstStyle/>
+        <a:p>
+          <a:endParaRPr lang="en-US"/>
+        </a:p>
+      </dgm:t>
+    </dgm:pt>
+    <dgm:pt modelId="{35E406F7-85DC-4D39-89B1-D3DD2C583D5A}" type="sibTrans" cxnId="{36996426-A526-4EF6-87C6-58D4AE717C3A}">
+      <dgm:prSet/>
+      <dgm:spPr/>
+      <dgm:t>
+        <a:bodyPr/>
+        <a:lstStyle/>
+        <a:p>
+          <a:endParaRPr lang="en-US"/>
+        </a:p>
+      </dgm:t>
+    </dgm:pt>
+    <dgm:pt modelId="{4E048086-5913-4F96-8238-CBE7DCDA6106}">
+      <dgm:prSet phldrT="[Text]"/>
+      <dgm:spPr/>
+      <dgm:t>
+        <a:bodyPr/>
+        <a:lstStyle/>
+        <a:p>
+          <a:r>
+            <a:rPr lang="en-US" dirty="0" smtClean="0"/>
+            <a:t>Warning</a:t>
+          </a:r>
+          <a:endParaRPr lang="en-US" dirty="0"/>
+        </a:p>
+      </dgm:t>
+    </dgm:pt>
+    <dgm:pt modelId="{9C33CFCA-6F5C-4680-9DBE-7CEAF0BA519D}" type="parTrans" cxnId="{8384144A-B81E-4F5B-9A5A-E1BBF490E4D3}">
+      <dgm:prSet/>
+      <dgm:spPr/>
+      <dgm:t>
+        <a:bodyPr/>
+        <a:lstStyle/>
+        <a:p>
+          <a:endParaRPr lang="en-US"/>
+        </a:p>
+      </dgm:t>
+    </dgm:pt>
+    <dgm:pt modelId="{CF857031-F749-434F-AF3D-678006DA4923}" type="sibTrans" cxnId="{8384144A-B81E-4F5B-9A5A-E1BBF490E4D3}">
+      <dgm:prSet/>
+      <dgm:spPr/>
+      <dgm:t>
+        <a:bodyPr/>
+        <a:lstStyle/>
+        <a:p>
+          <a:endParaRPr lang="en-US"/>
+        </a:p>
+      </dgm:t>
+    </dgm:pt>
+    <dgm:pt modelId="{EA4E1945-2735-48C0-B456-38029D16B9F1}">
+      <dgm:prSet phldrT="[Text]"/>
+      <dgm:spPr/>
+      <dgm:t>
+        <a:bodyPr/>
+        <a:lstStyle/>
+        <a:p>
+          <a:r>
+            <a:rPr lang="en-US" dirty="0" smtClean="0"/>
+            <a:t>Regulatory</a:t>
+          </a:r>
+          <a:endParaRPr lang="en-US" dirty="0"/>
+        </a:p>
+      </dgm:t>
+    </dgm:pt>
+    <dgm:pt modelId="{583224E0-242D-4CF9-940B-1779D564971F}" type="parTrans" cxnId="{F77E2EA7-08B3-4134-A622-654B7F840859}">
+      <dgm:prSet/>
+      <dgm:spPr/>
+      <dgm:t>
+        <a:bodyPr/>
+        <a:lstStyle/>
+        <a:p>
+          <a:endParaRPr lang="en-US"/>
+        </a:p>
+      </dgm:t>
+    </dgm:pt>
+    <dgm:pt modelId="{B88E4A3A-A473-4AC4-BF58-42ECF85E90DF}" type="sibTrans" cxnId="{F77E2EA7-08B3-4134-A622-654B7F840859}">
+      <dgm:prSet/>
+      <dgm:spPr/>
+      <dgm:t>
+        <a:bodyPr/>
+        <a:lstStyle/>
+        <a:p>
+          <a:endParaRPr lang="en-US"/>
+        </a:p>
+      </dgm:t>
+    </dgm:pt>
+    <dgm:pt modelId="{4CE06E46-0714-452F-AB24-C9C05FFE475F}">
+      <dgm:prSet/>
+      <dgm:spPr/>
+      <dgm:t>
+        <a:bodyPr/>
+        <a:lstStyle/>
+        <a:p>
+          <a:r>
+            <a:rPr lang="en-US" dirty="0" smtClean="0"/>
+            <a:t>Compulsory</a:t>
+          </a:r>
+          <a:endParaRPr lang="en-US" dirty="0"/>
+        </a:p>
+      </dgm:t>
+    </dgm:pt>
+    <dgm:pt modelId="{1F18CF45-9EFF-4272-974C-667D3755D4F6}" type="parTrans" cxnId="{87A63F06-F937-4F71-BB26-2BAB8CDB24F8}">
+      <dgm:prSet/>
+      <dgm:spPr/>
+      <dgm:t>
+        <a:bodyPr/>
+        <a:lstStyle/>
+        <a:p>
+          <a:endParaRPr lang="en-US"/>
+        </a:p>
+      </dgm:t>
+    </dgm:pt>
+    <dgm:pt modelId="{C1DEE18B-A183-474E-99D8-161BC619A018}" type="sibTrans" cxnId="{87A63F06-F937-4F71-BB26-2BAB8CDB24F8}">
+      <dgm:prSet/>
+      <dgm:spPr/>
+      <dgm:t>
+        <a:bodyPr/>
+        <a:lstStyle/>
+        <a:p>
+          <a:endParaRPr lang="en-US"/>
+        </a:p>
+      </dgm:t>
+    </dgm:pt>
+    <dgm:pt modelId="{763F464C-1A9B-4A8A-BBB6-CB85F5083C00}">
+      <dgm:prSet/>
+      <dgm:spPr/>
+      <dgm:t>
+        <a:bodyPr/>
+        <a:lstStyle/>
+        <a:p>
+          <a:r>
+            <a:rPr lang="en-US" dirty="0" smtClean="0"/>
+            <a:t>Prohibitory</a:t>
+          </a:r>
+          <a:endParaRPr lang="en-US" dirty="0"/>
+        </a:p>
+      </dgm:t>
+    </dgm:pt>
+    <dgm:pt modelId="{A5FC00B1-5AC9-4694-92A2-A3073E74A651}" type="parTrans" cxnId="{4E80E8C5-DC9C-4FC5-8D7E-D97479D4F695}">
+      <dgm:prSet/>
+      <dgm:spPr/>
+      <dgm:t>
+        <a:bodyPr/>
+        <a:lstStyle/>
+        <a:p>
+          <a:endParaRPr lang="en-US"/>
+        </a:p>
+      </dgm:t>
+    </dgm:pt>
+    <dgm:pt modelId="{9C5608EC-5095-4096-9C8C-81C0FA9CE8FA}" type="sibTrans" cxnId="{4E80E8C5-DC9C-4FC5-8D7E-D97479D4F695}">
+      <dgm:prSet/>
+      <dgm:spPr/>
+      <dgm:t>
+        <a:bodyPr/>
+        <a:lstStyle/>
+        <a:p>
+          <a:endParaRPr lang="en-US"/>
+        </a:p>
+      </dgm:t>
+    </dgm:pt>
+    <dgm:pt modelId="{58EF9AEA-4A68-40BD-8934-D010E5ED107A}">
+      <dgm:prSet/>
+      <dgm:spPr/>
+      <dgm:t>
+        <a:bodyPr/>
+        <a:lstStyle/>
+        <a:p>
+          <a:r>
+            <a:rPr lang="en-US" dirty="0" smtClean="0"/>
+            <a:t>Non-Prohibitory</a:t>
+          </a:r>
+          <a:endParaRPr lang="en-US" dirty="0"/>
+        </a:p>
+      </dgm:t>
+    </dgm:pt>
+    <dgm:pt modelId="{8B6DCE7E-8550-4F5F-9BA2-6ADCF23123CD}" type="parTrans" cxnId="{F76B0E3F-AE77-482F-9725-C4252CD73107}">
+      <dgm:prSet/>
+      <dgm:spPr/>
+      <dgm:t>
+        <a:bodyPr/>
+        <a:lstStyle/>
+        <a:p>
+          <a:endParaRPr lang="en-US"/>
+        </a:p>
+      </dgm:t>
+    </dgm:pt>
+    <dgm:pt modelId="{0526F32D-0351-45A5-8C58-97CDF2BBDBC1}" type="sibTrans" cxnId="{F76B0E3F-AE77-482F-9725-C4252CD73107}">
+      <dgm:prSet/>
+      <dgm:spPr/>
+      <dgm:t>
+        <a:bodyPr/>
+        <a:lstStyle/>
+        <a:p>
+          <a:endParaRPr lang="en-US"/>
+        </a:p>
+      </dgm:t>
+    </dgm:pt>
+    <dgm:pt modelId="{4E7D3B01-FC5C-43ED-802E-A887796C0252}">
+      <dgm:prSet/>
+      <dgm:spPr/>
+      <dgm:t>
+        <a:bodyPr/>
+        <a:lstStyle/>
+        <a:p>
+          <a:r>
+            <a:rPr lang="en-US" dirty="0" smtClean="0"/>
+            <a:t>Vehicles</a:t>
+          </a:r>
+          <a:endParaRPr lang="en-US" dirty="0"/>
+        </a:p>
+      </dgm:t>
+    </dgm:pt>
+    <dgm:pt modelId="{42ED6FD1-9063-4FF4-B4E1-2D6CD09707DD}" type="parTrans" cxnId="{91441CA7-78C8-4A6B-A808-ADE27D701643}">
+      <dgm:prSet/>
+      <dgm:spPr/>
+      <dgm:t>
+        <a:bodyPr/>
+        <a:lstStyle/>
+        <a:p>
+          <a:endParaRPr lang="en-US"/>
+        </a:p>
+      </dgm:t>
+    </dgm:pt>
+    <dgm:pt modelId="{59C90DA1-345D-43DE-B9CB-D6B7CD68784C}" type="sibTrans" cxnId="{91441CA7-78C8-4A6B-A808-ADE27D701643}">
+      <dgm:prSet/>
+      <dgm:spPr/>
+      <dgm:t>
+        <a:bodyPr/>
+        <a:lstStyle/>
+        <a:p>
+          <a:endParaRPr lang="en-US"/>
+        </a:p>
+      </dgm:t>
+    </dgm:pt>
+    <dgm:pt modelId="{EC5B3B17-A8F1-4BF2-9088-0A1C3FFB265D}">
+      <dgm:prSet/>
+      <dgm:spPr/>
+      <dgm:t>
+        <a:bodyPr/>
+        <a:lstStyle/>
+        <a:p>
+          <a:r>
+            <a:rPr lang="en-US" dirty="0" smtClean="0"/>
+            <a:t>Arrows</a:t>
+          </a:r>
+          <a:endParaRPr lang="en-US" dirty="0"/>
+        </a:p>
+      </dgm:t>
+    </dgm:pt>
+    <dgm:pt modelId="{B6F1ECDF-70D7-40BD-83E0-7627B277D4C7}" type="parTrans" cxnId="{D4C6D084-DB23-4191-8A19-EF17E884F501}">
+      <dgm:prSet/>
+      <dgm:spPr/>
+      <dgm:t>
+        <a:bodyPr/>
+        <a:lstStyle/>
+        <a:p>
+          <a:endParaRPr lang="en-US"/>
+        </a:p>
+      </dgm:t>
+    </dgm:pt>
+    <dgm:pt modelId="{F65A7FA6-6F98-43F7-861D-03FD77F0B23A}" type="sibTrans" cxnId="{D4C6D084-DB23-4191-8A19-EF17E884F501}">
+      <dgm:prSet/>
+      <dgm:spPr/>
+      <dgm:t>
+        <a:bodyPr/>
+        <a:lstStyle/>
+        <a:p>
+          <a:endParaRPr lang="en-US"/>
+        </a:p>
+      </dgm:t>
+    </dgm:pt>
+    <dgm:pt modelId="{C8EF2319-5CDE-412F-8FF3-46525236DB5F}">
+      <dgm:prSet/>
+      <dgm:spPr/>
+      <dgm:t>
+        <a:bodyPr/>
+        <a:lstStyle/>
+        <a:p>
+          <a:r>
+            <a:rPr lang="en-US" dirty="0" smtClean="0"/>
+            <a:t>Human</a:t>
+          </a:r>
+          <a:endParaRPr lang="en-US" dirty="0"/>
+        </a:p>
+      </dgm:t>
+    </dgm:pt>
+    <dgm:pt modelId="{9C68AB92-3C8E-4E65-AC59-F9379CAB2C55}" type="parTrans" cxnId="{B86D4BA7-5F4D-423B-9CE5-F46B90DF2668}">
+      <dgm:prSet/>
+      <dgm:spPr/>
+      <dgm:t>
+        <a:bodyPr/>
+        <a:lstStyle/>
+        <a:p>
+          <a:endParaRPr lang="en-US"/>
+        </a:p>
+      </dgm:t>
+    </dgm:pt>
+    <dgm:pt modelId="{B57940C5-A2F6-4FBA-BF5B-82E5ED08771E}" type="sibTrans" cxnId="{B86D4BA7-5F4D-423B-9CE5-F46B90DF2668}">
+      <dgm:prSet/>
+      <dgm:spPr/>
+      <dgm:t>
+        <a:bodyPr/>
+        <a:lstStyle/>
+        <a:p>
+          <a:endParaRPr lang="en-US"/>
+        </a:p>
+      </dgm:t>
+    </dgm:pt>
+    <dgm:pt modelId="{FD73C3F3-1040-499D-ABEC-3E04D9DB5441}">
+      <dgm:prSet/>
+      <dgm:spPr/>
+      <dgm:t>
+        <a:bodyPr/>
+        <a:lstStyle/>
+        <a:p>
+          <a:r>
+            <a:rPr lang="en-US" dirty="0" smtClean="0"/>
+            <a:t>Others</a:t>
+          </a:r>
+          <a:endParaRPr lang="en-US" dirty="0"/>
+        </a:p>
+      </dgm:t>
+    </dgm:pt>
+    <dgm:pt modelId="{66275E6C-84CD-4888-8FF9-934066A7EB89}" type="parTrans" cxnId="{9D1D3F87-EE15-418C-92B0-CFD84D1387D8}">
+      <dgm:prSet/>
+      <dgm:spPr/>
+      <dgm:t>
+        <a:bodyPr/>
+        <a:lstStyle/>
+        <a:p>
+          <a:endParaRPr lang="en-US"/>
+        </a:p>
+      </dgm:t>
+    </dgm:pt>
+    <dgm:pt modelId="{24839A10-A5D2-4CE4-B46E-4667FD181F9A}" type="sibTrans" cxnId="{9D1D3F87-EE15-418C-92B0-CFD84D1387D8}">
+      <dgm:prSet/>
+      <dgm:spPr/>
+      <dgm:t>
+        <a:bodyPr/>
+        <a:lstStyle/>
+        <a:p>
+          <a:endParaRPr lang="en-US"/>
+        </a:p>
+      </dgm:t>
+    </dgm:pt>
+    <dgm:pt modelId="{C01708EB-26B6-43BA-87B1-1939BC4E11A4}" type="pres">
+      <dgm:prSet presAssocID="{5AC97B45-D950-4BA7-828F-A82426FC621B}" presName="mainComposite" presStyleCnt="0">
+        <dgm:presLayoutVars>
+          <dgm:chPref val="1"/>
+          <dgm:dir/>
+          <dgm:animOne val="branch"/>
+          <dgm:animLvl val="lvl"/>
+          <dgm:resizeHandles val="exact"/>
+        </dgm:presLayoutVars>
+      </dgm:prSet>
+      <dgm:spPr/>
+      <dgm:t>
+        <a:bodyPr/>
+        <a:lstStyle/>
+        <a:p>
+          <a:endParaRPr lang="en-US"/>
+        </a:p>
+      </dgm:t>
+    </dgm:pt>
+    <dgm:pt modelId="{A5328CC2-7313-45F6-88C9-A7D052A1A823}" type="pres">
+      <dgm:prSet presAssocID="{5AC97B45-D950-4BA7-828F-A82426FC621B}" presName="hierFlow" presStyleCnt="0"/>
+      <dgm:spPr/>
+    </dgm:pt>
+    <dgm:pt modelId="{ACB980C3-3EFD-4980-8F6B-DFE2FFD38FAA}" type="pres">
+      <dgm:prSet presAssocID="{5AC97B45-D950-4BA7-828F-A82426FC621B}" presName="hierChild1" presStyleCnt="0">
+        <dgm:presLayoutVars>
+          <dgm:chPref val="1"/>
+          <dgm:animOne val="branch"/>
+          <dgm:animLvl val="lvl"/>
+        </dgm:presLayoutVars>
+      </dgm:prSet>
+      <dgm:spPr/>
+    </dgm:pt>
+    <dgm:pt modelId="{81E7A7B1-7827-4228-858A-60D10408D2C4}" type="pres">
+      <dgm:prSet presAssocID="{81ECDEF2-4B90-4768-BA63-4BE734E93C77}" presName="Name14" presStyleCnt="0"/>
+      <dgm:spPr/>
+    </dgm:pt>
+    <dgm:pt modelId="{006A664B-44BF-4E5B-A677-CF3BD8119446}" type="pres">
+      <dgm:prSet presAssocID="{81ECDEF2-4B90-4768-BA63-4BE734E93C77}" presName="level1Shape" presStyleLbl="node0" presStyleIdx="0" presStyleCnt="1">
+        <dgm:presLayoutVars>
+          <dgm:chPref val="3"/>
+        </dgm:presLayoutVars>
+      </dgm:prSet>
+      <dgm:spPr/>
+      <dgm:t>
+        <a:bodyPr/>
+        <a:lstStyle/>
+        <a:p>
+          <a:endParaRPr lang="en-US"/>
+        </a:p>
+      </dgm:t>
+    </dgm:pt>
+    <dgm:pt modelId="{A7205568-17C7-400E-8598-EAC708A77453}" type="pres">
+      <dgm:prSet presAssocID="{81ECDEF2-4B90-4768-BA63-4BE734E93C77}" presName="hierChild2" presStyleCnt="0"/>
+      <dgm:spPr/>
+    </dgm:pt>
+    <dgm:pt modelId="{DBD886C5-46CD-46C1-AD1C-B39755644582}" type="pres">
+      <dgm:prSet presAssocID="{9C33CFCA-6F5C-4680-9DBE-7CEAF0BA519D}" presName="Name19" presStyleLbl="parChTrans1D2" presStyleIdx="0" presStyleCnt="3"/>
+      <dgm:spPr/>
+      <dgm:t>
+        <a:bodyPr/>
+        <a:lstStyle/>
+        <a:p>
+          <a:endParaRPr lang="en-US"/>
+        </a:p>
+      </dgm:t>
+    </dgm:pt>
+    <dgm:pt modelId="{67CC909F-E80F-40F1-815E-1C66768EC116}" type="pres">
+      <dgm:prSet presAssocID="{4E048086-5913-4F96-8238-CBE7DCDA6106}" presName="Name21" presStyleCnt="0"/>
+      <dgm:spPr/>
+    </dgm:pt>
+    <dgm:pt modelId="{D8E10F95-5756-4BAE-9CE6-4C01BEB7C029}" type="pres">
+      <dgm:prSet presAssocID="{4E048086-5913-4F96-8238-CBE7DCDA6106}" presName="level2Shape" presStyleLbl="node2" presStyleIdx="0" presStyleCnt="3"/>
+      <dgm:spPr/>
+      <dgm:t>
+        <a:bodyPr/>
+        <a:lstStyle/>
+        <a:p>
+          <a:endParaRPr lang="en-US"/>
+        </a:p>
+      </dgm:t>
+    </dgm:pt>
+    <dgm:pt modelId="{7BB3A0B6-C74A-4192-AE0D-E4AF52AAA62E}" type="pres">
+      <dgm:prSet presAssocID="{4E048086-5913-4F96-8238-CBE7DCDA6106}" presName="hierChild3" presStyleCnt="0"/>
+      <dgm:spPr/>
+    </dgm:pt>
+    <dgm:pt modelId="{418A27A6-8121-4F59-9426-10E1FE1C78E9}" type="pres">
+      <dgm:prSet presAssocID="{583224E0-242D-4CF9-940B-1779D564971F}" presName="Name19" presStyleLbl="parChTrans1D2" presStyleIdx="1" presStyleCnt="3"/>
+      <dgm:spPr/>
+      <dgm:t>
+        <a:bodyPr/>
+        <a:lstStyle/>
+        <a:p>
+          <a:endParaRPr lang="en-US"/>
+        </a:p>
+      </dgm:t>
+    </dgm:pt>
+    <dgm:pt modelId="{3B5AD160-C162-4BC0-A6E1-2EE1FB0EA809}" type="pres">
+      <dgm:prSet presAssocID="{EA4E1945-2735-48C0-B456-38029D16B9F1}" presName="Name21" presStyleCnt="0"/>
+      <dgm:spPr/>
+    </dgm:pt>
+    <dgm:pt modelId="{20ABA8FC-D466-427C-969F-B02B57D42E63}" type="pres">
+      <dgm:prSet presAssocID="{EA4E1945-2735-48C0-B456-38029D16B9F1}" presName="level2Shape" presStyleLbl="node2" presStyleIdx="1" presStyleCnt="3"/>
+      <dgm:spPr/>
+      <dgm:t>
+        <a:bodyPr/>
+        <a:lstStyle/>
+        <a:p>
+          <a:endParaRPr lang="en-US"/>
+        </a:p>
+      </dgm:t>
+    </dgm:pt>
+    <dgm:pt modelId="{3FEE263A-641A-4834-83C5-1BA970321A9F}" type="pres">
+      <dgm:prSet presAssocID="{EA4E1945-2735-48C0-B456-38029D16B9F1}" presName="hierChild3" presStyleCnt="0"/>
+      <dgm:spPr/>
+    </dgm:pt>
+    <dgm:pt modelId="{0BF74B1C-D790-4892-8A37-2BDDABDAD287}" type="pres">
+      <dgm:prSet presAssocID="{1F18CF45-9EFF-4272-974C-667D3755D4F6}" presName="Name19" presStyleLbl="parChTrans1D2" presStyleIdx="2" presStyleCnt="3"/>
+      <dgm:spPr/>
+      <dgm:t>
+        <a:bodyPr/>
+        <a:lstStyle/>
+        <a:p>
+          <a:endParaRPr lang="en-US"/>
+        </a:p>
+      </dgm:t>
+    </dgm:pt>
+    <dgm:pt modelId="{8E3F6C02-31C9-455B-9594-FBB372831CF5}" type="pres">
+      <dgm:prSet presAssocID="{4CE06E46-0714-452F-AB24-C9C05FFE475F}" presName="Name21" presStyleCnt="0"/>
+      <dgm:spPr/>
+    </dgm:pt>
+    <dgm:pt modelId="{5B4AD018-BEC7-46A6-BFBC-118D8896C537}" type="pres">
+      <dgm:prSet presAssocID="{4CE06E46-0714-452F-AB24-C9C05FFE475F}" presName="level2Shape" presStyleLbl="node2" presStyleIdx="2" presStyleCnt="3"/>
+      <dgm:spPr/>
+      <dgm:t>
+        <a:bodyPr/>
+        <a:lstStyle/>
+        <a:p>
+          <a:endParaRPr lang="en-US"/>
+        </a:p>
+      </dgm:t>
+    </dgm:pt>
+    <dgm:pt modelId="{23235256-1F7C-4D5B-A2B8-28AA37D50839}" type="pres">
+      <dgm:prSet presAssocID="{4CE06E46-0714-452F-AB24-C9C05FFE475F}" presName="hierChild3" presStyleCnt="0"/>
+      <dgm:spPr/>
+    </dgm:pt>
+    <dgm:pt modelId="{4D53EF7D-419E-47BC-BBFB-313FD2720112}" type="pres">
+      <dgm:prSet presAssocID="{A5FC00B1-5AC9-4694-92A2-A3073E74A651}" presName="Name19" presStyleLbl="parChTrans1D3" presStyleIdx="0" presStyleCnt="2"/>
+      <dgm:spPr/>
+      <dgm:t>
+        <a:bodyPr/>
+        <a:lstStyle/>
+        <a:p>
+          <a:endParaRPr lang="en-US"/>
+        </a:p>
+      </dgm:t>
+    </dgm:pt>
+    <dgm:pt modelId="{7BF6F37C-6766-42F5-AFE2-402D40712E03}" type="pres">
+      <dgm:prSet presAssocID="{763F464C-1A9B-4A8A-BBB6-CB85F5083C00}" presName="Name21" presStyleCnt="0"/>
+      <dgm:spPr/>
+    </dgm:pt>
+    <dgm:pt modelId="{78EA99FF-4FA2-482F-8478-CCDBA0159D67}" type="pres">
+      <dgm:prSet presAssocID="{763F464C-1A9B-4A8A-BBB6-CB85F5083C00}" presName="level2Shape" presStyleLbl="node3" presStyleIdx="0" presStyleCnt="2"/>
+      <dgm:spPr/>
+      <dgm:t>
+        <a:bodyPr/>
+        <a:lstStyle/>
+        <a:p>
+          <a:endParaRPr lang="en-US"/>
+        </a:p>
+      </dgm:t>
+    </dgm:pt>
+    <dgm:pt modelId="{DBBE0D31-E13B-49E0-9DDF-E3834DFD868D}" type="pres">
+      <dgm:prSet presAssocID="{763F464C-1A9B-4A8A-BBB6-CB85F5083C00}" presName="hierChild3" presStyleCnt="0"/>
+      <dgm:spPr/>
+    </dgm:pt>
+    <dgm:pt modelId="{D4A3543C-64F3-45AE-A144-EA2456DD0AF1}" type="pres">
+      <dgm:prSet presAssocID="{42ED6FD1-9063-4FF4-B4E1-2D6CD09707DD}" presName="Name19" presStyleLbl="parChTrans1D4" presStyleIdx="0" presStyleCnt="4"/>
+      <dgm:spPr/>
+      <dgm:t>
+        <a:bodyPr/>
+        <a:lstStyle/>
+        <a:p>
+          <a:endParaRPr lang="en-US"/>
+        </a:p>
+      </dgm:t>
+    </dgm:pt>
+    <dgm:pt modelId="{4B951E6F-A9B4-4868-9BA6-BAC9DF47EE34}" type="pres">
+      <dgm:prSet presAssocID="{4E7D3B01-FC5C-43ED-802E-A887796C0252}" presName="Name21" presStyleCnt="0"/>
+      <dgm:spPr/>
+    </dgm:pt>
+    <dgm:pt modelId="{D7509E2D-E65E-48EB-B3F9-2FA1D4D7A4AD}" type="pres">
+      <dgm:prSet presAssocID="{4E7D3B01-FC5C-43ED-802E-A887796C0252}" presName="level2Shape" presStyleLbl="node4" presStyleIdx="0" presStyleCnt="4"/>
+      <dgm:spPr/>
+      <dgm:t>
+        <a:bodyPr/>
+        <a:lstStyle/>
+        <a:p>
+          <a:endParaRPr lang="en-US"/>
+        </a:p>
+      </dgm:t>
+    </dgm:pt>
+    <dgm:pt modelId="{27598718-2734-4C1A-92D7-43C527FB4A95}" type="pres">
+      <dgm:prSet presAssocID="{4E7D3B01-FC5C-43ED-802E-A887796C0252}" presName="hierChild3" presStyleCnt="0"/>
+      <dgm:spPr/>
+    </dgm:pt>
+    <dgm:pt modelId="{1D6B99FC-F962-4ED1-92D5-81B5D69A4E76}" type="pres">
+      <dgm:prSet presAssocID="{B6F1ECDF-70D7-40BD-83E0-7627B277D4C7}" presName="Name19" presStyleLbl="parChTrans1D4" presStyleIdx="1" presStyleCnt="4"/>
+      <dgm:spPr/>
+      <dgm:t>
+        <a:bodyPr/>
+        <a:lstStyle/>
+        <a:p>
+          <a:endParaRPr lang="en-US"/>
+        </a:p>
+      </dgm:t>
+    </dgm:pt>
+    <dgm:pt modelId="{88716DF9-D317-4E10-8BC1-BE161D386471}" type="pres">
+      <dgm:prSet presAssocID="{EC5B3B17-A8F1-4BF2-9088-0A1C3FFB265D}" presName="Name21" presStyleCnt="0"/>
+      <dgm:spPr/>
+    </dgm:pt>
+    <dgm:pt modelId="{4126711B-B9E8-4AEE-9BCA-454D5ACBC510}" type="pres">
+      <dgm:prSet presAssocID="{EC5B3B17-A8F1-4BF2-9088-0A1C3FFB265D}" presName="level2Shape" presStyleLbl="node4" presStyleIdx="1" presStyleCnt="4"/>
+      <dgm:spPr/>
+      <dgm:t>
+        <a:bodyPr/>
+        <a:lstStyle/>
+        <a:p>
+          <a:endParaRPr lang="en-US"/>
+        </a:p>
+      </dgm:t>
+    </dgm:pt>
+    <dgm:pt modelId="{7592B9C2-975B-4A44-9E73-9D4912310F25}" type="pres">
+      <dgm:prSet presAssocID="{EC5B3B17-A8F1-4BF2-9088-0A1C3FFB265D}" presName="hierChild3" presStyleCnt="0"/>
+      <dgm:spPr/>
+    </dgm:pt>
+    <dgm:pt modelId="{787181F8-5A63-431D-85F7-58B8315AD782}" type="pres">
+      <dgm:prSet presAssocID="{9C68AB92-3C8E-4E65-AC59-F9379CAB2C55}" presName="Name19" presStyleLbl="parChTrans1D4" presStyleIdx="2" presStyleCnt="4"/>
+      <dgm:spPr/>
+      <dgm:t>
+        <a:bodyPr/>
+        <a:lstStyle/>
+        <a:p>
+          <a:endParaRPr lang="en-US"/>
+        </a:p>
+      </dgm:t>
+    </dgm:pt>
+    <dgm:pt modelId="{A6130077-10AF-425B-9216-50C798AFF585}" type="pres">
+      <dgm:prSet presAssocID="{C8EF2319-5CDE-412F-8FF3-46525236DB5F}" presName="Name21" presStyleCnt="0"/>
+      <dgm:spPr/>
+    </dgm:pt>
+    <dgm:pt modelId="{26A3F8A9-98B3-4798-BA80-C92EABA10744}" type="pres">
+      <dgm:prSet presAssocID="{C8EF2319-5CDE-412F-8FF3-46525236DB5F}" presName="level2Shape" presStyleLbl="node4" presStyleIdx="2" presStyleCnt="4"/>
+      <dgm:spPr/>
+      <dgm:t>
+        <a:bodyPr/>
+        <a:lstStyle/>
+        <a:p>
+          <a:endParaRPr lang="en-US"/>
+        </a:p>
+      </dgm:t>
+    </dgm:pt>
+    <dgm:pt modelId="{F1A78596-69EB-456B-9257-27CF71E56C50}" type="pres">
+      <dgm:prSet presAssocID="{C8EF2319-5CDE-412F-8FF3-46525236DB5F}" presName="hierChild3" presStyleCnt="0"/>
+      <dgm:spPr/>
+    </dgm:pt>
+    <dgm:pt modelId="{6227A3C8-2209-47E3-AC60-C97584B50E73}" type="pres">
+      <dgm:prSet presAssocID="{66275E6C-84CD-4888-8FF9-934066A7EB89}" presName="Name19" presStyleLbl="parChTrans1D4" presStyleIdx="3" presStyleCnt="4"/>
+      <dgm:spPr/>
+      <dgm:t>
+        <a:bodyPr/>
+        <a:lstStyle/>
+        <a:p>
+          <a:endParaRPr lang="en-US"/>
+        </a:p>
+      </dgm:t>
+    </dgm:pt>
+    <dgm:pt modelId="{CB3166C8-D125-490D-AD82-6C560D9C9C78}" type="pres">
+      <dgm:prSet presAssocID="{FD73C3F3-1040-499D-ABEC-3E04D9DB5441}" presName="Name21" presStyleCnt="0"/>
+      <dgm:spPr/>
+    </dgm:pt>
+    <dgm:pt modelId="{F2DC642D-F30C-4F22-98F6-87945A798FC4}" type="pres">
+      <dgm:prSet presAssocID="{FD73C3F3-1040-499D-ABEC-3E04D9DB5441}" presName="level2Shape" presStyleLbl="node4" presStyleIdx="3" presStyleCnt="4"/>
+      <dgm:spPr/>
+      <dgm:t>
+        <a:bodyPr/>
+        <a:lstStyle/>
+        <a:p>
+          <a:endParaRPr lang="en-US"/>
+        </a:p>
+      </dgm:t>
+    </dgm:pt>
+    <dgm:pt modelId="{AF15869B-391A-4792-87D9-3D2C4499F86F}" type="pres">
+      <dgm:prSet presAssocID="{FD73C3F3-1040-499D-ABEC-3E04D9DB5441}" presName="hierChild3" presStyleCnt="0"/>
+      <dgm:spPr/>
+    </dgm:pt>
+    <dgm:pt modelId="{56443105-A1ED-44FC-B993-AAA239C42BF6}" type="pres">
+      <dgm:prSet presAssocID="{8B6DCE7E-8550-4F5F-9BA2-6ADCF23123CD}" presName="Name19" presStyleLbl="parChTrans1D3" presStyleIdx="1" presStyleCnt="2"/>
+      <dgm:spPr/>
+      <dgm:t>
+        <a:bodyPr/>
+        <a:lstStyle/>
+        <a:p>
+          <a:endParaRPr lang="en-US"/>
+        </a:p>
+      </dgm:t>
+    </dgm:pt>
+    <dgm:pt modelId="{E70BF17C-7DE0-4F61-B207-C2F94EBEEB58}" type="pres">
+      <dgm:prSet presAssocID="{58EF9AEA-4A68-40BD-8934-D010E5ED107A}" presName="Name21" presStyleCnt="0"/>
+      <dgm:spPr/>
+    </dgm:pt>
+    <dgm:pt modelId="{54098387-CD4E-41A7-A8E9-76A35EBCE9BA}" type="pres">
+      <dgm:prSet presAssocID="{58EF9AEA-4A68-40BD-8934-D010E5ED107A}" presName="level2Shape" presStyleLbl="node3" presStyleIdx="1" presStyleCnt="2"/>
+      <dgm:spPr/>
+      <dgm:t>
+        <a:bodyPr/>
+        <a:lstStyle/>
+        <a:p>
+          <a:endParaRPr lang="en-US"/>
+        </a:p>
+      </dgm:t>
+    </dgm:pt>
+    <dgm:pt modelId="{B0B4B0C8-5BE4-4AF3-AFF2-B1A3E6D5F848}" type="pres">
+      <dgm:prSet presAssocID="{58EF9AEA-4A68-40BD-8934-D010E5ED107A}" presName="hierChild3" presStyleCnt="0"/>
+      <dgm:spPr/>
+    </dgm:pt>
+    <dgm:pt modelId="{50484456-0A3B-4D90-8DA8-883D3CD10BA8}" type="pres">
+      <dgm:prSet presAssocID="{5AC97B45-D950-4BA7-828F-A82426FC621B}" presName="bgShapesFlow" presStyleCnt="0"/>
+      <dgm:spPr/>
+    </dgm:pt>
+  </dgm:ptLst>
+  <dgm:cxnLst>
+    <dgm:cxn modelId="{27519B77-2D61-431F-9BCA-04EF3901B2D3}" type="presOf" srcId="{B6F1ECDF-70D7-40BD-83E0-7627B277D4C7}" destId="{1D6B99FC-F962-4ED1-92D5-81B5D69A4E76}" srcOrd="0" destOrd="0" presId="urn:microsoft.com/office/officeart/2005/8/layout/hierarchy6"/>
+    <dgm:cxn modelId="{31EECAC9-F511-425A-A8DB-001FEF17A3DE}" type="presOf" srcId="{4E048086-5913-4F96-8238-CBE7DCDA6106}" destId="{D8E10F95-5756-4BAE-9CE6-4C01BEB7C029}" srcOrd="0" destOrd="0" presId="urn:microsoft.com/office/officeart/2005/8/layout/hierarchy6"/>
+    <dgm:cxn modelId="{EC5A1304-35BC-4C96-82C4-E1EA862DDC94}" type="presOf" srcId="{EC5B3B17-A8F1-4BF2-9088-0A1C3FFB265D}" destId="{4126711B-B9E8-4AEE-9BCA-454D5ACBC510}" srcOrd="0" destOrd="0" presId="urn:microsoft.com/office/officeart/2005/8/layout/hierarchy6"/>
+    <dgm:cxn modelId="{798FF50B-B199-4959-95D7-3B965CBCDCDF}" type="presOf" srcId="{763F464C-1A9B-4A8A-BBB6-CB85F5083C00}" destId="{78EA99FF-4FA2-482F-8478-CCDBA0159D67}" srcOrd="0" destOrd="0" presId="urn:microsoft.com/office/officeart/2005/8/layout/hierarchy6"/>
+    <dgm:cxn modelId="{9049B124-D7E9-48D7-B7BA-9C03E2C02FC9}" type="presOf" srcId="{9C68AB92-3C8E-4E65-AC59-F9379CAB2C55}" destId="{787181F8-5A63-431D-85F7-58B8315AD782}" srcOrd="0" destOrd="0" presId="urn:microsoft.com/office/officeart/2005/8/layout/hierarchy6"/>
+    <dgm:cxn modelId="{36996426-A526-4EF6-87C6-58D4AE717C3A}" srcId="{5AC97B45-D950-4BA7-828F-A82426FC621B}" destId="{81ECDEF2-4B90-4768-BA63-4BE734E93C77}" srcOrd="0" destOrd="0" parTransId="{B7B25871-225C-4884-8BEC-F9D608D91BB7}" sibTransId="{35E406F7-85DC-4D39-89B1-D3DD2C583D5A}"/>
+    <dgm:cxn modelId="{A70E5C80-1D09-473E-8F1E-6904A9C1E0E2}" type="presOf" srcId="{58EF9AEA-4A68-40BD-8934-D010E5ED107A}" destId="{54098387-CD4E-41A7-A8E9-76A35EBCE9BA}" srcOrd="0" destOrd="0" presId="urn:microsoft.com/office/officeart/2005/8/layout/hierarchy6"/>
+    <dgm:cxn modelId="{5239D901-0F8E-415C-BF24-BE215AD6A1A5}" type="presOf" srcId="{8B6DCE7E-8550-4F5F-9BA2-6ADCF23123CD}" destId="{56443105-A1ED-44FC-B993-AAA239C42BF6}" srcOrd="0" destOrd="0" presId="urn:microsoft.com/office/officeart/2005/8/layout/hierarchy6"/>
+    <dgm:cxn modelId="{F77E2EA7-08B3-4134-A622-654B7F840859}" srcId="{81ECDEF2-4B90-4768-BA63-4BE734E93C77}" destId="{EA4E1945-2735-48C0-B456-38029D16B9F1}" srcOrd="1" destOrd="0" parTransId="{583224E0-242D-4CF9-940B-1779D564971F}" sibTransId="{B88E4A3A-A473-4AC4-BF58-42ECF85E90DF}"/>
+    <dgm:cxn modelId="{518CE995-06FB-44FB-AE8D-85AAB23272BD}" type="presOf" srcId="{42ED6FD1-9063-4FF4-B4E1-2D6CD09707DD}" destId="{D4A3543C-64F3-45AE-A144-EA2456DD0AF1}" srcOrd="0" destOrd="0" presId="urn:microsoft.com/office/officeart/2005/8/layout/hierarchy6"/>
+    <dgm:cxn modelId="{F76B0E3F-AE77-482F-9725-C4252CD73107}" srcId="{4CE06E46-0714-452F-AB24-C9C05FFE475F}" destId="{58EF9AEA-4A68-40BD-8934-D010E5ED107A}" srcOrd="1" destOrd="0" parTransId="{8B6DCE7E-8550-4F5F-9BA2-6ADCF23123CD}" sibTransId="{0526F32D-0351-45A5-8C58-97CDF2BBDBC1}"/>
+    <dgm:cxn modelId="{4E80E8C5-DC9C-4FC5-8D7E-D97479D4F695}" srcId="{4CE06E46-0714-452F-AB24-C9C05FFE475F}" destId="{763F464C-1A9B-4A8A-BBB6-CB85F5083C00}" srcOrd="0" destOrd="0" parTransId="{A5FC00B1-5AC9-4694-92A2-A3073E74A651}" sibTransId="{9C5608EC-5095-4096-9C8C-81C0FA9CE8FA}"/>
+    <dgm:cxn modelId="{7A5D823D-FEFC-4A59-9A5F-CA2B16612F87}" type="presOf" srcId="{5AC97B45-D950-4BA7-828F-A82426FC621B}" destId="{C01708EB-26B6-43BA-87B1-1939BC4E11A4}" srcOrd="0" destOrd="0" presId="urn:microsoft.com/office/officeart/2005/8/layout/hierarchy6"/>
+    <dgm:cxn modelId="{86485A77-4CCD-4955-911B-E94F44CEA39E}" type="presOf" srcId="{583224E0-242D-4CF9-940B-1779D564971F}" destId="{418A27A6-8121-4F59-9426-10E1FE1C78E9}" srcOrd="0" destOrd="0" presId="urn:microsoft.com/office/officeart/2005/8/layout/hierarchy6"/>
+    <dgm:cxn modelId="{B763FBFA-4A90-4E1B-8C97-58983F705E66}" type="presOf" srcId="{4E7D3B01-FC5C-43ED-802E-A887796C0252}" destId="{D7509E2D-E65E-48EB-B3F9-2FA1D4D7A4AD}" srcOrd="0" destOrd="0" presId="urn:microsoft.com/office/officeart/2005/8/layout/hierarchy6"/>
+    <dgm:cxn modelId="{CE2083B3-ACE3-414C-BA30-638148C46524}" type="presOf" srcId="{C8EF2319-5CDE-412F-8FF3-46525236DB5F}" destId="{26A3F8A9-98B3-4798-BA80-C92EABA10744}" srcOrd="0" destOrd="0" presId="urn:microsoft.com/office/officeart/2005/8/layout/hierarchy6"/>
+    <dgm:cxn modelId="{64146266-DA1C-4A25-AD4A-DEE81FD3C9A8}" type="presOf" srcId="{FD73C3F3-1040-499D-ABEC-3E04D9DB5441}" destId="{F2DC642D-F30C-4F22-98F6-87945A798FC4}" srcOrd="0" destOrd="0" presId="urn:microsoft.com/office/officeart/2005/8/layout/hierarchy6"/>
+    <dgm:cxn modelId="{9D1D3F87-EE15-418C-92B0-CFD84D1387D8}" srcId="{763F464C-1A9B-4A8A-BBB6-CB85F5083C00}" destId="{FD73C3F3-1040-499D-ABEC-3E04D9DB5441}" srcOrd="3" destOrd="0" parTransId="{66275E6C-84CD-4888-8FF9-934066A7EB89}" sibTransId="{24839A10-A5D2-4CE4-B46E-4667FD181F9A}"/>
+    <dgm:cxn modelId="{95D7C6E9-A5EB-4C79-A068-89EFB9EB97B6}" type="presOf" srcId="{66275E6C-84CD-4888-8FF9-934066A7EB89}" destId="{6227A3C8-2209-47E3-AC60-C97584B50E73}" srcOrd="0" destOrd="0" presId="urn:microsoft.com/office/officeart/2005/8/layout/hierarchy6"/>
+    <dgm:cxn modelId="{B86D4BA7-5F4D-423B-9CE5-F46B90DF2668}" srcId="{763F464C-1A9B-4A8A-BBB6-CB85F5083C00}" destId="{C8EF2319-5CDE-412F-8FF3-46525236DB5F}" srcOrd="2" destOrd="0" parTransId="{9C68AB92-3C8E-4E65-AC59-F9379CAB2C55}" sibTransId="{B57940C5-A2F6-4FBA-BF5B-82E5ED08771E}"/>
+    <dgm:cxn modelId="{8384144A-B81E-4F5B-9A5A-E1BBF490E4D3}" srcId="{81ECDEF2-4B90-4768-BA63-4BE734E93C77}" destId="{4E048086-5913-4F96-8238-CBE7DCDA6106}" srcOrd="0" destOrd="0" parTransId="{9C33CFCA-6F5C-4680-9DBE-7CEAF0BA519D}" sibTransId="{CF857031-F749-434F-AF3D-678006DA4923}"/>
+    <dgm:cxn modelId="{3417DCEE-10AE-45D6-AF51-CFFB40E38B76}" type="presOf" srcId="{81ECDEF2-4B90-4768-BA63-4BE734E93C77}" destId="{006A664B-44BF-4E5B-A677-CF3BD8119446}" srcOrd="0" destOrd="0" presId="urn:microsoft.com/office/officeart/2005/8/layout/hierarchy6"/>
+    <dgm:cxn modelId="{87A63F06-F937-4F71-BB26-2BAB8CDB24F8}" srcId="{81ECDEF2-4B90-4768-BA63-4BE734E93C77}" destId="{4CE06E46-0714-452F-AB24-C9C05FFE475F}" srcOrd="2" destOrd="0" parTransId="{1F18CF45-9EFF-4272-974C-667D3755D4F6}" sibTransId="{C1DEE18B-A183-474E-99D8-161BC619A018}"/>
+    <dgm:cxn modelId="{903E6365-B12E-4829-B483-6408E8CFCB21}" type="presOf" srcId="{9C33CFCA-6F5C-4680-9DBE-7CEAF0BA519D}" destId="{DBD886C5-46CD-46C1-AD1C-B39755644582}" srcOrd="0" destOrd="0" presId="urn:microsoft.com/office/officeart/2005/8/layout/hierarchy6"/>
+    <dgm:cxn modelId="{91441CA7-78C8-4A6B-A808-ADE27D701643}" srcId="{763F464C-1A9B-4A8A-BBB6-CB85F5083C00}" destId="{4E7D3B01-FC5C-43ED-802E-A887796C0252}" srcOrd="0" destOrd="0" parTransId="{42ED6FD1-9063-4FF4-B4E1-2D6CD09707DD}" sibTransId="{59C90DA1-345D-43DE-B9CB-D6B7CD68784C}"/>
+    <dgm:cxn modelId="{D4C6D084-DB23-4191-8A19-EF17E884F501}" srcId="{763F464C-1A9B-4A8A-BBB6-CB85F5083C00}" destId="{EC5B3B17-A8F1-4BF2-9088-0A1C3FFB265D}" srcOrd="1" destOrd="0" parTransId="{B6F1ECDF-70D7-40BD-83E0-7627B277D4C7}" sibTransId="{F65A7FA6-6F98-43F7-861D-03FD77F0B23A}"/>
+    <dgm:cxn modelId="{4B8C9EC4-E14F-4C76-B33A-F29F617A4A3F}" type="presOf" srcId="{4CE06E46-0714-452F-AB24-C9C05FFE475F}" destId="{5B4AD018-BEC7-46A6-BFBC-118D8896C537}" srcOrd="0" destOrd="0" presId="urn:microsoft.com/office/officeart/2005/8/layout/hierarchy6"/>
+    <dgm:cxn modelId="{C2BE01E2-18CA-4504-B047-F318A1F64649}" type="presOf" srcId="{1F18CF45-9EFF-4272-974C-667D3755D4F6}" destId="{0BF74B1C-D790-4892-8A37-2BDDABDAD287}" srcOrd="0" destOrd="0" presId="urn:microsoft.com/office/officeart/2005/8/layout/hierarchy6"/>
+    <dgm:cxn modelId="{D9EE0E75-0641-4561-9FFB-1AD7DB97F0A8}" type="presOf" srcId="{A5FC00B1-5AC9-4694-92A2-A3073E74A651}" destId="{4D53EF7D-419E-47BC-BBFB-313FD2720112}" srcOrd="0" destOrd="0" presId="urn:microsoft.com/office/officeart/2005/8/layout/hierarchy6"/>
+    <dgm:cxn modelId="{831D7616-A604-43C1-BF7C-C2F578500447}" type="presOf" srcId="{EA4E1945-2735-48C0-B456-38029D16B9F1}" destId="{20ABA8FC-D466-427C-969F-B02B57D42E63}" srcOrd="0" destOrd="0" presId="urn:microsoft.com/office/officeart/2005/8/layout/hierarchy6"/>
+    <dgm:cxn modelId="{444764B1-751A-4E15-861B-07EF956490CD}" type="presParOf" srcId="{C01708EB-26B6-43BA-87B1-1939BC4E11A4}" destId="{A5328CC2-7313-45F6-88C9-A7D052A1A823}" srcOrd="0" destOrd="0" presId="urn:microsoft.com/office/officeart/2005/8/layout/hierarchy6"/>
+    <dgm:cxn modelId="{211FD4D8-E31C-4D09-939F-29D96FA3127B}" type="presParOf" srcId="{A5328CC2-7313-45F6-88C9-A7D052A1A823}" destId="{ACB980C3-3EFD-4980-8F6B-DFE2FFD38FAA}" srcOrd="0" destOrd="0" presId="urn:microsoft.com/office/officeart/2005/8/layout/hierarchy6"/>
+    <dgm:cxn modelId="{89ACD763-631E-4746-9029-861FF60ED2A0}" type="presParOf" srcId="{ACB980C3-3EFD-4980-8F6B-DFE2FFD38FAA}" destId="{81E7A7B1-7827-4228-858A-60D10408D2C4}" srcOrd="0" destOrd="0" presId="urn:microsoft.com/office/officeart/2005/8/layout/hierarchy6"/>
+    <dgm:cxn modelId="{3B794C2A-0C56-4015-85FF-551C20E32586}" type="presParOf" srcId="{81E7A7B1-7827-4228-858A-60D10408D2C4}" destId="{006A664B-44BF-4E5B-A677-CF3BD8119446}" srcOrd="0" destOrd="0" presId="urn:microsoft.com/office/officeart/2005/8/layout/hierarchy6"/>
+    <dgm:cxn modelId="{163C4E00-BDA8-4639-AE4A-1F7017111088}" type="presParOf" srcId="{81E7A7B1-7827-4228-858A-60D10408D2C4}" destId="{A7205568-17C7-400E-8598-EAC708A77453}" srcOrd="1" destOrd="0" presId="urn:microsoft.com/office/officeart/2005/8/layout/hierarchy6"/>
+    <dgm:cxn modelId="{F677066E-FAE0-46EE-912B-48A68426B928}" type="presParOf" srcId="{A7205568-17C7-400E-8598-EAC708A77453}" destId="{DBD886C5-46CD-46C1-AD1C-B39755644582}" srcOrd="0" destOrd="0" presId="urn:microsoft.com/office/officeart/2005/8/layout/hierarchy6"/>
+    <dgm:cxn modelId="{A1DD5563-1459-48E3-9BC8-4C5BD6885F41}" type="presParOf" srcId="{A7205568-17C7-400E-8598-EAC708A77453}" destId="{67CC909F-E80F-40F1-815E-1C66768EC116}" srcOrd="1" destOrd="0" presId="urn:microsoft.com/office/officeart/2005/8/layout/hierarchy6"/>
+    <dgm:cxn modelId="{DDB00E80-7265-419C-9E9E-6394BB489C55}" type="presParOf" srcId="{67CC909F-E80F-40F1-815E-1C66768EC116}" destId="{D8E10F95-5756-4BAE-9CE6-4C01BEB7C029}" srcOrd="0" destOrd="0" presId="urn:microsoft.com/office/officeart/2005/8/layout/hierarchy6"/>
+    <dgm:cxn modelId="{55053D30-43F2-4F9E-8B2B-57E1467BDF10}" type="presParOf" srcId="{67CC909F-E80F-40F1-815E-1C66768EC116}" destId="{7BB3A0B6-C74A-4192-AE0D-E4AF52AAA62E}" srcOrd="1" destOrd="0" presId="urn:microsoft.com/office/officeart/2005/8/layout/hierarchy6"/>
+    <dgm:cxn modelId="{6608A46E-8A03-489F-8E68-B9533A9F6F20}" type="presParOf" srcId="{A7205568-17C7-400E-8598-EAC708A77453}" destId="{418A27A6-8121-4F59-9426-10E1FE1C78E9}" srcOrd="2" destOrd="0" presId="urn:microsoft.com/office/officeart/2005/8/layout/hierarchy6"/>
+    <dgm:cxn modelId="{AC5098CC-1A2B-43B5-9DBC-787B167CC3FE}" type="presParOf" srcId="{A7205568-17C7-400E-8598-EAC708A77453}" destId="{3B5AD160-C162-4BC0-A6E1-2EE1FB0EA809}" srcOrd="3" destOrd="0" presId="urn:microsoft.com/office/officeart/2005/8/layout/hierarchy6"/>
+    <dgm:cxn modelId="{DFB0B723-EFA8-47D5-A1CF-9F0A1A0BB4FB}" type="presParOf" srcId="{3B5AD160-C162-4BC0-A6E1-2EE1FB0EA809}" destId="{20ABA8FC-D466-427C-969F-B02B57D42E63}" srcOrd="0" destOrd="0" presId="urn:microsoft.com/office/officeart/2005/8/layout/hierarchy6"/>
+    <dgm:cxn modelId="{53D06E9B-7747-48C1-85E6-6386D3859799}" type="presParOf" srcId="{3B5AD160-C162-4BC0-A6E1-2EE1FB0EA809}" destId="{3FEE263A-641A-4834-83C5-1BA970321A9F}" srcOrd="1" destOrd="0" presId="urn:microsoft.com/office/officeart/2005/8/layout/hierarchy6"/>
+    <dgm:cxn modelId="{06F89EC9-F78C-41AB-8958-450A53B603AD}" type="presParOf" srcId="{A7205568-17C7-400E-8598-EAC708A77453}" destId="{0BF74B1C-D790-4892-8A37-2BDDABDAD287}" srcOrd="4" destOrd="0" presId="urn:microsoft.com/office/officeart/2005/8/layout/hierarchy6"/>
+    <dgm:cxn modelId="{45C79428-7F28-4055-9E10-A74F318FA342}" type="presParOf" srcId="{A7205568-17C7-400E-8598-EAC708A77453}" destId="{8E3F6C02-31C9-455B-9594-FBB372831CF5}" srcOrd="5" destOrd="0" presId="urn:microsoft.com/office/officeart/2005/8/layout/hierarchy6"/>
+    <dgm:cxn modelId="{4806F470-7684-4DB3-A403-CA83DFD24D13}" type="presParOf" srcId="{8E3F6C02-31C9-455B-9594-FBB372831CF5}" destId="{5B4AD018-BEC7-46A6-BFBC-118D8896C537}" srcOrd="0" destOrd="0" presId="urn:microsoft.com/office/officeart/2005/8/layout/hierarchy6"/>
+    <dgm:cxn modelId="{F30BBD06-F895-4428-B277-94D37883AEC4}" type="presParOf" srcId="{8E3F6C02-31C9-455B-9594-FBB372831CF5}" destId="{23235256-1F7C-4D5B-A2B8-28AA37D50839}" srcOrd="1" destOrd="0" presId="urn:microsoft.com/office/officeart/2005/8/layout/hierarchy6"/>
+    <dgm:cxn modelId="{D4FB8FD2-F130-403F-88C0-CF1129E6F967}" type="presParOf" srcId="{23235256-1F7C-4D5B-A2B8-28AA37D50839}" destId="{4D53EF7D-419E-47BC-BBFB-313FD2720112}" srcOrd="0" destOrd="0" presId="urn:microsoft.com/office/officeart/2005/8/layout/hierarchy6"/>
+    <dgm:cxn modelId="{B01C8A92-2D55-4D57-BB0D-B1451071C4CF}" type="presParOf" srcId="{23235256-1F7C-4D5B-A2B8-28AA37D50839}" destId="{7BF6F37C-6766-42F5-AFE2-402D40712E03}" srcOrd="1" destOrd="0" presId="urn:microsoft.com/office/officeart/2005/8/layout/hierarchy6"/>
+    <dgm:cxn modelId="{0198682F-7611-4A8B-815B-59F17A25AFCC}" type="presParOf" srcId="{7BF6F37C-6766-42F5-AFE2-402D40712E03}" destId="{78EA99FF-4FA2-482F-8478-CCDBA0159D67}" srcOrd="0" destOrd="0" presId="urn:microsoft.com/office/officeart/2005/8/layout/hierarchy6"/>
+    <dgm:cxn modelId="{BC4CE605-FA2B-4E61-9740-E9D83900AF97}" type="presParOf" srcId="{7BF6F37C-6766-42F5-AFE2-402D40712E03}" destId="{DBBE0D31-E13B-49E0-9DDF-E3834DFD868D}" srcOrd="1" destOrd="0" presId="urn:microsoft.com/office/officeart/2005/8/layout/hierarchy6"/>
+    <dgm:cxn modelId="{2AC735BD-2A2D-480B-BFE8-90E760CCFA6F}" type="presParOf" srcId="{DBBE0D31-E13B-49E0-9DDF-E3834DFD868D}" destId="{D4A3543C-64F3-45AE-A144-EA2456DD0AF1}" srcOrd="0" destOrd="0" presId="urn:microsoft.com/office/officeart/2005/8/layout/hierarchy6"/>
+    <dgm:cxn modelId="{DE800242-A6E4-451A-B1AD-0443F6747BE6}" type="presParOf" srcId="{DBBE0D31-E13B-49E0-9DDF-E3834DFD868D}" destId="{4B951E6F-A9B4-4868-9BA6-BAC9DF47EE34}" srcOrd="1" destOrd="0" presId="urn:microsoft.com/office/officeart/2005/8/layout/hierarchy6"/>
+    <dgm:cxn modelId="{AD37EF01-9A67-4E97-8C78-C53380951292}" type="presParOf" srcId="{4B951E6F-A9B4-4868-9BA6-BAC9DF47EE34}" destId="{D7509E2D-E65E-48EB-B3F9-2FA1D4D7A4AD}" srcOrd="0" destOrd="0" presId="urn:microsoft.com/office/officeart/2005/8/layout/hierarchy6"/>
+    <dgm:cxn modelId="{AAA644EC-70F5-4C8D-A8DE-5D592F1B9FCC}" type="presParOf" srcId="{4B951E6F-A9B4-4868-9BA6-BAC9DF47EE34}" destId="{27598718-2734-4C1A-92D7-43C527FB4A95}" srcOrd="1" destOrd="0" presId="urn:microsoft.com/office/officeart/2005/8/layout/hierarchy6"/>
+    <dgm:cxn modelId="{6D4E2A18-83E4-4ADB-B8AD-B5EA87E3A736}" type="presParOf" srcId="{DBBE0D31-E13B-49E0-9DDF-E3834DFD868D}" destId="{1D6B99FC-F962-4ED1-92D5-81B5D69A4E76}" srcOrd="2" destOrd="0" presId="urn:microsoft.com/office/officeart/2005/8/layout/hierarchy6"/>
+    <dgm:cxn modelId="{7448FD99-0642-4129-8A4A-933EC46FD7DF}" type="presParOf" srcId="{DBBE0D31-E13B-49E0-9DDF-E3834DFD868D}" destId="{88716DF9-D317-4E10-8BC1-BE161D386471}" srcOrd="3" destOrd="0" presId="urn:microsoft.com/office/officeart/2005/8/layout/hierarchy6"/>
+    <dgm:cxn modelId="{39438C65-A1C2-4238-A5A6-F580D3E11204}" type="presParOf" srcId="{88716DF9-D317-4E10-8BC1-BE161D386471}" destId="{4126711B-B9E8-4AEE-9BCA-454D5ACBC510}" srcOrd="0" destOrd="0" presId="urn:microsoft.com/office/officeart/2005/8/layout/hierarchy6"/>
+    <dgm:cxn modelId="{7C92737E-0291-446C-B7C1-5D6D5555D58D}" type="presParOf" srcId="{88716DF9-D317-4E10-8BC1-BE161D386471}" destId="{7592B9C2-975B-4A44-9E73-9D4912310F25}" srcOrd="1" destOrd="0" presId="urn:microsoft.com/office/officeart/2005/8/layout/hierarchy6"/>
+    <dgm:cxn modelId="{F2C6718D-7DB2-4EB6-A5AB-AEB23744C294}" type="presParOf" srcId="{DBBE0D31-E13B-49E0-9DDF-E3834DFD868D}" destId="{787181F8-5A63-431D-85F7-58B8315AD782}" srcOrd="4" destOrd="0" presId="urn:microsoft.com/office/officeart/2005/8/layout/hierarchy6"/>
+    <dgm:cxn modelId="{9F52F97D-4717-49A4-8A23-7500CAEDE684}" type="presParOf" srcId="{DBBE0D31-E13B-49E0-9DDF-E3834DFD868D}" destId="{A6130077-10AF-425B-9216-50C798AFF585}" srcOrd="5" destOrd="0" presId="urn:microsoft.com/office/officeart/2005/8/layout/hierarchy6"/>
+    <dgm:cxn modelId="{525693D0-5F0F-40B1-973A-30D6037BB543}" type="presParOf" srcId="{A6130077-10AF-425B-9216-50C798AFF585}" destId="{26A3F8A9-98B3-4798-BA80-C92EABA10744}" srcOrd="0" destOrd="0" presId="urn:microsoft.com/office/officeart/2005/8/layout/hierarchy6"/>
+    <dgm:cxn modelId="{6521CAA7-6D5E-4FDB-8C93-1184B745DE79}" type="presParOf" srcId="{A6130077-10AF-425B-9216-50C798AFF585}" destId="{F1A78596-69EB-456B-9257-27CF71E56C50}" srcOrd="1" destOrd="0" presId="urn:microsoft.com/office/officeart/2005/8/layout/hierarchy6"/>
+    <dgm:cxn modelId="{E6535990-6CAE-4016-BEC5-85A8E61E94DB}" type="presParOf" srcId="{DBBE0D31-E13B-49E0-9DDF-E3834DFD868D}" destId="{6227A3C8-2209-47E3-AC60-C97584B50E73}" srcOrd="6" destOrd="0" presId="urn:microsoft.com/office/officeart/2005/8/layout/hierarchy6"/>
+    <dgm:cxn modelId="{377E6310-8FB8-49AB-BE9D-447C6422397D}" type="presParOf" srcId="{DBBE0D31-E13B-49E0-9DDF-E3834DFD868D}" destId="{CB3166C8-D125-490D-AD82-6C560D9C9C78}" srcOrd="7" destOrd="0" presId="urn:microsoft.com/office/officeart/2005/8/layout/hierarchy6"/>
+    <dgm:cxn modelId="{7043B094-4141-4AA5-9773-862DDB1E62DA}" type="presParOf" srcId="{CB3166C8-D125-490D-AD82-6C560D9C9C78}" destId="{F2DC642D-F30C-4F22-98F6-87945A798FC4}" srcOrd="0" destOrd="0" presId="urn:microsoft.com/office/officeart/2005/8/layout/hierarchy6"/>
+    <dgm:cxn modelId="{DE598547-27F7-4C82-8427-9E89F34E059D}" type="presParOf" srcId="{CB3166C8-D125-490D-AD82-6C560D9C9C78}" destId="{AF15869B-391A-4792-87D9-3D2C4499F86F}" srcOrd="1" destOrd="0" presId="urn:microsoft.com/office/officeart/2005/8/layout/hierarchy6"/>
+    <dgm:cxn modelId="{2BF34A27-7BD2-4AD8-9182-34CD8A035E40}" type="presParOf" srcId="{23235256-1F7C-4D5B-A2B8-28AA37D50839}" destId="{56443105-A1ED-44FC-B993-AAA239C42BF6}" srcOrd="2" destOrd="0" presId="urn:microsoft.com/office/officeart/2005/8/layout/hierarchy6"/>
+    <dgm:cxn modelId="{DF6E33C6-E805-4341-B40A-379680299F57}" type="presParOf" srcId="{23235256-1F7C-4D5B-A2B8-28AA37D50839}" destId="{E70BF17C-7DE0-4F61-B207-C2F94EBEEB58}" srcOrd="3" destOrd="0" presId="urn:microsoft.com/office/officeart/2005/8/layout/hierarchy6"/>
+    <dgm:cxn modelId="{65B7713F-E64D-4964-A14F-9A653EFAB94B}" type="presParOf" srcId="{E70BF17C-7DE0-4F61-B207-C2F94EBEEB58}" destId="{54098387-CD4E-41A7-A8E9-76A35EBCE9BA}" srcOrd="0" destOrd="0" presId="urn:microsoft.com/office/officeart/2005/8/layout/hierarchy6"/>
+    <dgm:cxn modelId="{64374090-747F-4430-85EE-38DFCC882BF0}" type="presParOf" srcId="{E70BF17C-7DE0-4F61-B207-C2F94EBEEB58}" destId="{B0B4B0C8-5BE4-4AF3-AFF2-B1A3E6D5F848}" srcOrd="1" destOrd="0" presId="urn:microsoft.com/office/officeart/2005/8/layout/hierarchy6"/>
+    <dgm:cxn modelId="{79A61D2A-351B-44E1-88A3-21E4D36739BD}" type="presParOf" srcId="{C01708EB-26B6-43BA-87B1-1939BC4E11A4}" destId="{50484456-0A3B-4D90-8DA8-883D3CD10BA8}" srcOrd="1" destOrd="0" presId="urn:microsoft.com/office/officeart/2005/8/layout/hierarchy6"/>
+  </dgm:cxnLst>
+  <dgm:bg/>
+  <dgm:whole/>
+  <dgm:extLst>
+    <a:ext uri="http://schemas.microsoft.com/office/drawing/2008/diagram">
+      <dsp:dataModelExt xmlns:dsp="http://schemas.microsoft.com/office/drawing/2008/diagram" xmlns="" relId="rId6" minVer="http://schemas.openxmlformats.org/drawingml/2006/diagram"/>
     </a:ext>
   </dgm:extLst>
 </dgm:dataModel>
@@ -3587,6 +5145,1351 @@
 </dsp:drawing>
 </file>
 
+<file path=ppt/diagrams/drawing4.xml><?xml version="1.0" encoding="utf-8"?>
+<dsp:drawing xmlns:dgm="http://schemas.openxmlformats.org/drawingml/2006/diagram" xmlns:a="http://schemas.openxmlformats.org/drawingml/2006/main" xmlns:dsp="http://schemas.microsoft.com/office/drawing/2008/diagram">
+  <dsp:spTree>
+    <dsp:nvGrpSpPr>
+      <dsp:cNvPr id="0" name=""/>
+      <dsp:cNvGrpSpPr/>
+    </dsp:nvGrpSpPr>
+    <dsp:grpSpPr/>
+    <dsp:sp modelId="{006A664B-44BF-4E5B-A677-CF3BD8119446}">
+      <dsp:nvSpPr>
+        <dsp:cNvPr id="0" name=""/>
+        <dsp:cNvSpPr/>
+      </dsp:nvSpPr>
+      <dsp:spPr>
+        <a:xfrm>
+          <a:off x="2510912" y="2172"/>
+          <a:ext cx="1361554" cy="907702"/>
+        </a:xfrm>
+        <a:prstGeom prst="roundRect">
+          <a:avLst>
+            <a:gd name="adj" fmla="val 10000"/>
+          </a:avLst>
+        </a:prstGeom>
+        <a:solidFill>
+          <a:schemeClr val="accent1">
+            <a:hueOff val="0"/>
+            <a:satOff val="0"/>
+            <a:lumOff val="0"/>
+            <a:alphaOff val="0"/>
+          </a:schemeClr>
+        </a:solidFill>
+        <a:ln w="25400" cap="flat" cmpd="sng" algn="ctr">
+          <a:solidFill>
+            <a:schemeClr val="lt1">
+              <a:hueOff val="0"/>
+              <a:satOff val="0"/>
+              <a:lumOff val="0"/>
+              <a:alphaOff val="0"/>
+            </a:schemeClr>
+          </a:solidFill>
+          <a:prstDash val="solid"/>
+        </a:ln>
+        <a:effectLst/>
+      </dsp:spPr>
+      <dsp:style>
+        <a:lnRef idx="2">
+          <a:scrgbClr r="0" g="0" b="0"/>
+        </a:lnRef>
+        <a:fillRef idx="1">
+          <a:scrgbClr r="0" g="0" b="0"/>
+        </a:fillRef>
+        <a:effectRef idx="0">
+          <a:scrgbClr r="0" g="0" b="0"/>
+        </a:effectRef>
+        <a:fontRef idx="minor">
+          <a:schemeClr val="lt1"/>
+        </a:fontRef>
+      </dsp:style>
+      <dsp:txBody>
+        <a:bodyPr spcFirstLastPara="0" vert="horz" wrap="square" lIns="68580" tIns="68580" rIns="68580" bIns="68580" numCol="1" spcCol="1270" anchor="ctr" anchorCtr="0">
+          <a:noAutofit/>
+        </a:bodyPr>
+        <a:lstStyle/>
+        <a:p>
+          <a:pPr lvl="0" algn="ctr" defTabSz="800100">
+            <a:lnSpc>
+              <a:spcPct val="90000"/>
+            </a:lnSpc>
+            <a:spcBef>
+              <a:spcPct val="0"/>
+            </a:spcBef>
+            <a:spcAft>
+              <a:spcPct val="35000"/>
+            </a:spcAft>
+          </a:pPr>
+          <a:r>
+            <a:rPr lang="en-US" sz="1800" kern="1200" dirty="0" smtClean="0"/>
+            <a:t>Neural Network</a:t>
+          </a:r>
+          <a:endParaRPr lang="en-US" sz="1800" kern="1200" dirty="0"/>
+        </a:p>
+      </dsp:txBody>
+      <dsp:txXfrm>
+        <a:off x="2510912" y="2172"/>
+        <a:ext cx="1361554" cy="907702"/>
+      </dsp:txXfrm>
+    </dsp:sp>
+    <dsp:sp modelId="{DBD886C5-46CD-46C1-AD1C-B39755644582}">
+      <dsp:nvSpPr>
+        <dsp:cNvPr id="0" name=""/>
+        <dsp:cNvSpPr/>
+      </dsp:nvSpPr>
+      <dsp:spPr>
+        <a:xfrm>
+          <a:off x="1421669" y="909875"/>
+          <a:ext cx="1770020" cy="363081"/>
+        </a:xfrm>
+        <a:custGeom>
+          <a:avLst/>
+          <a:gdLst/>
+          <a:ahLst/>
+          <a:cxnLst/>
+          <a:rect l="0" t="0" r="0" b="0"/>
+          <a:pathLst>
+            <a:path>
+              <a:moveTo>
+                <a:pt x="1770020" y="0"/>
+              </a:moveTo>
+              <a:lnTo>
+                <a:pt x="1770020" y="181540"/>
+              </a:lnTo>
+              <a:lnTo>
+                <a:pt x="0" y="181540"/>
+              </a:lnTo>
+              <a:lnTo>
+                <a:pt x="0" y="363081"/>
+              </a:lnTo>
+            </a:path>
+          </a:pathLst>
+        </a:custGeom>
+        <a:noFill/>
+        <a:ln w="25400" cap="flat" cmpd="sng" algn="ctr">
+          <a:solidFill>
+            <a:schemeClr val="accent1">
+              <a:shade val="60000"/>
+              <a:hueOff val="0"/>
+              <a:satOff val="0"/>
+              <a:lumOff val="0"/>
+              <a:alphaOff val="0"/>
+            </a:schemeClr>
+          </a:solidFill>
+          <a:prstDash val="solid"/>
+        </a:ln>
+        <a:effectLst/>
+      </dsp:spPr>
+      <dsp:style>
+        <a:lnRef idx="2">
+          <a:scrgbClr r="0" g="0" b="0"/>
+        </a:lnRef>
+        <a:fillRef idx="0">
+          <a:scrgbClr r="0" g="0" b="0"/>
+        </a:fillRef>
+        <a:effectRef idx="0">
+          <a:scrgbClr r="0" g="0" b="0"/>
+        </a:effectRef>
+        <a:fontRef idx="minor"/>
+      </dsp:style>
+    </dsp:sp>
+    <dsp:sp modelId="{D8E10F95-5756-4BAE-9CE6-4C01BEB7C029}">
+      <dsp:nvSpPr>
+        <dsp:cNvPr id="0" name=""/>
+        <dsp:cNvSpPr/>
+      </dsp:nvSpPr>
+      <dsp:spPr>
+        <a:xfrm>
+          <a:off x="740892" y="1272956"/>
+          <a:ext cx="1361554" cy="907702"/>
+        </a:xfrm>
+        <a:prstGeom prst="roundRect">
+          <a:avLst>
+            <a:gd name="adj" fmla="val 10000"/>
+          </a:avLst>
+        </a:prstGeom>
+        <a:solidFill>
+          <a:schemeClr val="accent1">
+            <a:hueOff val="0"/>
+            <a:satOff val="0"/>
+            <a:lumOff val="0"/>
+            <a:alphaOff val="0"/>
+          </a:schemeClr>
+        </a:solidFill>
+        <a:ln w="25400" cap="flat" cmpd="sng" algn="ctr">
+          <a:solidFill>
+            <a:schemeClr val="lt1">
+              <a:hueOff val="0"/>
+              <a:satOff val="0"/>
+              <a:lumOff val="0"/>
+              <a:alphaOff val="0"/>
+            </a:schemeClr>
+          </a:solidFill>
+          <a:prstDash val="solid"/>
+        </a:ln>
+        <a:effectLst/>
+      </dsp:spPr>
+      <dsp:style>
+        <a:lnRef idx="2">
+          <a:scrgbClr r="0" g="0" b="0"/>
+        </a:lnRef>
+        <a:fillRef idx="1">
+          <a:scrgbClr r="0" g="0" b="0"/>
+        </a:fillRef>
+        <a:effectRef idx="0">
+          <a:scrgbClr r="0" g="0" b="0"/>
+        </a:effectRef>
+        <a:fontRef idx="minor">
+          <a:schemeClr val="lt1"/>
+        </a:fontRef>
+      </dsp:style>
+      <dsp:txBody>
+        <a:bodyPr spcFirstLastPara="0" vert="horz" wrap="square" lIns="68580" tIns="68580" rIns="68580" bIns="68580" numCol="1" spcCol="1270" anchor="ctr" anchorCtr="0">
+          <a:noAutofit/>
+        </a:bodyPr>
+        <a:lstStyle/>
+        <a:p>
+          <a:pPr lvl="0" algn="ctr" defTabSz="800100">
+            <a:lnSpc>
+              <a:spcPct val="90000"/>
+            </a:lnSpc>
+            <a:spcBef>
+              <a:spcPct val="0"/>
+            </a:spcBef>
+            <a:spcAft>
+              <a:spcPct val="35000"/>
+            </a:spcAft>
+          </a:pPr>
+          <a:r>
+            <a:rPr lang="en-US" sz="1800" kern="1200" dirty="0" smtClean="0"/>
+            <a:t>Warning</a:t>
+          </a:r>
+          <a:endParaRPr lang="en-US" sz="1800" kern="1200" dirty="0"/>
+        </a:p>
+      </dsp:txBody>
+      <dsp:txXfrm>
+        <a:off x="740892" y="1272956"/>
+        <a:ext cx="1361554" cy="907702"/>
+      </dsp:txXfrm>
+    </dsp:sp>
+    <dsp:sp modelId="{418A27A6-8121-4F59-9426-10E1FE1C78E9}">
+      <dsp:nvSpPr>
+        <dsp:cNvPr id="0" name=""/>
+        <dsp:cNvSpPr/>
+      </dsp:nvSpPr>
+      <dsp:spPr>
+        <a:xfrm>
+          <a:off x="3145969" y="909875"/>
+          <a:ext cx="91440" cy="363081"/>
+        </a:xfrm>
+        <a:custGeom>
+          <a:avLst/>
+          <a:gdLst/>
+          <a:ahLst/>
+          <a:cxnLst/>
+          <a:rect l="0" t="0" r="0" b="0"/>
+          <a:pathLst>
+            <a:path>
+              <a:moveTo>
+                <a:pt x="45720" y="0"/>
+              </a:moveTo>
+              <a:lnTo>
+                <a:pt x="45720" y="363081"/>
+              </a:lnTo>
+            </a:path>
+          </a:pathLst>
+        </a:custGeom>
+        <a:noFill/>
+        <a:ln w="25400" cap="flat" cmpd="sng" algn="ctr">
+          <a:solidFill>
+            <a:schemeClr val="accent1">
+              <a:shade val="60000"/>
+              <a:hueOff val="0"/>
+              <a:satOff val="0"/>
+              <a:lumOff val="0"/>
+              <a:alphaOff val="0"/>
+            </a:schemeClr>
+          </a:solidFill>
+          <a:prstDash val="solid"/>
+        </a:ln>
+        <a:effectLst/>
+      </dsp:spPr>
+      <dsp:style>
+        <a:lnRef idx="2">
+          <a:scrgbClr r="0" g="0" b="0"/>
+        </a:lnRef>
+        <a:fillRef idx="0">
+          <a:scrgbClr r="0" g="0" b="0"/>
+        </a:fillRef>
+        <a:effectRef idx="0">
+          <a:scrgbClr r="0" g="0" b="0"/>
+        </a:effectRef>
+        <a:fontRef idx="minor"/>
+      </dsp:style>
+    </dsp:sp>
+    <dsp:sp modelId="{20ABA8FC-D466-427C-969F-B02B57D42E63}">
+      <dsp:nvSpPr>
+        <dsp:cNvPr id="0" name=""/>
+        <dsp:cNvSpPr/>
+      </dsp:nvSpPr>
+      <dsp:spPr>
+        <a:xfrm>
+          <a:off x="2510912" y="1272956"/>
+          <a:ext cx="1361554" cy="907702"/>
+        </a:xfrm>
+        <a:prstGeom prst="roundRect">
+          <a:avLst>
+            <a:gd name="adj" fmla="val 10000"/>
+          </a:avLst>
+        </a:prstGeom>
+        <a:solidFill>
+          <a:schemeClr val="accent1">
+            <a:hueOff val="0"/>
+            <a:satOff val="0"/>
+            <a:lumOff val="0"/>
+            <a:alphaOff val="0"/>
+          </a:schemeClr>
+        </a:solidFill>
+        <a:ln w="25400" cap="flat" cmpd="sng" algn="ctr">
+          <a:solidFill>
+            <a:schemeClr val="lt1">
+              <a:hueOff val="0"/>
+              <a:satOff val="0"/>
+              <a:lumOff val="0"/>
+              <a:alphaOff val="0"/>
+            </a:schemeClr>
+          </a:solidFill>
+          <a:prstDash val="solid"/>
+        </a:ln>
+        <a:effectLst/>
+      </dsp:spPr>
+      <dsp:style>
+        <a:lnRef idx="2">
+          <a:scrgbClr r="0" g="0" b="0"/>
+        </a:lnRef>
+        <a:fillRef idx="1">
+          <a:scrgbClr r="0" g="0" b="0"/>
+        </a:fillRef>
+        <a:effectRef idx="0">
+          <a:scrgbClr r="0" g="0" b="0"/>
+        </a:effectRef>
+        <a:fontRef idx="minor">
+          <a:schemeClr val="lt1"/>
+        </a:fontRef>
+      </dsp:style>
+      <dsp:txBody>
+        <a:bodyPr spcFirstLastPara="0" vert="horz" wrap="square" lIns="68580" tIns="68580" rIns="68580" bIns="68580" numCol="1" spcCol="1270" anchor="ctr" anchorCtr="0">
+          <a:noAutofit/>
+        </a:bodyPr>
+        <a:lstStyle/>
+        <a:p>
+          <a:pPr lvl="0" algn="ctr" defTabSz="800100">
+            <a:lnSpc>
+              <a:spcPct val="90000"/>
+            </a:lnSpc>
+            <a:spcBef>
+              <a:spcPct val="0"/>
+            </a:spcBef>
+            <a:spcAft>
+              <a:spcPct val="35000"/>
+            </a:spcAft>
+          </a:pPr>
+          <a:r>
+            <a:rPr lang="en-US" sz="1800" kern="1200" dirty="0" smtClean="0"/>
+            <a:t>Regulatory</a:t>
+          </a:r>
+          <a:endParaRPr lang="en-US" sz="1800" kern="1200" dirty="0"/>
+        </a:p>
+      </dsp:txBody>
+      <dsp:txXfrm>
+        <a:off x="2510912" y="1272956"/>
+        <a:ext cx="1361554" cy="907702"/>
+      </dsp:txXfrm>
+    </dsp:sp>
+    <dsp:sp modelId="{0BF74B1C-D790-4892-8A37-2BDDABDAD287}">
+      <dsp:nvSpPr>
+        <dsp:cNvPr id="0" name=""/>
+        <dsp:cNvSpPr/>
+      </dsp:nvSpPr>
+      <dsp:spPr>
+        <a:xfrm>
+          <a:off x="3191689" y="909875"/>
+          <a:ext cx="1770020" cy="363081"/>
+        </a:xfrm>
+        <a:custGeom>
+          <a:avLst/>
+          <a:gdLst/>
+          <a:ahLst/>
+          <a:cxnLst/>
+          <a:rect l="0" t="0" r="0" b="0"/>
+          <a:pathLst>
+            <a:path>
+              <a:moveTo>
+                <a:pt x="0" y="0"/>
+              </a:moveTo>
+              <a:lnTo>
+                <a:pt x="0" y="181540"/>
+              </a:lnTo>
+              <a:lnTo>
+                <a:pt x="1770020" y="181540"/>
+              </a:lnTo>
+              <a:lnTo>
+                <a:pt x="1770020" y="363081"/>
+              </a:lnTo>
+            </a:path>
+          </a:pathLst>
+        </a:custGeom>
+        <a:noFill/>
+        <a:ln w="25400" cap="flat" cmpd="sng" algn="ctr">
+          <a:solidFill>
+            <a:schemeClr val="accent1">
+              <a:shade val="60000"/>
+              <a:hueOff val="0"/>
+              <a:satOff val="0"/>
+              <a:lumOff val="0"/>
+              <a:alphaOff val="0"/>
+            </a:schemeClr>
+          </a:solidFill>
+          <a:prstDash val="solid"/>
+        </a:ln>
+        <a:effectLst/>
+      </dsp:spPr>
+      <dsp:style>
+        <a:lnRef idx="2">
+          <a:scrgbClr r="0" g="0" b="0"/>
+        </a:lnRef>
+        <a:fillRef idx="0">
+          <a:scrgbClr r="0" g="0" b="0"/>
+        </a:fillRef>
+        <a:effectRef idx="0">
+          <a:scrgbClr r="0" g="0" b="0"/>
+        </a:effectRef>
+        <a:fontRef idx="minor"/>
+      </dsp:style>
+    </dsp:sp>
+    <dsp:sp modelId="{5B4AD018-BEC7-46A6-BFBC-118D8896C537}">
+      <dsp:nvSpPr>
+        <dsp:cNvPr id="0" name=""/>
+        <dsp:cNvSpPr/>
+      </dsp:nvSpPr>
+      <dsp:spPr>
+        <a:xfrm>
+          <a:off x="4280933" y="1272956"/>
+          <a:ext cx="1361554" cy="907702"/>
+        </a:xfrm>
+        <a:prstGeom prst="roundRect">
+          <a:avLst>
+            <a:gd name="adj" fmla="val 10000"/>
+          </a:avLst>
+        </a:prstGeom>
+        <a:solidFill>
+          <a:schemeClr val="accent1">
+            <a:hueOff val="0"/>
+            <a:satOff val="0"/>
+            <a:lumOff val="0"/>
+            <a:alphaOff val="0"/>
+          </a:schemeClr>
+        </a:solidFill>
+        <a:ln w="25400" cap="flat" cmpd="sng" algn="ctr">
+          <a:solidFill>
+            <a:schemeClr val="lt1">
+              <a:hueOff val="0"/>
+              <a:satOff val="0"/>
+              <a:lumOff val="0"/>
+              <a:alphaOff val="0"/>
+            </a:schemeClr>
+          </a:solidFill>
+          <a:prstDash val="solid"/>
+        </a:ln>
+        <a:effectLst/>
+      </dsp:spPr>
+      <dsp:style>
+        <a:lnRef idx="2">
+          <a:scrgbClr r="0" g="0" b="0"/>
+        </a:lnRef>
+        <a:fillRef idx="1">
+          <a:scrgbClr r="0" g="0" b="0"/>
+        </a:fillRef>
+        <a:effectRef idx="0">
+          <a:scrgbClr r="0" g="0" b="0"/>
+        </a:effectRef>
+        <a:fontRef idx="minor">
+          <a:schemeClr val="lt1"/>
+        </a:fontRef>
+      </dsp:style>
+      <dsp:txBody>
+        <a:bodyPr spcFirstLastPara="0" vert="horz" wrap="square" lIns="68580" tIns="68580" rIns="68580" bIns="68580" numCol="1" spcCol="1270" anchor="ctr" anchorCtr="0">
+          <a:noAutofit/>
+        </a:bodyPr>
+        <a:lstStyle/>
+        <a:p>
+          <a:pPr lvl="0" algn="ctr" defTabSz="800100">
+            <a:lnSpc>
+              <a:spcPct val="90000"/>
+            </a:lnSpc>
+            <a:spcBef>
+              <a:spcPct val="0"/>
+            </a:spcBef>
+            <a:spcAft>
+              <a:spcPct val="35000"/>
+            </a:spcAft>
+          </a:pPr>
+          <a:r>
+            <a:rPr lang="en-US" sz="1800" kern="1200" dirty="0" smtClean="0"/>
+            <a:t>Compulsory</a:t>
+          </a:r>
+          <a:endParaRPr lang="en-US" sz="1800" kern="1200" dirty="0"/>
+        </a:p>
+      </dsp:txBody>
+      <dsp:txXfrm>
+        <a:off x="4280933" y="1272956"/>
+        <a:ext cx="1361554" cy="907702"/>
+      </dsp:txXfrm>
+    </dsp:sp>
+    <dsp:sp modelId="{4D53EF7D-419E-47BC-BBFB-313FD2720112}">
+      <dsp:nvSpPr>
+        <dsp:cNvPr id="0" name=""/>
+        <dsp:cNvSpPr/>
+      </dsp:nvSpPr>
+      <dsp:spPr>
+        <a:xfrm>
+          <a:off x="4076700" y="2180659"/>
+          <a:ext cx="885010" cy="363081"/>
+        </a:xfrm>
+        <a:custGeom>
+          <a:avLst/>
+          <a:gdLst/>
+          <a:ahLst/>
+          <a:cxnLst/>
+          <a:rect l="0" t="0" r="0" b="0"/>
+          <a:pathLst>
+            <a:path>
+              <a:moveTo>
+                <a:pt x="885010" y="0"/>
+              </a:moveTo>
+              <a:lnTo>
+                <a:pt x="885010" y="181540"/>
+              </a:lnTo>
+              <a:lnTo>
+                <a:pt x="0" y="181540"/>
+              </a:lnTo>
+              <a:lnTo>
+                <a:pt x="0" y="363081"/>
+              </a:lnTo>
+            </a:path>
+          </a:pathLst>
+        </a:custGeom>
+        <a:noFill/>
+        <a:ln w="25400" cap="flat" cmpd="sng" algn="ctr">
+          <a:solidFill>
+            <a:schemeClr val="accent1">
+              <a:shade val="80000"/>
+              <a:hueOff val="0"/>
+              <a:satOff val="0"/>
+              <a:lumOff val="0"/>
+              <a:alphaOff val="0"/>
+            </a:schemeClr>
+          </a:solidFill>
+          <a:prstDash val="solid"/>
+        </a:ln>
+        <a:effectLst/>
+      </dsp:spPr>
+      <dsp:style>
+        <a:lnRef idx="2">
+          <a:scrgbClr r="0" g="0" b="0"/>
+        </a:lnRef>
+        <a:fillRef idx="0">
+          <a:scrgbClr r="0" g="0" b="0"/>
+        </a:fillRef>
+        <a:effectRef idx="0">
+          <a:scrgbClr r="0" g="0" b="0"/>
+        </a:effectRef>
+        <a:fontRef idx="minor"/>
+      </dsp:style>
+    </dsp:sp>
+    <dsp:sp modelId="{78EA99FF-4FA2-482F-8478-CCDBA0159D67}">
+      <dsp:nvSpPr>
+        <dsp:cNvPr id="0" name=""/>
+        <dsp:cNvSpPr/>
+      </dsp:nvSpPr>
+      <dsp:spPr>
+        <a:xfrm>
+          <a:off x="3395922" y="2543740"/>
+          <a:ext cx="1361554" cy="907702"/>
+        </a:xfrm>
+        <a:prstGeom prst="roundRect">
+          <a:avLst>
+            <a:gd name="adj" fmla="val 10000"/>
+          </a:avLst>
+        </a:prstGeom>
+        <a:solidFill>
+          <a:schemeClr val="accent1">
+            <a:hueOff val="0"/>
+            <a:satOff val="0"/>
+            <a:lumOff val="0"/>
+            <a:alphaOff val="0"/>
+          </a:schemeClr>
+        </a:solidFill>
+        <a:ln w="25400" cap="flat" cmpd="sng" algn="ctr">
+          <a:solidFill>
+            <a:schemeClr val="lt1">
+              <a:hueOff val="0"/>
+              <a:satOff val="0"/>
+              <a:lumOff val="0"/>
+              <a:alphaOff val="0"/>
+            </a:schemeClr>
+          </a:solidFill>
+          <a:prstDash val="solid"/>
+        </a:ln>
+        <a:effectLst/>
+      </dsp:spPr>
+      <dsp:style>
+        <a:lnRef idx="2">
+          <a:scrgbClr r="0" g="0" b="0"/>
+        </a:lnRef>
+        <a:fillRef idx="1">
+          <a:scrgbClr r="0" g="0" b="0"/>
+        </a:fillRef>
+        <a:effectRef idx="0">
+          <a:scrgbClr r="0" g="0" b="0"/>
+        </a:effectRef>
+        <a:fontRef idx="minor">
+          <a:schemeClr val="lt1"/>
+        </a:fontRef>
+      </dsp:style>
+      <dsp:txBody>
+        <a:bodyPr spcFirstLastPara="0" vert="horz" wrap="square" lIns="68580" tIns="68580" rIns="68580" bIns="68580" numCol="1" spcCol="1270" anchor="ctr" anchorCtr="0">
+          <a:noAutofit/>
+        </a:bodyPr>
+        <a:lstStyle/>
+        <a:p>
+          <a:pPr lvl="0" algn="ctr" defTabSz="800100">
+            <a:lnSpc>
+              <a:spcPct val="90000"/>
+            </a:lnSpc>
+            <a:spcBef>
+              <a:spcPct val="0"/>
+            </a:spcBef>
+            <a:spcAft>
+              <a:spcPct val="35000"/>
+            </a:spcAft>
+          </a:pPr>
+          <a:r>
+            <a:rPr lang="en-US" sz="1800" kern="1200" dirty="0" smtClean="0"/>
+            <a:t>Prohibitory</a:t>
+          </a:r>
+          <a:endParaRPr lang="en-US" sz="1800" kern="1200" dirty="0"/>
+        </a:p>
+      </dsp:txBody>
+      <dsp:txXfrm>
+        <a:off x="3395922" y="2543740"/>
+        <a:ext cx="1361554" cy="907702"/>
+      </dsp:txXfrm>
+    </dsp:sp>
+    <dsp:sp modelId="{D4A3543C-64F3-45AE-A144-EA2456DD0AF1}">
+      <dsp:nvSpPr>
+        <dsp:cNvPr id="0" name=""/>
+        <dsp:cNvSpPr/>
+      </dsp:nvSpPr>
+      <dsp:spPr>
+        <a:xfrm>
+          <a:off x="1421669" y="3451443"/>
+          <a:ext cx="2655030" cy="363081"/>
+        </a:xfrm>
+        <a:custGeom>
+          <a:avLst/>
+          <a:gdLst/>
+          <a:ahLst/>
+          <a:cxnLst/>
+          <a:rect l="0" t="0" r="0" b="0"/>
+          <a:pathLst>
+            <a:path>
+              <a:moveTo>
+                <a:pt x="2655030" y="0"/>
+              </a:moveTo>
+              <a:lnTo>
+                <a:pt x="2655030" y="181540"/>
+              </a:lnTo>
+              <a:lnTo>
+                <a:pt x="0" y="181540"/>
+              </a:lnTo>
+              <a:lnTo>
+                <a:pt x="0" y="363081"/>
+              </a:lnTo>
+            </a:path>
+          </a:pathLst>
+        </a:custGeom>
+        <a:noFill/>
+        <a:ln w="25400" cap="flat" cmpd="sng" algn="ctr">
+          <a:solidFill>
+            <a:schemeClr val="accent1">
+              <a:shade val="80000"/>
+              <a:hueOff val="0"/>
+              <a:satOff val="0"/>
+              <a:lumOff val="0"/>
+              <a:alphaOff val="0"/>
+            </a:schemeClr>
+          </a:solidFill>
+          <a:prstDash val="solid"/>
+        </a:ln>
+        <a:effectLst/>
+      </dsp:spPr>
+      <dsp:style>
+        <a:lnRef idx="2">
+          <a:scrgbClr r="0" g="0" b="0"/>
+        </a:lnRef>
+        <a:fillRef idx="0">
+          <a:scrgbClr r="0" g="0" b="0"/>
+        </a:fillRef>
+        <a:effectRef idx="0">
+          <a:scrgbClr r="0" g="0" b="0"/>
+        </a:effectRef>
+        <a:fontRef idx="minor"/>
+      </dsp:style>
+    </dsp:sp>
+    <dsp:sp modelId="{D7509E2D-E65E-48EB-B3F9-2FA1D4D7A4AD}">
+      <dsp:nvSpPr>
+        <dsp:cNvPr id="0" name=""/>
+        <dsp:cNvSpPr/>
+      </dsp:nvSpPr>
+      <dsp:spPr>
+        <a:xfrm>
+          <a:off x="740892" y="3814524"/>
+          <a:ext cx="1361554" cy="907702"/>
+        </a:xfrm>
+        <a:prstGeom prst="roundRect">
+          <a:avLst>
+            <a:gd name="adj" fmla="val 10000"/>
+          </a:avLst>
+        </a:prstGeom>
+        <a:solidFill>
+          <a:schemeClr val="accent1">
+            <a:hueOff val="0"/>
+            <a:satOff val="0"/>
+            <a:lumOff val="0"/>
+            <a:alphaOff val="0"/>
+          </a:schemeClr>
+        </a:solidFill>
+        <a:ln w="25400" cap="flat" cmpd="sng" algn="ctr">
+          <a:solidFill>
+            <a:schemeClr val="lt1">
+              <a:hueOff val="0"/>
+              <a:satOff val="0"/>
+              <a:lumOff val="0"/>
+              <a:alphaOff val="0"/>
+            </a:schemeClr>
+          </a:solidFill>
+          <a:prstDash val="solid"/>
+        </a:ln>
+        <a:effectLst/>
+      </dsp:spPr>
+      <dsp:style>
+        <a:lnRef idx="2">
+          <a:scrgbClr r="0" g="0" b="0"/>
+        </a:lnRef>
+        <a:fillRef idx="1">
+          <a:scrgbClr r="0" g="0" b="0"/>
+        </a:fillRef>
+        <a:effectRef idx="0">
+          <a:scrgbClr r="0" g="0" b="0"/>
+        </a:effectRef>
+        <a:fontRef idx="minor">
+          <a:schemeClr val="lt1"/>
+        </a:fontRef>
+      </dsp:style>
+      <dsp:txBody>
+        <a:bodyPr spcFirstLastPara="0" vert="horz" wrap="square" lIns="68580" tIns="68580" rIns="68580" bIns="68580" numCol="1" spcCol="1270" anchor="ctr" anchorCtr="0">
+          <a:noAutofit/>
+        </a:bodyPr>
+        <a:lstStyle/>
+        <a:p>
+          <a:pPr lvl="0" algn="ctr" defTabSz="800100">
+            <a:lnSpc>
+              <a:spcPct val="90000"/>
+            </a:lnSpc>
+            <a:spcBef>
+              <a:spcPct val="0"/>
+            </a:spcBef>
+            <a:spcAft>
+              <a:spcPct val="35000"/>
+            </a:spcAft>
+          </a:pPr>
+          <a:r>
+            <a:rPr lang="en-US" sz="1800" kern="1200" dirty="0" smtClean="0"/>
+            <a:t>Vehicles</a:t>
+          </a:r>
+          <a:endParaRPr lang="en-US" sz="1800" kern="1200" dirty="0"/>
+        </a:p>
+      </dsp:txBody>
+      <dsp:txXfrm>
+        <a:off x="740892" y="3814524"/>
+        <a:ext cx="1361554" cy="907702"/>
+      </dsp:txXfrm>
+    </dsp:sp>
+    <dsp:sp modelId="{1D6B99FC-F962-4ED1-92D5-81B5D69A4E76}">
+      <dsp:nvSpPr>
+        <dsp:cNvPr id="0" name=""/>
+        <dsp:cNvSpPr/>
+      </dsp:nvSpPr>
+      <dsp:spPr>
+        <a:xfrm>
+          <a:off x="3191689" y="3451443"/>
+          <a:ext cx="885010" cy="363081"/>
+        </a:xfrm>
+        <a:custGeom>
+          <a:avLst/>
+          <a:gdLst/>
+          <a:ahLst/>
+          <a:cxnLst/>
+          <a:rect l="0" t="0" r="0" b="0"/>
+          <a:pathLst>
+            <a:path>
+              <a:moveTo>
+                <a:pt x="885010" y="0"/>
+              </a:moveTo>
+              <a:lnTo>
+                <a:pt x="885010" y="181540"/>
+              </a:lnTo>
+              <a:lnTo>
+                <a:pt x="0" y="181540"/>
+              </a:lnTo>
+              <a:lnTo>
+                <a:pt x="0" y="363081"/>
+              </a:lnTo>
+            </a:path>
+          </a:pathLst>
+        </a:custGeom>
+        <a:noFill/>
+        <a:ln w="25400" cap="flat" cmpd="sng" algn="ctr">
+          <a:solidFill>
+            <a:schemeClr val="accent1">
+              <a:shade val="80000"/>
+              <a:hueOff val="0"/>
+              <a:satOff val="0"/>
+              <a:lumOff val="0"/>
+              <a:alphaOff val="0"/>
+            </a:schemeClr>
+          </a:solidFill>
+          <a:prstDash val="solid"/>
+        </a:ln>
+        <a:effectLst/>
+      </dsp:spPr>
+      <dsp:style>
+        <a:lnRef idx="2">
+          <a:scrgbClr r="0" g="0" b="0"/>
+        </a:lnRef>
+        <a:fillRef idx="0">
+          <a:scrgbClr r="0" g="0" b="0"/>
+        </a:fillRef>
+        <a:effectRef idx="0">
+          <a:scrgbClr r="0" g="0" b="0"/>
+        </a:effectRef>
+        <a:fontRef idx="minor"/>
+      </dsp:style>
+    </dsp:sp>
+    <dsp:sp modelId="{4126711B-B9E8-4AEE-9BCA-454D5ACBC510}">
+      <dsp:nvSpPr>
+        <dsp:cNvPr id="0" name=""/>
+        <dsp:cNvSpPr/>
+      </dsp:nvSpPr>
+      <dsp:spPr>
+        <a:xfrm>
+          <a:off x="2510912" y="3814524"/>
+          <a:ext cx="1361554" cy="907702"/>
+        </a:xfrm>
+        <a:prstGeom prst="roundRect">
+          <a:avLst>
+            <a:gd name="adj" fmla="val 10000"/>
+          </a:avLst>
+        </a:prstGeom>
+        <a:solidFill>
+          <a:schemeClr val="accent1">
+            <a:hueOff val="0"/>
+            <a:satOff val="0"/>
+            <a:lumOff val="0"/>
+            <a:alphaOff val="0"/>
+          </a:schemeClr>
+        </a:solidFill>
+        <a:ln w="25400" cap="flat" cmpd="sng" algn="ctr">
+          <a:solidFill>
+            <a:schemeClr val="lt1">
+              <a:hueOff val="0"/>
+              <a:satOff val="0"/>
+              <a:lumOff val="0"/>
+              <a:alphaOff val="0"/>
+            </a:schemeClr>
+          </a:solidFill>
+          <a:prstDash val="solid"/>
+        </a:ln>
+        <a:effectLst/>
+      </dsp:spPr>
+      <dsp:style>
+        <a:lnRef idx="2">
+          <a:scrgbClr r="0" g="0" b="0"/>
+        </a:lnRef>
+        <a:fillRef idx="1">
+          <a:scrgbClr r="0" g="0" b="0"/>
+        </a:fillRef>
+        <a:effectRef idx="0">
+          <a:scrgbClr r="0" g="0" b="0"/>
+        </a:effectRef>
+        <a:fontRef idx="minor">
+          <a:schemeClr val="lt1"/>
+        </a:fontRef>
+      </dsp:style>
+      <dsp:txBody>
+        <a:bodyPr spcFirstLastPara="0" vert="horz" wrap="square" lIns="68580" tIns="68580" rIns="68580" bIns="68580" numCol="1" spcCol="1270" anchor="ctr" anchorCtr="0">
+          <a:noAutofit/>
+        </a:bodyPr>
+        <a:lstStyle/>
+        <a:p>
+          <a:pPr lvl="0" algn="ctr" defTabSz="800100">
+            <a:lnSpc>
+              <a:spcPct val="90000"/>
+            </a:lnSpc>
+            <a:spcBef>
+              <a:spcPct val="0"/>
+            </a:spcBef>
+            <a:spcAft>
+              <a:spcPct val="35000"/>
+            </a:spcAft>
+          </a:pPr>
+          <a:r>
+            <a:rPr lang="en-US" sz="1800" kern="1200" dirty="0" smtClean="0"/>
+            <a:t>Arrows</a:t>
+          </a:r>
+          <a:endParaRPr lang="en-US" sz="1800" kern="1200" dirty="0"/>
+        </a:p>
+      </dsp:txBody>
+      <dsp:txXfrm>
+        <a:off x="2510912" y="3814524"/>
+        <a:ext cx="1361554" cy="907702"/>
+      </dsp:txXfrm>
+    </dsp:sp>
+    <dsp:sp modelId="{787181F8-5A63-431D-85F7-58B8315AD782}">
+      <dsp:nvSpPr>
+        <dsp:cNvPr id="0" name=""/>
+        <dsp:cNvSpPr/>
+      </dsp:nvSpPr>
+      <dsp:spPr>
+        <a:xfrm>
+          <a:off x="4076700" y="3451443"/>
+          <a:ext cx="885010" cy="363081"/>
+        </a:xfrm>
+        <a:custGeom>
+          <a:avLst/>
+          <a:gdLst/>
+          <a:ahLst/>
+          <a:cxnLst/>
+          <a:rect l="0" t="0" r="0" b="0"/>
+          <a:pathLst>
+            <a:path>
+              <a:moveTo>
+                <a:pt x="0" y="0"/>
+              </a:moveTo>
+              <a:lnTo>
+                <a:pt x="0" y="181540"/>
+              </a:lnTo>
+              <a:lnTo>
+                <a:pt x="885010" y="181540"/>
+              </a:lnTo>
+              <a:lnTo>
+                <a:pt x="885010" y="363081"/>
+              </a:lnTo>
+            </a:path>
+          </a:pathLst>
+        </a:custGeom>
+        <a:noFill/>
+        <a:ln w="25400" cap="flat" cmpd="sng" algn="ctr">
+          <a:solidFill>
+            <a:schemeClr val="accent1">
+              <a:shade val="80000"/>
+              <a:hueOff val="0"/>
+              <a:satOff val="0"/>
+              <a:lumOff val="0"/>
+              <a:alphaOff val="0"/>
+            </a:schemeClr>
+          </a:solidFill>
+          <a:prstDash val="solid"/>
+        </a:ln>
+        <a:effectLst/>
+      </dsp:spPr>
+      <dsp:style>
+        <a:lnRef idx="2">
+          <a:scrgbClr r="0" g="0" b="0"/>
+        </a:lnRef>
+        <a:fillRef idx="0">
+          <a:scrgbClr r="0" g="0" b="0"/>
+        </a:fillRef>
+        <a:effectRef idx="0">
+          <a:scrgbClr r="0" g="0" b="0"/>
+        </a:effectRef>
+        <a:fontRef idx="minor"/>
+      </dsp:style>
+    </dsp:sp>
+    <dsp:sp modelId="{26A3F8A9-98B3-4798-BA80-C92EABA10744}">
+      <dsp:nvSpPr>
+        <dsp:cNvPr id="0" name=""/>
+        <dsp:cNvSpPr/>
+      </dsp:nvSpPr>
+      <dsp:spPr>
+        <a:xfrm>
+          <a:off x="4280933" y="3814524"/>
+          <a:ext cx="1361554" cy="907702"/>
+        </a:xfrm>
+        <a:prstGeom prst="roundRect">
+          <a:avLst>
+            <a:gd name="adj" fmla="val 10000"/>
+          </a:avLst>
+        </a:prstGeom>
+        <a:solidFill>
+          <a:schemeClr val="accent1">
+            <a:hueOff val="0"/>
+            <a:satOff val="0"/>
+            <a:lumOff val="0"/>
+            <a:alphaOff val="0"/>
+          </a:schemeClr>
+        </a:solidFill>
+        <a:ln w="25400" cap="flat" cmpd="sng" algn="ctr">
+          <a:solidFill>
+            <a:schemeClr val="lt1">
+              <a:hueOff val="0"/>
+              <a:satOff val="0"/>
+              <a:lumOff val="0"/>
+              <a:alphaOff val="0"/>
+            </a:schemeClr>
+          </a:solidFill>
+          <a:prstDash val="solid"/>
+        </a:ln>
+        <a:effectLst/>
+      </dsp:spPr>
+      <dsp:style>
+        <a:lnRef idx="2">
+          <a:scrgbClr r="0" g="0" b="0"/>
+        </a:lnRef>
+        <a:fillRef idx="1">
+          <a:scrgbClr r="0" g="0" b="0"/>
+        </a:fillRef>
+        <a:effectRef idx="0">
+          <a:scrgbClr r="0" g="0" b="0"/>
+        </a:effectRef>
+        <a:fontRef idx="minor">
+          <a:schemeClr val="lt1"/>
+        </a:fontRef>
+      </dsp:style>
+      <dsp:txBody>
+        <a:bodyPr spcFirstLastPara="0" vert="horz" wrap="square" lIns="68580" tIns="68580" rIns="68580" bIns="68580" numCol="1" spcCol="1270" anchor="ctr" anchorCtr="0">
+          <a:noAutofit/>
+        </a:bodyPr>
+        <a:lstStyle/>
+        <a:p>
+          <a:pPr lvl="0" algn="ctr" defTabSz="800100">
+            <a:lnSpc>
+              <a:spcPct val="90000"/>
+            </a:lnSpc>
+            <a:spcBef>
+              <a:spcPct val="0"/>
+            </a:spcBef>
+            <a:spcAft>
+              <a:spcPct val="35000"/>
+            </a:spcAft>
+          </a:pPr>
+          <a:r>
+            <a:rPr lang="en-US" sz="1800" kern="1200" dirty="0" smtClean="0"/>
+            <a:t>Human</a:t>
+          </a:r>
+          <a:endParaRPr lang="en-US" sz="1800" kern="1200" dirty="0"/>
+        </a:p>
+      </dsp:txBody>
+      <dsp:txXfrm>
+        <a:off x="4280933" y="3814524"/>
+        <a:ext cx="1361554" cy="907702"/>
+      </dsp:txXfrm>
+    </dsp:sp>
+    <dsp:sp modelId="{6227A3C8-2209-47E3-AC60-C97584B50E73}">
+      <dsp:nvSpPr>
+        <dsp:cNvPr id="0" name=""/>
+        <dsp:cNvSpPr/>
+      </dsp:nvSpPr>
+      <dsp:spPr>
+        <a:xfrm>
+          <a:off x="4076700" y="3451443"/>
+          <a:ext cx="2655030" cy="363081"/>
+        </a:xfrm>
+        <a:custGeom>
+          <a:avLst/>
+          <a:gdLst/>
+          <a:ahLst/>
+          <a:cxnLst/>
+          <a:rect l="0" t="0" r="0" b="0"/>
+          <a:pathLst>
+            <a:path>
+              <a:moveTo>
+                <a:pt x="0" y="0"/>
+              </a:moveTo>
+              <a:lnTo>
+                <a:pt x="0" y="181540"/>
+              </a:lnTo>
+              <a:lnTo>
+                <a:pt x="2655030" y="181540"/>
+              </a:lnTo>
+              <a:lnTo>
+                <a:pt x="2655030" y="363081"/>
+              </a:lnTo>
+            </a:path>
+          </a:pathLst>
+        </a:custGeom>
+        <a:noFill/>
+        <a:ln w="25400" cap="flat" cmpd="sng" algn="ctr">
+          <a:solidFill>
+            <a:schemeClr val="accent1">
+              <a:shade val="80000"/>
+              <a:hueOff val="0"/>
+              <a:satOff val="0"/>
+              <a:lumOff val="0"/>
+              <a:alphaOff val="0"/>
+            </a:schemeClr>
+          </a:solidFill>
+          <a:prstDash val="solid"/>
+        </a:ln>
+        <a:effectLst/>
+      </dsp:spPr>
+      <dsp:style>
+        <a:lnRef idx="2">
+          <a:scrgbClr r="0" g="0" b="0"/>
+        </a:lnRef>
+        <a:fillRef idx="0">
+          <a:scrgbClr r="0" g="0" b="0"/>
+        </a:fillRef>
+        <a:effectRef idx="0">
+          <a:scrgbClr r="0" g="0" b="0"/>
+        </a:effectRef>
+        <a:fontRef idx="minor"/>
+      </dsp:style>
+    </dsp:sp>
+    <dsp:sp modelId="{F2DC642D-F30C-4F22-98F6-87945A798FC4}">
+      <dsp:nvSpPr>
+        <dsp:cNvPr id="0" name=""/>
+        <dsp:cNvSpPr/>
+      </dsp:nvSpPr>
+      <dsp:spPr>
+        <a:xfrm>
+          <a:off x="6050953" y="3814524"/>
+          <a:ext cx="1361554" cy="907702"/>
+        </a:xfrm>
+        <a:prstGeom prst="roundRect">
+          <a:avLst>
+            <a:gd name="adj" fmla="val 10000"/>
+          </a:avLst>
+        </a:prstGeom>
+        <a:solidFill>
+          <a:schemeClr val="accent1">
+            <a:hueOff val="0"/>
+            <a:satOff val="0"/>
+            <a:lumOff val="0"/>
+            <a:alphaOff val="0"/>
+          </a:schemeClr>
+        </a:solidFill>
+        <a:ln w="25400" cap="flat" cmpd="sng" algn="ctr">
+          <a:solidFill>
+            <a:schemeClr val="lt1">
+              <a:hueOff val="0"/>
+              <a:satOff val="0"/>
+              <a:lumOff val="0"/>
+              <a:alphaOff val="0"/>
+            </a:schemeClr>
+          </a:solidFill>
+          <a:prstDash val="solid"/>
+        </a:ln>
+        <a:effectLst/>
+      </dsp:spPr>
+      <dsp:style>
+        <a:lnRef idx="2">
+          <a:scrgbClr r="0" g="0" b="0"/>
+        </a:lnRef>
+        <a:fillRef idx="1">
+          <a:scrgbClr r="0" g="0" b="0"/>
+        </a:fillRef>
+        <a:effectRef idx="0">
+          <a:scrgbClr r="0" g="0" b="0"/>
+        </a:effectRef>
+        <a:fontRef idx="minor">
+          <a:schemeClr val="lt1"/>
+        </a:fontRef>
+      </dsp:style>
+      <dsp:txBody>
+        <a:bodyPr spcFirstLastPara="0" vert="horz" wrap="square" lIns="68580" tIns="68580" rIns="68580" bIns="68580" numCol="1" spcCol="1270" anchor="ctr" anchorCtr="0">
+          <a:noAutofit/>
+        </a:bodyPr>
+        <a:lstStyle/>
+        <a:p>
+          <a:pPr lvl="0" algn="ctr" defTabSz="800100">
+            <a:lnSpc>
+              <a:spcPct val="90000"/>
+            </a:lnSpc>
+            <a:spcBef>
+              <a:spcPct val="0"/>
+            </a:spcBef>
+            <a:spcAft>
+              <a:spcPct val="35000"/>
+            </a:spcAft>
+          </a:pPr>
+          <a:r>
+            <a:rPr lang="en-US" sz="1800" kern="1200" dirty="0" smtClean="0"/>
+            <a:t>Others</a:t>
+          </a:r>
+          <a:endParaRPr lang="en-US" sz="1800" kern="1200" dirty="0"/>
+        </a:p>
+      </dsp:txBody>
+      <dsp:txXfrm>
+        <a:off x="6050953" y="3814524"/>
+        <a:ext cx="1361554" cy="907702"/>
+      </dsp:txXfrm>
+    </dsp:sp>
+    <dsp:sp modelId="{56443105-A1ED-44FC-B993-AAA239C42BF6}">
+      <dsp:nvSpPr>
+        <dsp:cNvPr id="0" name=""/>
+        <dsp:cNvSpPr/>
+      </dsp:nvSpPr>
+      <dsp:spPr>
+        <a:xfrm>
+          <a:off x="4961710" y="2180659"/>
+          <a:ext cx="885010" cy="363081"/>
+        </a:xfrm>
+        <a:custGeom>
+          <a:avLst/>
+          <a:gdLst/>
+          <a:ahLst/>
+          <a:cxnLst/>
+          <a:rect l="0" t="0" r="0" b="0"/>
+          <a:pathLst>
+            <a:path>
+              <a:moveTo>
+                <a:pt x="0" y="0"/>
+              </a:moveTo>
+              <a:lnTo>
+                <a:pt x="0" y="181540"/>
+              </a:lnTo>
+              <a:lnTo>
+                <a:pt x="885010" y="181540"/>
+              </a:lnTo>
+              <a:lnTo>
+                <a:pt x="885010" y="363081"/>
+              </a:lnTo>
+            </a:path>
+          </a:pathLst>
+        </a:custGeom>
+        <a:noFill/>
+        <a:ln w="25400" cap="flat" cmpd="sng" algn="ctr">
+          <a:solidFill>
+            <a:schemeClr val="accent1">
+              <a:shade val="80000"/>
+              <a:hueOff val="0"/>
+              <a:satOff val="0"/>
+              <a:lumOff val="0"/>
+              <a:alphaOff val="0"/>
+            </a:schemeClr>
+          </a:solidFill>
+          <a:prstDash val="solid"/>
+        </a:ln>
+        <a:effectLst/>
+      </dsp:spPr>
+      <dsp:style>
+        <a:lnRef idx="2">
+          <a:scrgbClr r="0" g="0" b="0"/>
+        </a:lnRef>
+        <a:fillRef idx="0">
+          <a:scrgbClr r="0" g="0" b="0"/>
+        </a:fillRef>
+        <a:effectRef idx="0">
+          <a:scrgbClr r="0" g="0" b="0"/>
+        </a:effectRef>
+        <a:fontRef idx="minor"/>
+      </dsp:style>
+    </dsp:sp>
+    <dsp:sp modelId="{54098387-CD4E-41A7-A8E9-76A35EBCE9BA}">
+      <dsp:nvSpPr>
+        <dsp:cNvPr id="0" name=""/>
+        <dsp:cNvSpPr/>
+      </dsp:nvSpPr>
+      <dsp:spPr>
+        <a:xfrm>
+          <a:off x="5165943" y="2543740"/>
+          <a:ext cx="1361554" cy="907702"/>
+        </a:xfrm>
+        <a:prstGeom prst="roundRect">
+          <a:avLst>
+            <a:gd name="adj" fmla="val 10000"/>
+          </a:avLst>
+        </a:prstGeom>
+        <a:solidFill>
+          <a:schemeClr val="accent1">
+            <a:hueOff val="0"/>
+            <a:satOff val="0"/>
+            <a:lumOff val="0"/>
+            <a:alphaOff val="0"/>
+          </a:schemeClr>
+        </a:solidFill>
+        <a:ln w="25400" cap="flat" cmpd="sng" algn="ctr">
+          <a:solidFill>
+            <a:schemeClr val="lt1">
+              <a:hueOff val="0"/>
+              <a:satOff val="0"/>
+              <a:lumOff val="0"/>
+              <a:alphaOff val="0"/>
+            </a:schemeClr>
+          </a:solidFill>
+          <a:prstDash val="solid"/>
+        </a:ln>
+        <a:effectLst/>
+      </dsp:spPr>
+      <dsp:style>
+        <a:lnRef idx="2">
+          <a:scrgbClr r="0" g="0" b="0"/>
+        </a:lnRef>
+        <a:fillRef idx="1">
+          <a:scrgbClr r="0" g="0" b="0"/>
+        </a:fillRef>
+        <a:effectRef idx="0">
+          <a:scrgbClr r="0" g="0" b="0"/>
+        </a:effectRef>
+        <a:fontRef idx="minor">
+          <a:schemeClr val="lt1"/>
+        </a:fontRef>
+      </dsp:style>
+      <dsp:txBody>
+        <a:bodyPr spcFirstLastPara="0" vert="horz" wrap="square" lIns="68580" tIns="68580" rIns="68580" bIns="68580" numCol="1" spcCol="1270" anchor="ctr" anchorCtr="0">
+          <a:noAutofit/>
+        </a:bodyPr>
+        <a:lstStyle/>
+        <a:p>
+          <a:pPr lvl="0" algn="ctr" defTabSz="800100">
+            <a:lnSpc>
+              <a:spcPct val="90000"/>
+            </a:lnSpc>
+            <a:spcBef>
+              <a:spcPct val="0"/>
+            </a:spcBef>
+            <a:spcAft>
+              <a:spcPct val="35000"/>
+            </a:spcAft>
+          </a:pPr>
+          <a:r>
+            <a:rPr lang="en-US" sz="1800" kern="1200" dirty="0" smtClean="0"/>
+            <a:t>Non-Prohibitory</a:t>
+          </a:r>
+          <a:endParaRPr lang="en-US" sz="1800" kern="1200" dirty="0"/>
+        </a:p>
+      </dsp:txBody>
+      <dsp:txXfrm>
+        <a:off x="5165943" y="2543740"/>
+        <a:ext cx="1361554" cy="907702"/>
+      </dsp:txXfrm>
+    </dsp:sp>
+  </dsp:spTree>
+</dsp:drawing>
+</file>
+
 <file path=ppt/diagrams/layout1.xml><?xml version="1.0" encoding="utf-8"?>
 <dgm:layoutDef xmlns:dgm="http://schemas.openxmlformats.org/drawingml/2006/diagram" xmlns:a="http://schemas.openxmlformats.org/drawingml/2006/main" uniqueId="urn:microsoft.com/office/officeart/2005/8/layout/equation1">
   <dgm:title val=""/>
@@ -4052,6 +6955,517 @@
 </dgm:layoutDef>
 </file>
 
+<file path=ppt/diagrams/layout4.xml><?xml version="1.0" encoding="utf-8"?>
+<dgm:layoutDef xmlns:dgm="http://schemas.openxmlformats.org/drawingml/2006/diagram" xmlns:a="http://schemas.openxmlformats.org/drawingml/2006/main" uniqueId="urn:microsoft.com/office/officeart/2005/8/layout/hierarchy6">
+  <dgm:title val=""/>
+  <dgm:desc val=""/>
+  <dgm:catLst>
+    <dgm:cat type="hierarchy" pri="3000"/>
+  </dgm:catLst>
+  <dgm:sampData>
+    <dgm:dataModel>
+      <dgm:ptLst>
+        <dgm:pt modelId="0" type="doc"/>
+        <dgm:pt modelId="1">
+          <dgm:prSet phldr="1"/>
+        </dgm:pt>
+        <dgm:pt modelId="2">
+          <dgm:prSet phldr="1"/>
+        </dgm:pt>
+        <dgm:pt modelId="21">
+          <dgm:prSet phldr="1"/>
+        </dgm:pt>
+        <dgm:pt modelId="22">
+          <dgm:prSet phldr="1"/>
+        </dgm:pt>
+        <dgm:pt modelId="3">
+          <dgm:prSet phldr="1"/>
+        </dgm:pt>
+        <dgm:pt modelId="31">
+          <dgm:prSet phldr="1"/>
+        </dgm:pt>
+        <dgm:pt modelId="4">
+          <dgm:prSet phldr="1"/>
+        </dgm:pt>
+        <dgm:pt modelId="5">
+          <dgm:prSet phldr="1"/>
+        </dgm:pt>
+        <dgm:pt modelId="6">
+          <dgm:prSet phldr="1"/>
+        </dgm:pt>
+      </dgm:ptLst>
+      <dgm:cxnLst>
+        <dgm:cxn modelId="7" srcId="0" destId="1" srcOrd="0" destOrd="0"/>
+        <dgm:cxn modelId="8" srcId="1" destId="2" srcOrd="0" destOrd="0"/>
+        <dgm:cxn modelId="9" srcId="1" destId="3" srcOrd="1" destOrd="0"/>
+        <dgm:cxn modelId="23" srcId="2" destId="21" srcOrd="0" destOrd="0"/>
+        <dgm:cxn modelId="24" srcId="2" destId="22" srcOrd="1" destOrd="0"/>
+        <dgm:cxn modelId="33" srcId="3" destId="31" srcOrd="0" destOrd="0"/>
+        <dgm:cxn modelId="10" srcId="0" destId="4" srcOrd="1" destOrd="0"/>
+        <dgm:cxn modelId="11" srcId="0" destId="5" srcOrd="2" destOrd="0"/>
+        <dgm:cxn modelId="12" srcId="0" destId="6" srcOrd="3" destOrd="0"/>
+      </dgm:cxnLst>
+      <dgm:bg/>
+      <dgm:whole/>
+    </dgm:dataModel>
+  </dgm:sampData>
+  <dgm:styleData>
+    <dgm:dataModel>
+      <dgm:ptLst>
+        <dgm:pt modelId="0" type="doc"/>
+        <dgm:pt modelId="1"/>
+        <dgm:pt modelId="11"/>
+        <dgm:pt modelId="12"/>
+        <dgm:pt modelId="2"/>
+        <dgm:pt modelId="3"/>
+      </dgm:ptLst>
+      <dgm:cxnLst>
+        <dgm:cxn modelId="4" srcId="0" destId="1" srcOrd="0" destOrd="0"/>
+        <dgm:cxn modelId="13" srcId="1" destId="11" srcOrd="0" destOrd="0"/>
+        <dgm:cxn modelId="14" srcId="1" destId="12" srcOrd="1" destOrd="0"/>
+        <dgm:cxn modelId="5" srcId="0" destId="2" srcOrd="1" destOrd="0"/>
+        <dgm:cxn modelId="6" srcId="0" destId="3" srcOrd="2" destOrd="0"/>
+      </dgm:cxnLst>
+      <dgm:bg/>
+      <dgm:whole/>
+    </dgm:dataModel>
+  </dgm:styleData>
+  <dgm:clrData>
+    <dgm:dataModel>
+      <dgm:ptLst>
+        <dgm:pt modelId="0" type="doc"/>
+        <dgm:pt modelId="1"/>
+        <dgm:pt modelId="2"/>
+        <dgm:pt modelId="21"/>
+        <dgm:pt modelId="211"/>
+        <dgm:pt modelId="3"/>
+        <dgm:pt modelId="31"/>
+        <dgm:pt modelId="311"/>
+        <dgm:pt modelId="4"/>
+        <dgm:pt modelId="5"/>
+        <dgm:pt modelId="6"/>
+        <dgm:pt modelId="7"/>
+      </dgm:ptLst>
+      <dgm:cxnLst>
+        <dgm:cxn modelId="8" srcId="0" destId="1" srcOrd="0" destOrd="0"/>
+        <dgm:cxn modelId="9" srcId="1" destId="2" srcOrd="0" destOrd="0"/>
+        <dgm:cxn modelId="10" srcId="1" destId="3" srcOrd="1" destOrd="0"/>
+        <dgm:cxn modelId="23" srcId="2" destId="21" srcOrd="0" destOrd="0"/>
+        <dgm:cxn modelId="24" srcId="21" destId="211" srcOrd="0" destOrd="0"/>
+        <dgm:cxn modelId="33" srcId="3" destId="31" srcOrd="0" destOrd="0"/>
+        <dgm:cxn modelId="34" srcId="31" destId="311" srcOrd="0" destOrd="0"/>
+        <dgm:cxn modelId="11" srcId="0" destId="4" srcOrd="1" destOrd="0"/>
+        <dgm:cxn modelId="12" srcId="0" destId="5" srcOrd="2" destOrd="0"/>
+        <dgm:cxn modelId="13" srcId="0" destId="6" srcOrd="3" destOrd="0"/>
+        <dgm:cxn modelId="14" srcId="0" destId="7" srcOrd="4" destOrd="0"/>
+      </dgm:cxnLst>
+      <dgm:bg/>
+      <dgm:whole/>
+    </dgm:dataModel>
+  </dgm:clrData>
+  <dgm:layoutNode name="mainComposite">
+    <dgm:varLst>
+      <dgm:chPref val="1"/>
+      <dgm:dir/>
+      <dgm:animOne val="branch"/>
+      <dgm:animLvl val="lvl"/>
+      <dgm:resizeHandles val="exact"/>
+    </dgm:varLst>
+    <dgm:alg type="composite">
+      <dgm:param type="vertAlign" val="mid"/>
+      <dgm:param type="horzAlign" val="ctr"/>
+    </dgm:alg>
+    <dgm:shape xmlns:r="http://schemas.openxmlformats.org/officeDocument/2006/relationships" r:blip="">
+      <dgm:adjLst/>
+    </dgm:shape>
+    <dgm:presOf/>
+    <dgm:choose name="Name0">
+      <dgm:if name="Name1" axis="ch" ptType="node" func="cnt" op="gte" val="2">
+        <dgm:choose name="Name2">
+          <dgm:if name="Name3" func="var" arg="dir" op="equ" val="norm">
+            <dgm:constrLst>
+              <dgm:constr type="l" for="ch" forName="hierFlow" refType="w" fact="0.3"/>
+              <dgm:constr type="t" for="ch" forName="hierFlow"/>
+              <dgm:constr type="r" for="ch" forName="hierFlow" refType="w" fact="0.98"/>
+              <dgm:constr type="b" for="ch" forName="hierFlow" refType="h" fact="0.98"/>
+              <dgm:constr type="l" for="ch" forName="bgShapesFlow"/>
+              <dgm:constr type="t" for="ch" forName="bgShapesFlow"/>
+              <dgm:constr type="r" for="ch" forName="bgShapesFlow" refType="w"/>
+              <dgm:constr type="b" for="ch" forName="bgShapesFlow" refType="h"/>
+              <dgm:constr type="w" for="des" forName="level1Shape" refType="w"/>
+              <dgm:constr type="h" for="des" forName="level1Shape" refType="w" refFor="des" refForName="level1Shape" fact="0.66667"/>
+              <dgm:constr type="w" for="des" forName="level2Shape" refType="w" refFor="des" refForName="level1Shape" op="equ"/>
+              <dgm:constr type="h" for="des" forName="level2Shape" refType="h" refFor="des" refForName="level1Shape" op="equ"/>
+              <dgm:constr type="sp" for="des" refType="h" refFor="des" refForName="level1Shape" op="equ" fact="0.4"/>
+              <dgm:constr type="sibSp" for="des" forName="hierChild1" refType="w" refFor="des" refForName="level1Shape" op="equ" fact="0.3"/>
+              <dgm:constr type="sibSp" for="des" forName="hierChild2" refType="sibSp" refFor="des" refForName="hierChild1" op="equ"/>
+              <dgm:constr type="sibSp" for="des" forName="hierChild3" refType="sibSp" refFor="des" refForName="hierChild1" op="equ"/>
+              <dgm:constr type="userA" for="des" refType="h" refFor="des" refForName="level1Shape" op="equ"/>
+              <dgm:constr type="userB" for="des" refType="sp" refFor="des" op="equ"/>
+              <dgm:constr type="h" for="des" forName="firstBuf" refType="h" refFor="des" refForName="level1Shape" fact="0.1"/>
+            </dgm:constrLst>
+          </dgm:if>
+          <dgm:else name="Name4">
+            <dgm:constrLst>
+              <dgm:constr type="l" for="ch" forName="hierFlow" refType="w" fact="0.02"/>
+              <dgm:constr type="t" for="ch" forName="hierFlow"/>
+              <dgm:constr type="r" for="ch" forName="hierFlow" refType="w" fact="0.7"/>
+              <dgm:constr type="b" for="ch" forName="hierFlow" refType="h" fact="0.98"/>
+              <dgm:constr type="l" for="ch" forName="bgShapesFlow"/>
+              <dgm:constr type="t" for="ch" forName="bgShapesFlow"/>
+              <dgm:constr type="r" for="ch" forName="bgShapesFlow" refType="w"/>
+              <dgm:constr type="b" for="ch" forName="bgShapesFlow" refType="h"/>
+              <dgm:constr type="w" for="des" forName="level1Shape" refType="w"/>
+              <dgm:constr type="h" for="des" forName="level1Shape" refType="w" refFor="des" refForName="level1Shape" fact="0.66667"/>
+              <dgm:constr type="w" for="des" forName="level2Shape" refType="w" refFor="des" refForName="level1Shape" op="equ"/>
+              <dgm:constr type="h" for="des" forName="level2Shape" refType="h" refFor="des" refForName="level1Shape" op="equ"/>
+              <dgm:constr type="sp" for="des" refType="h" refFor="des" refForName="level1Shape" op="equ" fact="0.4"/>
+              <dgm:constr type="sibSp" for="des" forName="hierChild1" refType="w" refFor="des" refForName="level1Shape" op="equ" fact="0.3"/>
+              <dgm:constr type="sibSp" for="des" forName="hierChild2" refType="sibSp" refFor="des" refForName="hierChild1" op="equ"/>
+              <dgm:constr type="sibSp" for="des" forName="hierChild3" refType="sibSp" refFor="des" refForName="hierChild1" op="equ"/>
+              <dgm:constr type="userA" for="des" refType="h" refFor="des" refForName="level1Shape" op="equ"/>
+              <dgm:constr type="userB" for="des" refType="sp" refFor="des" op="equ"/>
+              <dgm:constr type="h" for="des" forName="firstBuf" refType="h" refFor="des" refForName="level1Shape" fact="0.1"/>
+            </dgm:constrLst>
+          </dgm:else>
+        </dgm:choose>
+      </dgm:if>
+      <dgm:else name="Name5">
+        <dgm:constrLst>
+          <dgm:constr type="l" for="ch" forName="hierFlow"/>
+          <dgm:constr type="t" for="ch" forName="hierFlow"/>
+          <dgm:constr type="r" for="ch" forName="hierFlow" refType="w"/>
+          <dgm:constr type="b" for="ch" forName="hierFlow" refType="h"/>
+          <dgm:constr type="l" for="ch" forName="bgShapesFlow"/>
+          <dgm:constr type="t" for="ch" forName="bgShapesFlow"/>
+          <dgm:constr type="r" for="ch" forName="bgShapesFlow" refType="w"/>
+          <dgm:constr type="b" for="ch" forName="bgShapesFlow" refType="h"/>
+          <dgm:constr type="w" for="des" forName="level1Shape" refType="w"/>
+          <dgm:constr type="h" for="des" forName="level1Shape" refType="w" refFor="des" refForName="level1Shape" fact="0.66667"/>
+          <dgm:constr type="w" for="des" forName="level2Shape" refType="w" refFor="des" refForName="level1Shape" op="equ"/>
+          <dgm:constr type="h" for="des" forName="level2Shape" refType="h" refFor="des" refForName="level1Shape" op="equ"/>
+          <dgm:constr type="sp" for="des" refType="h" refFor="des" refForName="level1Shape" op="equ" fact="0.4"/>
+          <dgm:constr type="sibSp" for="des" forName="hierChild1" refType="w" refFor="des" refForName="level1Shape" op="equ" fact="0.3"/>
+          <dgm:constr type="sibSp" for="des" forName="hierChild2" refType="sibSp" refFor="des" refForName="hierChild1" op="equ"/>
+          <dgm:constr type="sibSp" for="des" forName="hierChild3" refType="sibSp" refFor="des" refForName="hierChild1" op="equ"/>
+          <dgm:constr type="userA" for="des" refType="h" refFor="des" refForName="level1Shape" op="equ"/>
+          <dgm:constr type="userB" for="des" refType="sp" refFor="des" op="equ"/>
+          <dgm:constr type="h" for="des" forName="firstBuf" refType="h" refFor="des" refForName="level1Shape" fact="0.1"/>
+        </dgm:constrLst>
+      </dgm:else>
+    </dgm:choose>
+    <dgm:ruleLst/>
+    <dgm:layoutNode name="hierFlow">
+      <dgm:alg type="lin">
+        <dgm:param type="linDir" val="fromT"/>
+        <dgm:param type="nodeVertAlign" val="t"/>
+        <dgm:param type="vertAlign" val="t"/>
+        <dgm:param type="nodeHorzAlign" val="ctr"/>
+        <dgm:param type="fallback" val="2D"/>
+      </dgm:alg>
+      <dgm:shape xmlns:r="http://schemas.openxmlformats.org/officeDocument/2006/relationships" r:blip="">
+        <dgm:adjLst/>
+      </dgm:shape>
+      <dgm:presOf/>
+      <dgm:constrLst/>
+      <dgm:ruleLst/>
+      <dgm:choose name="Name6">
+        <dgm:if name="Name7" axis="ch" ptType="node" func="cnt" op="gte" val="2">
+          <dgm:layoutNode name="firstBuf">
+            <dgm:alg type="sp"/>
+            <dgm:shape xmlns:r="http://schemas.openxmlformats.org/officeDocument/2006/relationships" r:blip="">
+              <dgm:adjLst/>
+            </dgm:shape>
+            <dgm:presOf/>
+            <dgm:constrLst/>
+            <dgm:ruleLst/>
+          </dgm:layoutNode>
+        </dgm:if>
+        <dgm:else name="Name8"/>
+      </dgm:choose>
+      <dgm:layoutNode name="hierChild1">
+        <dgm:varLst>
+          <dgm:chPref val="1"/>
+          <dgm:animOne val="branch"/>
+          <dgm:animLvl val="lvl"/>
+        </dgm:varLst>
+        <dgm:choose name="Name9">
+          <dgm:if name="Name10" func="var" arg="dir" op="equ" val="norm">
+            <dgm:alg type="hierChild">
+              <dgm:param type="linDir" val="fromL"/>
+              <dgm:param type="vertAlign" val="t"/>
+            </dgm:alg>
+          </dgm:if>
+          <dgm:else name="Name11">
+            <dgm:alg type="hierChild">
+              <dgm:param type="linDir" val="fromR"/>
+              <dgm:param type="vertAlign" val="t"/>
+            </dgm:alg>
+          </dgm:else>
+        </dgm:choose>
+        <dgm:shape xmlns:r="http://schemas.openxmlformats.org/officeDocument/2006/relationships" r:blip="">
+          <dgm:adjLst/>
+        </dgm:shape>
+        <dgm:presOf/>
+        <dgm:constrLst>
+          <dgm:constr type="primFontSz" for="des" ptType="node" op="equ"/>
+        </dgm:constrLst>
+        <dgm:ruleLst/>
+        <dgm:forEach name="Name12" axis="ch" cnt="3">
+          <dgm:forEach name="Name13" axis="self" ptType="node">
+            <dgm:layoutNode name="Name14">
+              <dgm:alg type="hierRoot"/>
+              <dgm:shape xmlns:r="http://schemas.openxmlformats.org/officeDocument/2006/relationships" r:blip="">
+                <dgm:adjLst/>
+              </dgm:shape>
+              <dgm:presOf/>
+              <dgm:constrLst/>
+              <dgm:ruleLst/>
+              <dgm:layoutNode name="level1Shape" styleLbl="node0">
+                <dgm:varLst>
+                  <dgm:chPref val="3"/>
+                </dgm:varLst>
+                <dgm:alg type="tx"/>
+                <dgm:shape xmlns:r="http://schemas.openxmlformats.org/officeDocument/2006/relationships" type="roundRect" r:blip="">
+                  <dgm:adjLst>
+                    <dgm:adj idx="1" val="0.1"/>
+                  </dgm:adjLst>
+                </dgm:shape>
+                <dgm:presOf axis="self"/>
+                <dgm:constrLst>
+                  <dgm:constr type="primFontSz" val="65"/>
+                  <dgm:constr type="tMarg" refType="primFontSz" fact="0.3"/>
+                  <dgm:constr type="bMarg" refType="primFontSz" fact="0.3"/>
+                  <dgm:constr type="lMarg" refType="primFontSz" fact="0.3"/>
+                  <dgm:constr type="rMarg" refType="primFontSz" fact="0.3"/>
+                </dgm:constrLst>
+                <dgm:ruleLst>
+                  <dgm:rule type="primFontSz" val="5" fact="NaN" max="NaN"/>
+                </dgm:ruleLst>
+              </dgm:layoutNode>
+              <dgm:layoutNode name="hierChild2">
+                <dgm:choose name="Name15">
+                  <dgm:if name="Name16" func="var" arg="dir" op="equ" val="norm">
+                    <dgm:alg type="hierChild">
+                      <dgm:param type="linDir" val="fromL"/>
+                    </dgm:alg>
+                  </dgm:if>
+                  <dgm:else name="Name17">
+                    <dgm:alg type="hierChild">
+                      <dgm:param type="linDir" val="fromR"/>
+                    </dgm:alg>
+                  </dgm:else>
+                </dgm:choose>
+                <dgm:shape xmlns:r="http://schemas.openxmlformats.org/officeDocument/2006/relationships" r:blip="">
+                  <dgm:adjLst/>
+                </dgm:shape>
+                <dgm:presOf/>
+                <dgm:constrLst/>
+                <dgm:ruleLst/>
+                <dgm:forEach name="repeat" axis="ch">
+                  <dgm:forEach name="Name18" axis="self" ptType="parTrans" cnt="1">
+                    <dgm:layoutNode name="Name19">
+                      <dgm:alg type="conn">
+                        <dgm:param type="dim" val="1D"/>
+                        <dgm:param type="endSty" val="noArr"/>
+                        <dgm:param type="connRout" val="bend"/>
+                        <dgm:param type="begPts" val="bCtr"/>
+                        <dgm:param type="endPts" val="tCtr"/>
+                      </dgm:alg>
+                      <dgm:shape xmlns:r="http://schemas.openxmlformats.org/officeDocument/2006/relationships" type="conn" r:blip="">
+                        <dgm:adjLst/>
+                      </dgm:shape>
+                      <dgm:presOf axis="self"/>
+                      <dgm:constrLst>
+                        <dgm:constr type="w" val="1"/>
+                        <dgm:constr type="h" val="1"/>
+                        <dgm:constr type="begPad"/>
+                        <dgm:constr type="endPad"/>
+                      </dgm:constrLst>
+                      <dgm:ruleLst/>
+                    </dgm:layoutNode>
+                  </dgm:forEach>
+                  <dgm:forEach name="Name20" axis="self" ptType="node">
+                    <dgm:layoutNode name="Name21">
+                      <dgm:alg type="hierRoot"/>
+                      <dgm:shape xmlns:r="http://schemas.openxmlformats.org/officeDocument/2006/relationships" r:blip="">
+                        <dgm:adjLst/>
+                      </dgm:shape>
+                      <dgm:presOf/>
+                      <dgm:constrLst/>
+                      <dgm:ruleLst/>
+                      <dgm:layoutNode name="level2Shape">
+                        <dgm:alg type="tx"/>
+                        <dgm:shape xmlns:r="http://schemas.openxmlformats.org/officeDocument/2006/relationships" type="roundRect" r:blip="">
+                          <dgm:adjLst>
+                            <dgm:adj idx="1" val="0.1"/>
+                          </dgm:adjLst>
+                        </dgm:shape>
+                        <dgm:presOf axis="self"/>
+                        <dgm:constrLst>
+                          <dgm:constr type="primFontSz" val="65"/>
+                          <dgm:constr type="tMarg" refType="primFontSz" fact="0.3"/>
+                          <dgm:constr type="bMarg" refType="primFontSz" fact="0.3"/>
+                          <dgm:constr type="lMarg" refType="primFontSz" fact="0.3"/>
+                          <dgm:constr type="rMarg" refType="primFontSz" fact="0.3"/>
+                        </dgm:constrLst>
+                        <dgm:ruleLst>
+                          <dgm:rule type="primFontSz" val="5" fact="NaN" max="NaN"/>
+                        </dgm:ruleLst>
+                      </dgm:layoutNode>
+                      <dgm:layoutNode name="hierChild3">
+                        <dgm:choose name="Name22">
+                          <dgm:if name="Name23" func="var" arg="dir" op="equ" val="norm">
+                            <dgm:alg type="hierChild">
+                              <dgm:param type="linDir" val="fromL"/>
+                            </dgm:alg>
+                          </dgm:if>
+                          <dgm:else name="Name24">
+                            <dgm:alg type="hierChild">
+                              <dgm:param type="linDir" val="fromR"/>
+                            </dgm:alg>
+                          </dgm:else>
+                        </dgm:choose>
+                        <dgm:shape xmlns:r="http://schemas.openxmlformats.org/officeDocument/2006/relationships" r:blip="">
+                          <dgm:adjLst/>
+                        </dgm:shape>
+                        <dgm:presOf/>
+                        <dgm:constrLst/>
+                        <dgm:ruleLst/>
+                        <dgm:forEach name="Name25" ref="repeat"/>
+                      </dgm:layoutNode>
+                    </dgm:layoutNode>
+                  </dgm:forEach>
+                </dgm:forEach>
+              </dgm:layoutNode>
+            </dgm:layoutNode>
+          </dgm:forEach>
+        </dgm:forEach>
+      </dgm:layoutNode>
+    </dgm:layoutNode>
+    <dgm:layoutNode name="bgShapesFlow">
+      <dgm:alg type="lin">
+        <dgm:param type="linDir" val="fromT"/>
+        <dgm:param type="nodeVertAlign" val="t"/>
+        <dgm:param type="vertAlign" val="t"/>
+        <dgm:param type="nodeHorzAlign" val="ctr"/>
+      </dgm:alg>
+      <dgm:shape xmlns:r="http://schemas.openxmlformats.org/officeDocument/2006/relationships" r:blip="">
+        <dgm:adjLst/>
+      </dgm:shape>
+      <dgm:presOf/>
+      <dgm:constrLst>
+        <dgm:constr type="userB"/>
+        <dgm:constr type="w" for="ch" forName="rectComp" refType="w"/>
+        <dgm:constr type="h" for="ch" forName="rectComp" refType="h"/>
+        <dgm:constr type="w" for="des" forName="bgRect" refType="w"/>
+        <dgm:constr type="primFontSz" for="des" forName="bgRectTx" op="equ"/>
+      </dgm:constrLst>
+      <dgm:ruleLst/>
+      <dgm:forEach name="Name26" axis="ch" ptType="node" st="2">
+        <dgm:layoutNode name="rectComp">
+          <dgm:alg type="composite">
+            <dgm:param type="vertAlign" val="t"/>
+            <dgm:param type="horzAlign" val="ctr"/>
+          </dgm:alg>
+          <dgm:shape xmlns:r="http://schemas.openxmlformats.org/officeDocument/2006/relationships" r:blip="">
+            <dgm:adjLst/>
+          </dgm:shape>
+          <dgm:presOf/>
+          <dgm:choose name="Name27">
+            <dgm:if name="Name28" func="var" arg="dir" op="equ" val="norm">
+              <dgm:constrLst>
+                <dgm:constr type="userA"/>
+                <dgm:constr type="l" for="ch" forName="bgRect"/>
+                <dgm:constr type="t" for="ch" forName="bgRect"/>
+                <dgm:constr type="h" for="ch" forName="bgRect" refType="userA" fact="1.2"/>
+                <dgm:constr type="l" for="ch" forName="bgRectTx"/>
+                <dgm:constr type="t" for="ch" forName="bgRectTx"/>
+                <dgm:constr type="w" for="ch" forName="bgRectTx" refType="w" refFor="ch" refForName="bgRect" fact="0.3"/>
+                <dgm:constr type="h" for="ch" forName="bgRectTx" refType="h" refFor="ch" refForName="bgRect" op="equ"/>
+              </dgm:constrLst>
+            </dgm:if>
+            <dgm:else name="Name29">
+              <dgm:constrLst>
+                <dgm:constr type="userA"/>
+                <dgm:constr type="l" for="ch" forName="bgRect"/>
+                <dgm:constr type="t" for="ch" forName="bgRect"/>
+                <dgm:constr type="h" for="ch" forName="bgRect" refType="userA" fact="1.2"/>
+                <dgm:constr type="r" for="ch" forName="bgRectTx" refType="w"/>
+                <dgm:constr type="t" for="ch" forName="bgRectTx"/>
+                <dgm:constr type="w" for="ch" forName="bgRectTx" refType="w" refFor="ch" refForName="bgRect" fact="0.3"/>
+                <dgm:constr type="h" for="ch" forName="bgRectTx" refType="h" refFor="ch" refForName="bgRect" op="equ"/>
+              </dgm:constrLst>
+            </dgm:else>
+          </dgm:choose>
+          <dgm:ruleLst/>
+          <dgm:layoutNode name="bgRect" styleLbl="bgShp">
+            <dgm:alg type="sp"/>
+            <dgm:shape xmlns:r="http://schemas.openxmlformats.org/officeDocument/2006/relationships" type="roundRect" r:blip="" zOrderOff="-999">
+              <dgm:adjLst>
+                <dgm:adj idx="1" val="0.1"/>
+              </dgm:adjLst>
+            </dgm:shape>
+            <dgm:presOf axis="desOrSelf" ptType="node"/>
+            <dgm:constrLst/>
+            <dgm:ruleLst/>
+          </dgm:layoutNode>
+          <dgm:layoutNode name="bgRectTx" styleLbl="bgShp">
+            <dgm:varLst>
+              <dgm:bulletEnabled val="1"/>
+            </dgm:varLst>
+            <dgm:alg type="tx"/>
+            <dgm:presOf axis="desOrSelf" ptType="node"/>
+            <dgm:shape xmlns:r="http://schemas.openxmlformats.org/officeDocument/2006/relationships" type="rect" r:blip="" zOrderOff="-999" hideGeom="1">
+              <dgm:adjLst/>
+            </dgm:shape>
+            <dgm:constrLst>
+              <dgm:constr type="primFontSz" val="65"/>
+            </dgm:constrLst>
+            <dgm:ruleLst>
+              <dgm:rule type="primFontSz" val="5" fact="NaN" max="NaN"/>
+            </dgm:ruleLst>
+          </dgm:layoutNode>
+        </dgm:layoutNode>
+        <dgm:choose name="Name30">
+          <dgm:if name="Name31" axis="self" ptType="node" func="revPos" op="gte" val="2">
+            <dgm:layoutNode name="spComp">
+              <dgm:alg type="composite">
+                <dgm:param type="vertAlign" val="t"/>
+                <dgm:param type="horzAlign" val="ctr"/>
+              </dgm:alg>
+              <dgm:shape xmlns:r="http://schemas.openxmlformats.org/officeDocument/2006/relationships" r:blip="">
+                <dgm:adjLst/>
+              </dgm:shape>
+              <dgm:presOf/>
+              <dgm:constrLst>
+                <dgm:constr type="userA"/>
+                <dgm:constr type="userB"/>
+                <dgm:constr type="l" for="ch" forName="vSp"/>
+                <dgm:constr type="t" for="ch" forName="vSp"/>
+                <dgm:constr type="h" for="ch" forName="vSp" refType="userB"/>
+                <dgm:constr type="hOff" for="ch" forName="vSp" refType="userA" fact="-0.2"/>
+              </dgm:constrLst>
+              <dgm:ruleLst/>
+              <dgm:layoutNode name="vSp">
+                <dgm:alg type="sp"/>
+                <dgm:shape xmlns:r="http://schemas.openxmlformats.org/officeDocument/2006/relationships" r:blip="">
+                  <dgm:adjLst/>
+                </dgm:shape>
+                <dgm:presOf/>
+                <dgm:constrLst/>
+                <dgm:ruleLst/>
+              </dgm:layoutNode>
+            </dgm:layoutNode>
+          </dgm:if>
+          <dgm:else name="Name32"/>
+        </dgm:choose>
+      </dgm:forEach>
+    </dgm:layoutNode>
+  </dgm:layoutNode>
+</dgm:layoutDef>
+</file>
+
 <file path=ppt/diagrams/quickStyle1.xml><?xml version="1.0" encoding="utf-8"?>
 <dgm:styleDef xmlns:dgm="http://schemas.openxmlformats.org/drawingml/2006/diagram" xmlns:a="http://schemas.openxmlformats.org/drawingml/2006/main" uniqueId="urn:microsoft.com/office/officeart/2005/8/quickstyle/simple1">
   <dgm:title val=""/>
@@ -6121,6 +9535,1040 @@
 </file>
 
 <file path=ppt/diagrams/quickStyle3.xml><?xml version="1.0" encoding="utf-8"?>
+<dgm:styleDef xmlns:dgm="http://schemas.openxmlformats.org/drawingml/2006/diagram" xmlns:a="http://schemas.openxmlformats.org/drawingml/2006/main" uniqueId="urn:microsoft.com/office/officeart/2005/8/quickstyle/simple1">
+  <dgm:title val=""/>
+  <dgm:desc val=""/>
+  <dgm:catLst>
+    <dgm:cat type="simple" pri="10100"/>
+  </dgm:catLst>
+  <dgm:scene3d>
+    <a:camera prst="orthographicFront"/>
+    <a:lightRig rig="threePt" dir="t"/>
+  </dgm:scene3d>
+  <dgm:styleLbl name="node0">
+    <dgm:scene3d>
+      <a:camera prst="orthographicFront"/>
+      <a:lightRig rig="threePt" dir="t"/>
+    </dgm:scene3d>
+    <dgm:sp3d/>
+    <dgm:txPr/>
+    <dgm:style>
+      <a:lnRef idx="2">
+        <a:scrgbClr r="0" g="0" b="0"/>
+      </a:lnRef>
+      <a:fillRef idx="1">
+        <a:scrgbClr r="0" g="0" b="0"/>
+      </a:fillRef>
+      <a:effectRef idx="0">
+        <a:scrgbClr r="0" g="0" b="0"/>
+      </a:effectRef>
+      <a:fontRef idx="minor">
+        <a:schemeClr val="lt1"/>
+      </a:fontRef>
+    </dgm:style>
+  </dgm:styleLbl>
+  <dgm:styleLbl name="lnNode1">
+    <dgm:scene3d>
+      <a:camera prst="orthographicFront"/>
+      <a:lightRig rig="threePt" dir="t"/>
+    </dgm:scene3d>
+    <dgm:sp3d/>
+    <dgm:txPr/>
+    <dgm:style>
+      <a:lnRef idx="2">
+        <a:scrgbClr r="0" g="0" b="0"/>
+      </a:lnRef>
+      <a:fillRef idx="1">
+        <a:scrgbClr r="0" g="0" b="0"/>
+      </a:fillRef>
+      <a:effectRef idx="0">
+        <a:scrgbClr r="0" g="0" b="0"/>
+      </a:effectRef>
+      <a:fontRef idx="minor">
+        <a:schemeClr val="lt1"/>
+      </a:fontRef>
+    </dgm:style>
+  </dgm:styleLbl>
+  <dgm:styleLbl name="vennNode1">
+    <dgm:scene3d>
+      <a:camera prst="orthographicFront"/>
+      <a:lightRig rig="threePt" dir="t"/>
+    </dgm:scene3d>
+    <dgm:sp3d/>
+    <dgm:txPr/>
+    <dgm:style>
+      <a:lnRef idx="2">
+        <a:scrgbClr r="0" g="0" b="0"/>
+      </a:lnRef>
+      <a:fillRef idx="1">
+        <a:scrgbClr r="0" g="0" b="0"/>
+      </a:fillRef>
+      <a:effectRef idx="0">
+        <a:scrgbClr r="0" g="0" b="0"/>
+      </a:effectRef>
+      <a:fontRef idx="minor">
+        <a:schemeClr val="tx1"/>
+      </a:fontRef>
+    </dgm:style>
+  </dgm:styleLbl>
+  <dgm:styleLbl name="alignNode1">
+    <dgm:scene3d>
+      <a:camera prst="orthographicFront"/>
+      <a:lightRig rig="threePt" dir="t"/>
+    </dgm:scene3d>
+    <dgm:sp3d/>
+    <dgm:txPr/>
+    <dgm:style>
+      <a:lnRef idx="2">
+        <a:scrgbClr r="0" g="0" b="0"/>
+      </a:lnRef>
+      <a:fillRef idx="1">
+        <a:scrgbClr r="0" g="0" b="0"/>
+      </a:fillRef>
+      <a:effectRef idx="0">
+        <a:scrgbClr r="0" g="0" b="0"/>
+      </a:effectRef>
+      <a:fontRef idx="minor">
+        <a:schemeClr val="lt1"/>
+      </a:fontRef>
+    </dgm:style>
+  </dgm:styleLbl>
+  <dgm:styleLbl name="node1">
+    <dgm:scene3d>
+      <a:camera prst="orthographicFront"/>
+      <a:lightRig rig="threePt" dir="t"/>
+    </dgm:scene3d>
+    <dgm:sp3d/>
+    <dgm:txPr/>
+    <dgm:style>
+      <a:lnRef idx="2">
+        <a:scrgbClr r="0" g="0" b="0"/>
+      </a:lnRef>
+      <a:fillRef idx="1">
+        <a:scrgbClr r="0" g="0" b="0"/>
+      </a:fillRef>
+      <a:effectRef idx="0">
+        <a:scrgbClr r="0" g="0" b="0"/>
+      </a:effectRef>
+      <a:fontRef idx="minor">
+        <a:schemeClr val="lt1"/>
+      </a:fontRef>
+    </dgm:style>
+  </dgm:styleLbl>
+  <dgm:styleLbl name="node2">
+    <dgm:scene3d>
+      <a:camera prst="orthographicFront"/>
+      <a:lightRig rig="threePt" dir="t"/>
+    </dgm:scene3d>
+    <dgm:sp3d/>
+    <dgm:txPr/>
+    <dgm:style>
+      <a:lnRef idx="2">
+        <a:scrgbClr r="0" g="0" b="0"/>
+      </a:lnRef>
+      <a:fillRef idx="1">
+        <a:scrgbClr r="0" g="0" b="0"/>
+      </a:fillRef>
+      <a:effectRef idx="0">
+        <a:scrgbClr r="0" g="0" b="0"/>
+      </a:effectRef>
+      <a:fontRef idx="minor">
+        <a:schemeClr val="lt1"/>
+      </a:fontRef>
+    </dgm:style>
+  </dgm:styleLbl>
+  <dgm:styleLbl name="node3">
+    <dgm:scene3d>
+      <a:camera prst="orthographicFront"/>
+      <a:lightRig rig="threePt" dir="t"/>
+    </dgm:scene3d>
+    <dgm:sp3d/>
+    <dgm:txPr/>
+    <dgm:style>
+      <a:lnRef idx="2">
+        <a:scrgbClr r="0" g="0" b="0"/>
+      </a:lnRef>
+      <a:fillRef idx="1">
+        <a:scrgbClr r="0" g="0" b="0"/>
+      </a:fillRef>
+      <a:effectRef idx="0">
+        <a:scrgbClr r="0" g="0" b="0"/>
+      </a:effectRef>
+      <a:fontRef idx="minor">
+        <a:schemeClr val="lt1"/>
+      </a:fontRef>
+    </dgm:style>
+  </dgm:styleLbl>
+  <dgm:styleLbl name="node4">
+    <dgm:scene3d>
+      <a:camera prst="orthographicFront"/>
+      <a:lightRig rig="threePt" dir="t"/>
+    </dgm:scene3d>
+    <dgm:sp3d/>
+    <dgm:txPr/>
+    <dgm:style>
+      <a:lnRef idx="2">
+        <a:scrgbClr r="0" g="0" b="0"/>
+      </a:lnRef>
+      <a:fillRef idx="1">
+        <a:scrgbClr r="0" g="0" b="0"/>
+      </a:fillRef>
+      <a:effectRef idx="0">
+        <a:scrgbClr r="0" g="0" b="0"/>
+      </a:effectRef>
+      <a:fontRef idx="minor">
+        <a:schemeClr val="lt1"/>
+      </a:fontRef>
+    </dgm:style>
+  </dgm:styleLbl>
+  <dgm:styleLbl name="fgImgPlace1">
+    <dgm:scene3d>
+      <a:camera prst="orthographicFront"/>
+      <a:lightRig rig="threePt" dir="t"/>
+    </dgm:scene3d>
+    <dgm:sp3d/>
+    <dgm:txPr/>
+    <dgm:style>
+      <a:lnRef idx="2">
+        <a:scrgbClr r="0" g="0" b="0"/>
+      </a:lnRef>
+      <a:fillRef idx="1">
+        <a:scrgbClr r="0" g="0" b="0"/>
+      </a:fillRef>
+      <a:effectRef idx="0">
+        <a:scrgbClr r="0" g="0" b="0"/>
+      </a:effectRef>
+      <a:fontRef idx="minor"/>
+    </dgm:style>
+  </dgm:styleLbl>
+  <dgm:styleLbl name="alignImgPlace1">
+    <dgm:scene3d>
+      <a:camera prst="orthographicFront"/>
+      <a:lightRig rig="threePt" dir="t"/>
+    </dgm:scene3d>
+    <dgm:sp3d/>
+    <dgm:txPr/>
+    <dgm:style>
+      <a:lnRef idx="2">
+        <a:scrgbClr r="0" g="0" b="0"/>
+      </a:lnRef>
+      <a:fillRef idx="1">
+        <a:scrgbClr r="0" g="0" b="0"/>
+      </a:fillRef>
+      <a:effectRef idx="0">
+        <a:scrgbClr r="0" g="0" b="0"/>
+      </a:effectRef>
+      <a:fontRef idx="minor"/>
+    </dgm:style>
+  </dgm:styleLbl>
+  <dgm:styleLbl name="bgImgPlace1">
+    <dgm:scene3d>
+      <a:camera prst="orthographicFront"/>
+      <a:lightRig rig="threePt" dir="t"/>
+    </dgm:scene3d>
+    <dgm:sp3d/>
+    <dgm:txPr/>
+    <dgm:style>
+      <a:lnRef idx="2">
+        <a:scrgbClr r="0" g="0" b="0"/>
+      </a:lnRef>
+      <a:fillRef idx="1">
+        <a:scrgbClr r="0" g="0" b="0"/>
+      </a:fillRef>
+      <a:effectRef idx="0">
+        <a:scrgbClr r="0" g="0" b="0"/>
+      </a:effectRef>
+      <a:fontRef idx="minor"/>
+    </dgm:style>
+  </dgm:styleLbl>
+  <dgm:styleLbl name="sibTrans2D1">
+    <dgm:scene3d>
+      <a:camera prst="orthographicFront"/>
+      <a:lightRig rig="threePt" dir="t"/>
+    </dgm:scene3d>
+    <dgm:sp3d/>
+    <dgm:txPr/>
+    <dgm:style>
+      <a:lnRef idx="0">
+        <a:scrgbClr r="0" g="0" b="0"/>
+      </a:lnRef>
+      <a:fillRef idx="1">
+        <a:scrgbClr r="0" g="0" b="0"/>
+      </a:fillRef>
+      <a:effectRef idx="0">
+        <a:scrgbClr r="0" g="0" b="0"/>
+      </a:effectRef>
+      <a:fontRef idx="minor">
+        <a:schemeClr val="lt1"/>
+      </a:fontRef>
+    </dgm:style>
+  </dgm:styleLbl>
+  <dgm:styleLbl name="fgSibTrans2D1">
+    <dgm:scene3d>
+      <a:camera prst="orthographicFront"/>
+      <a:lightRig rig="threePt" dir="t"/>
+    </dgm:scene3d>
+    <dgm:sp3d/>
+    <dgm:txPr/>
+    <dgm:style>
+      <a:lnRef idx="0">
+        <a:scrgbClr r="0" g="0" b="0"/>
+      </a:lnRef>
+      <a:fillRef idx="1">
+        <a:scrgbClr r="0" g="0" b="0"/>
+      </a:fillRef>
+      <a:effectRef idx="0">
+        <a:scrgbClr r="0" g="0" b="0"/>
+      </a:effectRef>
+      <a:fontRef idx="minor">
+        <a:schemeClr val="lt1"/>
+      </a:fontRef>
+    </dgm:style>
+  </dgm:styleLbl>
+  <dgm:styleLbl name="bgSibTrans2D1">
+    <dgm:scene3d>
+      <a:camera prst="orthographicFront"/>
+      <a:lightRig rig="threePt" dir="t"/>
+    </dgm:scene3d>
+    <dgm:sp3d/>
+    <dgm:txPr/>
+    <dgm:style>
+      <a:lnRef idx="0">
+        <a:scrgbClr r="0" g="0" b="0"/>
+      </a:lnRef>
+      <a:fillRef idx="1">
+        <a:scrgbClr r="0" g="0" b="0"/>
+      </a:fillRef>
+      <a:effectRef idx="0">
+        <a:scrgbClr r="0" g="0" b="0"/>
+      </a:effectRef>
+      <a:fontRef idx="minor">
+        <a:schemeClr val="lt1"/>
+      </a:fontRef>
+    </dgm:style>
+  </dgm:styleLbl>
+  <dgm:styleLbl name="sibTrans1D1">
+    <dgm:scene3d>
+      <a:camera prst="orthographicFront"/>
+      <a:lightRig rig="threePt" dir="t"/>
+    </dgm:scene3d>
+    <dgm:sp3d/>
+    <dgm:txPr/>
+    <dgm:style>
+      <a:lnRef idx="1">
+        <a:scrgbClr r="0" g="0" b="0"/>
+      </a:lnRef>
+      <a:fillRef idx="0">
+        <a:scrgbClr r="0" g="0" b="0"/>
+      </a:fillRef>
+      <a:effectRef idx="0">
+        <a:scrgbClr r="0" g="0" b="0"/>
+      </a:effectRef>
+      <a:fontRef idx="minor"/>
+    </dgm:style>
+  </dgm:styleLbl>
+  <dgm:styleLbl name="callout">
+    <dgm:scene3d>
+      <a:camera prst="orthographicFront"/>
+      <a:lightRig rig="threePt" dir="t"/>
+    </dgm:scene3d>
+    <dgm:sp3d/>
+    <dgm:txPr/>
+    <dgm:style>
+      <a:lnRef idx="2">
+        <a:scrgbClr r="0" g="0" b="0"/>
+      </a:lnRef>
+      <a:fillRef idx="1">
+        <a:scrgbClr r="0" g="0" b="0"/>
+      </a:fillRef>
+      <a:effectRef idx="0">
+        <a:scrgbClr r="0" g="0" b="0"/>
+      </a:effectRef>
+      <a:fontRef idx="minor"/>
+    </dgm:style>
+  </dgm:styleLbl>
+  <dgm:styleLbl name="asst0">
+    <dgm:scene3d>
+      <a:camera prst="orthographicFront"/>
+      <a:lightRig rig="threePt" dir="t"/>
+    </dgm:scene3d>
+    <dgm:sp3d/>
+    <dgm:txPr/>
+    <dgm:style>
+      <a:lnRef idx="2">
+        <a:scrgbClr r="0" g="0" b="0"/>
+      </a:lnRef>
+      <a:fillRef idx="1">
+        <a:scrgbClr r="0" g="0" b="0"/>
+      </a:fillRef>
+      <a:effectRef idx="0">
+        <a:scrgbClr r="0" g="0" b="0"/>
+      </a:effectRef>
+      <a:fontRef idx="minor">
+        <a:schemeClr val="lt1"/>
+      </a:fontRef>
+    </dgm:style>
+  </dgm:styleLbl>
+  <dgm:styleLbl name="asst1">
+    <dgm:scene3d>
+      <a:camera prst="orthographicFront"/>
+      <a:lightRig rig="threePt" dir="t"/>
+    </dgm:scene3d>
+    <dgm:sp3d/>
+    <dgm:txPr/>
+    <dgm:style>
+      <a:lnRef idx="2">
+        <a:scrgbClr r="0" g="0" b="0"/>
+      </a:lnRef>
+      <a:fillRef idx="1">
+        <a:scrgbClr r="0" g="0" b="0"/>
+      </a:fillRef>
+      <a:effectRef idx="0">
+        <a:scrgbClr r="0" g="0" b="0"/>
+      </a:effectRef>
+      <a:fontRef idx="minor">
+        <a:schemeClr val="lt1"/>
+      </a:fontRef>
+    </dgm:style>
+  </dgm:styleLbl>
+  <dgm:styleLbl name="asst2">
+    <dgm:scene3d>
+      <a:camera prst="orthographicFront"/>
+      <a:lightRig rig="threePt" dir="t"/>
+    </dgm:scene3d>
+    <dgm:sp3d/>
+    <dgm:txPr/>
+    <dgm:style>
+      <a:lnRef idx="2">
+        <a:scrgbClr r="0" g="0" b="0"/>
+      </a:lnRef>
+      <a:fillRef idx="1">
+        <a:scrgbClr r="0" g="0" b="0"/>
+      </a:fillRef>
+      <a:effectRef idx="0">
+        <a:scrgbClr r="0" g="0" b="0"/>
+      </a:effectRef>
+      <a:fontRef idx="minor">
+        <a:schemeClr val="lt1"/>
+      </a:fontRef>
+    </dgm:style>
+  </dgm:styleLbl>
+  <dgm:styleLbl name="asst3">
+    <dgm:scene3d>
+      <a:camera prst="orthographicFront"/>
+      <a:lightRig rig="threePt" dir="t"/>
+    </dgm:scene3d>
+    <dgm:sp3d/>
+    <dgm:txPr/>
+    <dgm:style>
+      <a:lnRef idx="2">
+        <a:scrgbClr r="0" g="0" b="0"/>
+      </a:lnRef>
+      <a:fillRef idx="1">
+        <a:scrgbClr r="0" g="0" b="0"/>
+      </a:fillRef>
+      <a:effectRef idx="0">
+        <a:scrgbClr r="0" g="0" b="0"/>
+      </a:effectRef>
+      <a:fontRef idx="minor">
+        <a:schemeClr val="lt1"/>
+      </a:fontRef>
+    </dgm:style>
+  </dgm:styleLbl>
+  <dgm:styleLbl name="asst4">
+    <dgm:scene3d>
+      <a:camera prst="orthographicFront"/>
+      <a:lightRig rig="threePt" dir="t"/>
+    </dgm:scene3d>
+    <dgm:sp3d/>
+    <dgm:txPr/>
+    <dgm:style>
+      <a:lnRef idx="2">
+        <a:scrgbClr r="0" g="0" b="0"/>
+      </a:lnRef>
+      <a:fillRef idx="1">
+        <a:scrgbClr r="0" g="0" b="0"/>
+      </a:fillRef>
+      <a:effectRef idx="0">
+        <a:scrgbClr r="0" g="0" b="0"/>
+      </a:effectRef>
+      <a:fontRef idx="minor">
+        <a:schemeClr val="lt1"/>
+      </a:fontRef>
+    </dgm:style>
+  </dgm:styleLbl>
+  <dgm:styleLbl name="parChTrans2D1">
+    <dgm:scene3d>
+      <a:camera prst="orthographicFront"/>
+      <a:lightRig rig="threePt" dir="t"/>
+    </dgm:scene3d>
+    <dgm:sp3d/>
+    <dgm:txPr/>
+    <dgm:style>
+      <a:lnRef idx="2">
+        <a:scrgbClr r="0" g="0" b="0"/>
+      </a:lnRef>
+      <a:fillRef idx="1">
+        <a:scrgbClr r="0" g="0" b="0"/>
+      </a:fillRef>
+      <a:effectRef idx="0">
+        <a:scrgbClr r="0" g="0" b="0"/>
+      </a:effectRef>
+      <a:fontRef idx="minor">
+        <a:schemeClr val="lt1"/>
+      </a:fontRef>
+    </dgm:style>
+  </dgm:styleLbl>
+  <dgm:styleLbl name="parChTrans2D2">
+    <dgm:scene3d>
+      <a:camera prst="orthographicFront"/>
+      <a:lightRig rig="threePt" dir="t"/>
+    </dgm:scene3d>
+    <dgm:sp3d/>
+    <dgm:txPr/>
+    <dgm:style>
+      <a:lnRef idx="2">
+        <a:scrgbClr r="0" g="0" b="0"/>
+      </a:lnRef>
+      <a:fillRef idx="1">
+        <a:scrgbClr r="0" g="0" b="0"/>
+      </a:fillRef>
+      <a:effectRef idx="0">
+        <a:scrgbClr r="0" g="0" b="0"/>
+      </a:effectRef>
+      <a:fontRef idx="minor">
+        <a:schemeClr val="lt1"/>
+      </a:fontRef>
+    </dgm:style>
+  </dgm:styleLbl>
+  <dgm:styleLbl name="parChTrans2D3">
+    <dgm:scene3d>
+      <a:camera prst="orthographicFront"/>
+      <a:lightRig rig="threePt" dir="t"/>
+    </dgm:scene3d>
+    <dgm:sp3d/>
+    <dgm:txPr/>
+    <dgm:style>
+      <a:lnRef idx="2">
+        <a:scrgbClr r="0" g="0" b="0"/>
+      </a:lnRef>
+      <a:fillRef idx="1">
+        <a:scrgbClr r="0" g="0" b="0"/>
+      </a:fillRef>
+      <a:effectRef idx="0">
+        <a:scrgbClr r="0" g="0" b="0"/>
+      </a:effectRef>
+      <a:fontRef idx="minor">
+        <a:schemeClr val="lt1"/>
+      </a:fontRef>
+    </dgm:style>
+  </dgm:styleLbl>
+  <dgm:styleLbl name="parChTrans2D4">
+    <dgm:scene3d>
+      <a:camera prst="orthographicFront"/>
+      <a:lightRig rig="threePt" dir="t"/>
+    </dgm:scene3d>
+    <dgm:sp3d/>
+    <dgm:txPr/>
+    <dgm:style>
+      <a:lnRef idx="2">
+        <a:scrgbClr r="0" g="0" b="0"/>
+      </a:lnRef>
+      <a:fillRef idx="1">
+        <a:scrgbClr r="0" g="0" b="0"/>
+      </a:fillRef>
+      <a:effectRef idx="0">
+        <a:scrgbClr r="0" g="0" b="0"/>
+      </a:effectRef>
+      <a:fontRef idx="minor">
+        <a:schemeClr val="lt1"/>
+      </a:fontRef>
+    </dgm:style>
+  </dgm:styleLbl>
+  <dgm:styleLbl name="parChTrans1D1">
+    <dgm:scene3d>
+      <a:camera prst="orthographicFront"/>
+      <a:lightRig rig="threePt" dir="t"/>
+    </dgm:scene3d>
+    <dgm:sp3d/>
+    <dgm:txPr/>
+    <dgm:style>
+      <a:lnRef idx="2">
+        <a:scrgbClr r="0" g="0" b="0"/>
+      </a:lnRef>
+      <a:fillRef idx="0">
+        <a:scrgbClr r="0" g="0" b="0"/>
+      </a:fillRef>
+      <a:effectRef idx="0">
+        <a:scrgbClr r="0" g="0" b="0"/>
+      </a:effectRef>
+      <a:fontRef idx="minor"/>
+    </dgm:style>
+  </dgm:styleLbl>
+  <dgm:styleLbl name="parChTrans1D2">
+    <dgm:scene3d>
+      <a:camera prst="orthographicFront"/>
+      <a:lightRig rig="threePt" dir="t"/>
+    </dgm:scene3d>
+    <dgm:sp3d/>
+    <dgm:txPr/>
+    <dgm:style>
+      <a:lnRef idx="2">
+        <a:scrgbClr r="0" g="0" b="0"/>
+      </a:lnRef>
+      <a:fillRef idx="0">
+        <a:scrgbClr r="0" g="0" b="0"/>
+      </a:fillRef>
+      <a:effectRef idx="0">
+        <a:scrgbClr r="0" g="0" b="0"/>
+      </a:effectRef>
+      <a:fontRef idx="minor"/>
+    </dgm:style>
+  </dgm:styleLbl>
+  <dgm:styleLbl name="parChTrans1D3">
+    <dgm:scene3d>
+      <a:camera prst="orthographicFront"/>
+      <a:lightRig rig="threePt" dir="t"/>
+    </dgm:scene3d>
+    <dgm:sp3d/>
+    <dgm:txPr/>
+    <dgm:style>
+      <a:lnRef idx="2">
+        <a:scrgbClr r="0" g="0" b="0"/>
+      </a:lnRef>
+      <a:fillRef idx="0">
+        <a:scrgbClr r="0" g="0" b="0"/>
+      </a:fillRef>
+      <a:effectRef idx="0">
+        <a:scrgbClr r="0" g="0" b="0"/>
+      </a:effectRef>
+      <a:fontRef idx="minor"/>
+    </dgm:style>
+  </dgm:styleLbl>
+  <dgm:styleLbl name="parChTrans1D4">
+    <dgm:scene3d>
+      <a:camera prst="orthographicFront"/>
+      <a:lightRig rig="threePt" dir="t"/>
+    </dgm:scene3d>
+    <dgm:sp3d/>
+    <dgm:txPr/>
+    <dgm:style>
+      <a:lnRef idx="2">
+        <a:scrgbClr r="0" g="0" b="0"/>
+      </a:lnRef>
+      <a:fillRef idx="0">
+        <a:scrgbClr r="0" g="0" b="0"/>
+      </a:fillRef>
+      <a:effectRef idx="0">
+        <a:scrgbClr r="0" g="0" b="0"/>
+      </a:effectRef>
+      <a:fontRef idx="minor"/>
+    </dgm:style>
+  </dgm:styleLbl>
+  <dgm:styleLbl name="fgAcc1">
+    <dgm:scene3d>
+      <a:camera prst="orthographicFront"/>
+      <a:lightRig rig="threePt" dir="t"/>
+    </dgm:scene3d>
+    <dgm:sp3d/>
+    <dgm:txPr/>
+    <dgm:style>
+      <a:lnRef idx="2">
+        <a:scrgbClr r="0" g="0" b="0"/>
+      </a:lnRef>
+      <a:fillRef idx="1">
+        <a:scrgbClr r="0" g="0" b="0"/>
+      </a:fillRef>
+      <a:effectRef idx="0">
+        <a:scrgbClr r="0" g="0" b="0"/>
+      </a:effectRef>
+      <a:fontRef idx="minor"/>
+    </dgm:style>
+  </dgm:styleLbl>
+  <dgm:styleLbl name="conFgAcc1">
+    <dgm:scene3d>
+      <a:camera prst="orthographicFront"/>
+      <a:lightRig rig="threePt" dir="t"/>
+    </dgm:scene3d>
+    <dgm:sp3d/>
+    <dgm:txPr/>
+    <dgm:style>
+      <a:lnRef idx="2">
+        <a:scrgbClr r="0" g="0" b="0"/>
+      </a:lnRef>
+      <a:fillRef idx="1">
+        <a:scrgbClr r="0" g="0" b="0"/>
+      </a:fillRef>
+      <a:effectRef idx="0">
+        <a:scrgbClr r="0" g="0" b="0"/>
+      </a:effectRef>
+      <a:fontRef idx="minor"/>
+    </dgm:style>
+  </dgm:styleLbl>
+  <dgm:styleLbl name="alignAcc1">
+    <dgm:scene3d>
+      <a:camera prst="orthographicFront"/>
+      <a:lightRig rig="threePt" dir="t"/>
+    </dgm:scene3d>
+    <dgm:sp3d/>
+    <dgm:txPr/>
+    <dgm:style>
+      <a:lnRef idx="2">
+        <a:scrgbClr r="0" g="0" b="0"/>
+      </a:lnRef>
+      <a:fillRef idx="1">
+        <a:scrgbClr r="0" g="0" b="0"/>
+      </a:fillRef>
+      <a:effectRef idx="0">
+        <a:scrgbClr r="0" g="0" b="0"/>
+      </a:effectRef>
+      <a:fontRef idx="minor"/>
+    </dgm:style>
+  </dgm:styleLbl>
+  <dgm:styleLbl name="trAlignAcc1">
+    <dgm:scene3d>
+      <a:camera prst="orthographicFront"/>
+      <a:lightRig rig="threePt" dir="t"/>
+    </dgm:scene3d>
+    <dgm:sp3d/>
+    <dgm:txPr/>
+    <dgm:style>
+      <a:lnRef idx="1">
+        <a:scrgbClr r="0" g="0" b="0"/>
+      </a:lnRef>
+      <a:fillRef idx="1">
+        <a:scrgbClr r="0" g="0" b="0"/>
+      </a:fillRef>
+      <a:effectRef idx="0">
+        <a:scrgbClr r="0" g="0" b="0"/>
+      </a:effectRef>
+      <a:fontRef idx="minor"/>
+    </dgm:style>
+  </dgm:styleLbl>
+  <dgm:styleLbl name="bgAcc1">
+    <dgm:scene3d>
+      <a:camera prst="orthographicFront"/>
+      <a:lightRig rig="threePt" dir="t"/>
+    </dgm:scene3d>
+    <dgm:sp3d/>
+    <dgm:txPr/>
+    <dgm:style>
+      <a:lnRef idx="2">
+        <a:scrgbClr r="0" g="0" b="0"/>
+      </a:lnRef>
+      <a:fillRef idx="1">
+        <a:scrgbClr r="0" g="0" b="0"/>
+      </a:fillRef>
+      <a:effectRef idx="0">
+        <a:scrgbClr r="0" g="0" b="0"/>
+      </a:effectRef>
+      <a:fontRef idx="minor"/>
+    </dgm:style>
+  </dgm:styleLbl>
+  <dgm:styleLbl name="solidFgAcc1">
+    <dgm:scene3d>
+      <a:camera prst="orthographicFront"/>
+      <a:lightRig rig="threePt" dir="t"/>
+    </dgm:scene3d>
+    <dgm:sp3d/>
+    <dgm:txPr/>
+    <dgm:style>
+      <a:lnRef idx="2">
+        <a:scrgbClr r="0" g="0" b="0"/>
+      </a:lnRef>
+      <a:fillRef idx="1">
+        <a:scrgbClr r="0" g="0" b="0"/>
+      </a:fillRef>
+      <a:effectRef idx="0">
+        <a:scrgbClr r="0" g="0" b="0"/>
+      </a:effectRef>
+      <a:fontRef idx="minor"/>
+    </dgm:style>
+  </dgm:styleLbl>
+  <dgm:styleLbl name="solidAlignAcc1">
+    <dgm:scene3d>
+      <a:camera prst="orthographicFront"/>
+      <a:lightRig rig="threePt" dir="t"/>
+    </dgm:scene3d>
+    <dgm:sp3d/>
+    <dgm:txPr/>
+    <dgm:style>
+      <a:lnRef idx="2">
+        <a:scrgbClr r="0" g="0" b="0"/>
+      </a:lnRef>
+      <a:fillRef idx="1">
+        <a:scrgbClr r="0" g="0" b="0"/>
+      </a:fillRef>
+      <a:effectRef idx="0">
+        <a:scrgbClr r="0" g="0" b="0"/>
+      </a:effectRef>
+      <a:fontRef idx="minor"/>
+    </dgm:style>
+  </dgm:styleLbl>
+  <dgm:styleLbl name="solidBgAcc1">
+    <dgm:scene3d>
+      <a:camera prst="orthographicFront"/>
+      <a:lightRig rig="threePt" dir="t"/>
+    </dgm:scene3d>
+    <dgm:sp3d/>
+    <dgm:txPr/>
+    <dgm:style>
+      <a:lnRef idx="2">
+        <a:scrgbClr r="0" g="0" b="0"/>
+      </a:lnRef>
+      <a:fillRef idx="1">
+        <a:scrgbClr r="0" g="0" b="0"/>
+      </a:fillRef>
+      <a:effectRef idx="0">
+        <a:scrgbClr r="0" g="0" b="0"/>
+      </a:effectRef>
+      <a:fontRef idx="minor"/>
+    </dgm:style>
+  </dgm:styleLbl>
+  <dgm:styleLbl name="fgAccFollowNode1">
+    <dgm:scene3d>
+      <a:camera prst="orthographicFront"/>
+      <a:lightRig rig="threePt" dir="t"/>
+    </dgm:scene3d>
+    <dgm:sp3d/>
+    <dgm:txPr/>
+    <dgm:style>
+      <a:lnRef idx="2">
+        <a:scrgbClr r="0" g="0" b="0"/>
+      </a:lnRef>
+      <a:fillRef idx="1">
+        <a:scrgbClr r="0" g="0" b="0"/>
+      </a:fillRef>
+      <a:effectRef idx="0">
+        <a:scrgbClr r="0" g="0" b="0"/>
+      </a:effectRef>
+      <a:fontRef idx="minor"/>
+    </dgm:style>
+  </dgm:styleLbl>
+  <dgm:styleLbl name="alignAccFollowNode1">
+    <dgm:scene3d>
+      <a:camera prst="orthographicFront"/>
+      <a:lightRig rig="threePt" dir="t"/>
+    </dgm:scene3d>
+    <dgm:sp3d/>
+    <dgm:txPr/>
+    <dgm:style>
+      <a:lnRef idx="2">
+        <a:scrgbClr r="0" g="0" b="0"/>
+      </a:lnRef>
+      <a:fillRef idx="1">
+        <a:scrgbClr r="0" g="0" b="0"/>
+      </a:fillRef>
+      <a:effectRef idx="0">
+        <a:scrgbClr r="0" g="0" b="0"/>
+      </a:effectRef>
+      <a:fontRef idx="minor"/>
+    </dgm:style>
+  </dgm:styleLbl>
+  <dgm:styleLbl name="bgAccFollowNode1">
+    <dgm:scene3d>
+      <a:camera prst="orthographicFront"/>
+      <a:lightRig rig="threePt" dir="t"/>
+    </dgm:scene3d>
+    <dgm:sp3d/>
+    <dgm:txPr/>
+    <dgm:style>
+      <a:lnRef idx="2">
+        <a:scrgbClr r="0" g="0" b="0"/>
+      </a:lnRef>
+      <a:fillRef idx="1">
+        <a:scrgbClr r="0" g="0" b="0"/>
+      </a:fillRef>
+      <a:effectRef idx="0">
+        <a:scrgbClr r="0" g="0" b="0"/>
+      </a:effectRef>
+      <a:fontRef idx="minor"/>
+    </dgm:style>
+  </dgm:styleLbl>
+  <dgm:styleLbl name="fgAcc0">
+    <dgm:scene3d>
+      <a:camera prst="orthographicFront"/>
+      <a:lightRig rig="threePt" dir="t"/>
+    </dgm:scene3d>
+    <dgm:sp3d/>
+    <dgm:txPr/>
+    <dgm:style>
+      <a:lnRef idx="2">
+        <a:scrgbClr r="0" g="0" b="0"/>
+      </a:lnRef>
+      <a:fillRef idx="1">
+        <a:scrgbClr r="0" g="0" b="0"/>
+      </a:fillRef>
+      <a:effectRef idx="0">
+        <a:scrgbClr r="0" g="0" b="0"/>
+      </a:effectRef>
+      <a:fontRef idx="minor"/>
+    </dgm:style>
+  </dgm:styleLbl>
+  <dgm:styleLbl name="fgAcc2">
+    <dgm:scene3d>
+      <a:camera prst="orthographicFront"/>
+      <a:lightRig rig="threePt" dir="t"/>
+    </dgm:scene3d>
+    <dgm:sp3d/>
+    <dgm:txPr/>
+    <dgm:style>
+      <a:lnRef idx="2">
+        <a:scrgbClr r="0" g="0" b="0"/>
+      </a:lnRef>
+      <a:fillRef idx="1">
+        <a:scrgbClr r="0" g="0" b="0"/>
+      </a:fillRef>
+      <a:effectRef idx="0">
+        <a:scrgbClr r="0" g="0" b="0"/>
+      </a:effectRef>
+      <a:fontRef idx="minor"/>
+    </dgm:style>
+  </dgm:styleLbl>
+  <dgm:styleLbl name="fgAcc3">
+    <dgm:scene3d>
+      <a:camera prst="orthographicFront"/>
+      <a:lightRig rig="threePt" dir="t"/>
+    </dgm:scene3d>
+    <dgm:sp3d/>
+    <dgm:txPr/>
+    <dgm:style>
+      <a:lnRef idx="2">
+        <a:scrgbClr r="0" g="0" b="0"/>
+      </a:lnRef>
+      <a:fillRef idx="1">
+        <a:scrgbClr r="0" g="0" b="0"/>
+      </a:fillRef>
+      <a:effectRef idx="0">
+        <a:scrgbClr r="0" g="0" b="0"/>
+      </a:effectRef>
+      <a:fontRef idx="minor"/>
+    </dgm:style>
+  </dgm:styleLbl>
+  <dgm:styleLbl name="fgAcc4">
+    <dgm:scene3d>
+      <a:camera prst="orthographicFront"/>
+      <a:lightRig rig="threePt" dir="t"/>
+    </dgm:scene3d>
+    <dgm:sp3d/>
+    <dgm:txPr/>
+    <dgm:style>
+      <a:lnRef idx="2">
+        <a:scrgbClr r="0" g="0" b="0"/>
+      </a:lnRef>
+      <a:fillRef idx="1">
+        <a:scrgbClr r="0" g="0" b="0"/>
+      </a:fillRef>
+      <a:effectRef idx="0">
+        <a:scrgbClr r="0" g="0" b="0"/>
+      </a:effectRef>
+      <a:fontRef idx="minor"/>
+    </dgm:style>
+  </dgm:styleLbl>
+  <dgm:styleLbl name="bgShp">
+    <dgm:scene3d>
+      <a:camera prst="orthographicFront"/>
+      <a:lightRig rig="threePt" dir="t"/>
+    </dgm:scene3d>
+    <dgm:sp3d/>
+    <dgm:txPr/>
+    <dgm:style>
+      <a:lnRef idx="0">
+        <a:scrgbClr r="0" g="0" b="0"/>
+      </a:lnRef>
+      <a:fillRef idx="1">
+        <a:scrgbClr r="0" g="0" b="0"/>
+      </a:fillRef>
+      <a:effectRef idx="0">
+        <a:scrgbClr r="0" g="0" b="0"/>
+      </a:effectRef>
+      <a:fontRef idx="minor"/>
+    </dgm:style>
+  </dgm:styleLbl>
+  <dgm:styleLbl name="dkBgShp">
+    <dgm:scene3d>
+      <a:camera prst="orthographicFront"/>
+      <a:lightRig rig="threePt" dir="t"/>
+    </dgm:scene3d>
+    <dgm:sp3d/>
+    <dgm:txPr/>
+    <dgm:style>
+      <a:lnRef idx="0">
+        <a:scrgbClr r="0" g="0" b="0"/>
+      </a:lnRef>
+      <a:fillRef idx="1">
+        <a:scrgbClr r="0" g="0" b="0"/>
+      </a:fillRef>
+      <a:effectRef idx="0">
+        <a:scrgbClr r="0" g="0" b="0"/>
+      </a:effectRef>
+      <a:fontRef idx="minor"/>
+    </dgm:style>
+  </dgm:styleLbl>
+  <dgm:styleLbl name="trBgShp">
+    <dgm:scene3d>
+      <a:camera prst="orthographicFront"/>
+      <a:lightRig rig="threePt" dir="t"/>
+    </dgm:scene3d>
+    <dgm:sp3d/>
+    <dgm:txPr/>
+    <dgm:style>
+      <a:lnRef idx="0">
+        <a:scrgbClr r="0" g="0" b="0"/>
+      </a:lnRef>
+      <a:fillRef idx="1">
+        <a:scrgbClr r="0" g="0" b="0"/>
+      </a:fillRef>
+      <a:effectRef idx="0">
+        <a:scrgbClr r="0" g="0" b="0"/>
+      </a:effectRef>
+      <a:fontRef idx="minor"/>
+    </dgm:style>
+  </dgm:styleLbl>
+  <dgm:styleLbl name="fgShp">
+    <dgm:scene3d>
+      <a:camera prst="orthographicFront"/>
+      <a:lightRig rig="threePt" dir="t"/>
+    </dgm:scene3d>
+    <dgm:sp3d/>
+    <dgm:txPr/>
+    <dgm:style>
+      <a:lnRef idx="2">
+        <a:scrgbClr r="0" g="0" b="0"/>
+      </a:lnRef>
+      <a:fillRef idx="1">
+        <a:scrgbClr r="0" g="0" b="0"/>
+      </a:fillRef>
+      <a:effectRef idx="0">
+        <a:scrgbClr r="0" g="0" b="0"/>
+      </a:effectRef>
+      <a:fontRef idx="minor"/>
+    </dgm:style>
+  </dgm:styleLbl>
+  <dgm:styleLbl name="revTx">
+    <dgm:scene3d>
+      <a:camera prst="orthographicFront"/>
+      <a:lightRig rig="threePt" dir="t"/>
+    </dgm:scene3d>
+    <dgm:sp3d/>
+    <dgm:txPr/>
+    <dgm:style>
+      <a:lnRef idx="0">
+        <a:scrgbClr r="0" g="0" b="0"/>
+      </a:lnRef>
+      <a:fillRef idx="0">
+        <a:scrgbClr r="0" g="0" b="0"/>
+      </a:fillRef>
+      <a:effectRef idx="0">
+        <a:scrgbClr r="0" g="0" b="0"/>
+      </a:effectRef>
+      <a:fontRef idx="minor"/>
+    </dgm:style>
+  </dgm:styleLbl>
+</dgm:styleDef>
+</file>
+
+<file path=ppt/diagrams/quickStyle4.xml><?xml version="1.0" encoding="utf-8"?>
 <dgm:styleDef xmlns:dgm="http://schemas.openxmlformats.org/drawingml/2006/diagram" xmlns:a="http://schemas.openxmlformats.org/drawingml/2006/main" uniqueId="urn:microsoft.com/office/officeart/2005/8/quickstyle/simple1">
   <dgm:title val=""/>
   <dgm:desc val=""/>
@@ -7237,7 +11685,7 @@
             <a:fld id="{6F64CFDD-B40B-4247-9307-EA47CA882A58}" type="datetimeFigureOut">
               <a:rPr lang="en-US" smtClean="0"/>
               <a:pPr/>
-              <a:t>19-Jun-14</a:t>
+              <a:t>20-Jun-14</a:t>
             </a:fld>
             <a:endParaRPr lang="en-US"/>
           </a:p>
@@ -15825,7 +20273,12 @@
             <p:ph type="title"/>
           </p:nvPr>
         </p:nvSpPr>
-        <p:spPr/>
+        <p:spPr>
+          <a:xfrm>
+            <a:off x="457200" y="304800"/>
+            <a:ext cx="8229600" cy="1143000"/>
+          </a:xfrm>
+        </p:spPr>
         <p:txBody>
           <a:bodyPr/>
           <a:lstStyle/>
@@ -20750,6 +25203,849 @@
 </p:sld>
 </file>
 
+<file path=ppt/slides/slide41.xml><?xml version="1.0" encoding="utf-8"?>
+<p:sld xmlns:a="http://schemas.openxmlformats.org/drawingml/2006/main" xmlns:r="http://schemas.openxmlformats.org/officeDocument/2006/relationships" xmlns:p="http://schemas.openxmlformats.org/presentationml/2006/main">
+  <p:cSld>
+    <p:spTree>
+      <p:nvGrpSpPr>
+        <p:cNvPr id="1" name=""/>
+        <p:cNvGrpSpPr/>
+        <p:nvPr/>
+      </p:nvGrpSpPr>
+      <p:grpSpPr>
+        <a:xfrm>
+          <a:off x="0" y="0"/>
+          <a:ext cx="0" cy="0"/>
+          <a:chOff x="0" y="0"/>
+          <a:chExt cx="0" cy="0"/>
+        </a:xfrm>
+      </p:grpSpPr>
+      <p:sp>
+        <p:nvSpPr>
+          <p:cNvPr id="2" name="Title 1"/>
+          <p:cNvSpPr>
+            <a:spLocks noGrp="1"/>
+          </p:cNvSpPr>
+          <p:nvPr>
+            <p:ph type="ctrTitle"/>
+          </p:nvPr>
+        </p:nvSpPr>
+        <p:spPr/>
+        <p:txBody>
+          <a:bodyPr/>
+          <a:lstStyle/>
+          <a:p>
+            <a:r>
+              <a:rPr lang="en-US" dirty="0" smtClean="0"/>
+              <a:t>Proposed Changes</a:t>
+            </a:r>
+            <a:endParaRPr lang="en-US" dirty="0"/>
+          </a:p>
+        </p:txBody>
+      </p:sp>
+      <p:sp>
+        <p:nvSpPr>
+          <p:cNvPr id="3" name="Subtitle 2"/>
+          <p:cNvSpPr>
+            <a:spLocks noGrp="1"/>
+          </p:cNvSpPr>
+          <p:nvPr>
+            <p:ph type="subTitle" idx="1"/>
+          </p:nvPr>
+        </p:nvSpPr>
+        <p:spPr/>
+        <p:txBody>
+          <a:bodyPr/>
+          <a:lstStyle/>
+          <a:p>
+            <a:endParaRPr lang="en-US"/>
+          </a:p>
+        </p:txBody>
+      </p:sp>
+    </p:spTree>
+  </p:cSld>
+  <p:clrMapOvr>
+    <a:masterClrMapping/>
+  </p:clrMapOvr>
+</p:sld>
+</file>
+
+<file path=ppt/slides/slide42.xml><?xml version="1.0" encoding="utf-8"?>
+<p:sld xmlns:a="http://schemas.openxmlformats.org/drawingml/2006/main" xmlns:r="http://schemas.openxmlformats.org/officeDocument/2006/relationships" xmlns:p="http://schemas.openxmlformats.org/presentationml/2006/main">
+  <p:cSld>
+    <p:spTree>
+      <p:nvGrpSpPr>
+        <p:cNvPr id="1" name=""/>
+        <p:cNvGrpSpPr/>
+        <p:nvPr/>
+      </p:nvGrpSpPr>
+      <p:grpSpPr>
+        <a:xfrm>
+          <a:off x="0" y="0"/>
+          <a:ext cx="0" cy="0"/>
+          <a:chOff x="0" y="0"/>
+          <a:chExt cx="0" cy="0"/>
+        </a:xfrm>
+      </p:grpSpPr>
+      <p:sp>
+        <p:nvSpPr>
+          <p:cNvPr id="2" name="Title 1"/>
+          <p:cNvSpPr>
+            <a:spLocks noGrp="1"/>
+          </p:cNvSpPr>
+          <p:nvPr>
+            <p:ph type="title"/>
+          </p:nvPr>
+        </p:nvSpPr>
+        <p:spPr/>
+        <p:txBody>
+          <a:bodyPr/>
+          <a:lstStyle/>
+          <a:p>
+            <a:r>
+              <a:rPr lang="en-US" dirty="0" smtClean="0"/>
+              <a:t>System of Neural Networks</a:t>
+            </a:r>
+            <a:endParaRPr lang="en-US" dirty="0"/>
+          </a:p>
+        </p:txBody>
+      </p:sp>
+      <p:sp>
+        <p:nvSpPr>
+          <p:cNvPr id="3" name="Content Placeholder 2"/>
+          <p:cNvSpPr>
+            <a:spLocks noGrp="1"/>
+          </p:cNvSpPr>
+          <p:nvPr>
+            <p:ph idx="1"/>
+          </p:nvPr>
+        </p:nvSpPr>
+        <p:spPr/>
+        <p:txBody>
+          <a:bodyPr/>
+          <a:lstStyle/>
+          <a:p>
+            <a:r>
+              <a:rPr lang="en-US" dirty="0" smtClean="0"/>
+              <a:t>Instead of one neural network, we propose to use two neural networks.</a:t>
+            </a:r>
+          </a:p>
+          <a:p>
+            <a:r>
+              <a:rPr lang="en-US" dirty="0" smtClean="0"/>
+              <a:t>One neural network for detecting the shape of the traffic sign that has been segmented</a:t>
+            </a:r>
+          </a:p>
+          <a:p>
+            <a:r>
+              <a:rPr lang="en-US" dirty="0" smtClean="0"/>
+              <a:t>Another neural network for detecting the sub-class of the traffic sign that has been segmented</a:t>
+            </a:r>
+            <a:endParaRPr lang="en-US" dirty="0"/>
+          </a:p>
+        </p:txBody>
+      </p:sp>
+    </p:spTree>
+  </p:cSld>
+  <p:clrMapOvr>
+    <a:masterClrMapping/>
+  </p:clrMapOvr>
+</p:sld>
+</file>
+
+<file path=ppt/slides/slide43.xml><?xml version="1.0" encoding="utf-8"?>
+<p:sld xmlns:a="http://schemas.openxmlformats.org/drawingml/2006/main" xmlns:r="http://schemas.openxmlformats.org/officeDocument/2006/relationships" xmlns:p="http://schemas.openxmlformats.org/presentationml/2006/main">
+  <p:cSld>
+    <p:spTree>
+      <p:nvGrpSpPr>
+        <p:cNvPr id="1" name=""/>
+        <p:cNvGrpSpPr/>
+        <p:nvPr/>
+      </p:nvGrpSpPr>
+      <p:grpSpPr>
+        <a:xfrm>
+          <a:off x="0" y="0"/>
+          <a:ext cx="0" cy="0"/>
+          <a:chOff x="0" y="0"/>
+          <a:chExt cx="0" cy="0"/>
+        </a:xfrm>
+      </p:grpSpPr>
+      <p:sp>
+        <p:nvSpPr>
+          <p:cNvPr id="4" name="Title 3"/>
+          <p:cNvSpPr>
+            <a:spLocks noGrp="1"/>
+          </p:cNvSpPr>
+          <p:nvPr>
+            <p:ph type="title"/>
+          </p:nvPr>
+        </p:nvSpPr>
+        <p:spPr/>
+        <p:txBody>
+          <a:bodyPr/>
+          <a:lstStyle/>
+          <a:p>
+            <a:r>
+              <a:rPr lang="en-US" dirty="0" smtClean="0"/>
+              <a:t>Neural Network 1 (For shape classification)</a:t>
+            </a:r>
+            <a:endParaRPr lang="en-US" dirty="0"/>
+          </a:p>
+        </p:txBody>
+      </p:sp>
+      <p:sp>
+        <p:nvSpPr>
+          <p:cNvPr id="5" name="Text Placeholder 4"/>
+          <p:cNvSpPr>
+            <a:spLocks noGrp="1"/>
+          </p:cNvSpPr>
+          <p:nvPr>
+            <p:ph type="body" idx="1"/>
+          </p:nvPr>
+        </p:nvSpPr>
+        <p:spPr/>
+        <p:txBody>
+          <a:bodyPr/>
+          <a:lstStyle/>
+          <a:p>
+            <a:r>
+              <a:rPr lang="en-US" dirty="0" smtClean="0"/>
+              <a:t>Using edges instead of the image, for extraction of features</a:t>
+            </a:r>
+            <a:endParaRPr lang="en-US" dirty="0"/>
+          </a:p>
+        </p:txBody>
+      </p:sp>
+    </p:spTree>
+  </p:cSld>
+  <p:clrMapOvr>
+    <a:masterClrMapping/>
+  </p:clrMapOvr>
+</p:sld>
+</file>
+
+<file path=ppt/slides/slide44.xml><?xml version="1.0" encoding="utf-8"?>
+<p:sld xmlns:a="http://schemas.openxmlformats.org/drawingml/2006/main" xmlns:r="http://schemas.openxmlformats.org/officeDocument/2006/relationships" xmlns:p="http://schemas.openxmlformats.org/presentationml/2006/main">
+  <p:cSld>
+    <p:spTree>
+      <p:nvGrpSpPr>
+        <p:cNvPr id="1" name=""/>
+        <p:cNvGrpSpPr/>
+        <p:nvPr/>
+      </p:nvGrpSpPr>
+      <p:grpSpPr>
+        <a:xfrm>
+          <a:off x="0" y="0"/>
+          <a:ext cx="0" cy="0"/>
+          <a:chOff x="0" y="0"/>
+          <a:chExt cx="0" cy="0"/>
+        </a:xfrm>
+      </p:grpSpPr>
+      <p:sp>
+        <p:nvSpPr>
+          <p:cNvPr id="4" name="Title 3"/>
+          <p:cNvSpPr>
+            <a:spLocks noGrp="1"/>
+          </p:cNvSpPr>
+          <p:nvPr>
+            <p:ph type="title"/>
+          </p:nvPr>
+        </p:nvSpPr>
+        <p:spPr/>
+        <p:txBody>
+          <a:bodyPr/>
+          <a:lstStyle/>
+          <a:p>
+            <a:r>
+              <a:rPr lang="en-US" dirty="0" smtClean="0"/>
+              <a:t>Feature Set</a:t>
+            </a:r>
+            <a:endParaRPr lang="en-US" dirty="0"/>
+          </a:p>
+        </p:txBody>
+      </p:sp>
+      <p:sp>
+        <p:nvSpPr>
+          <p:cNvPr id="5" name="Content Placeholder 4"/>
+          <p:cNvSpPr>
+            <a:spLocks noGrp="1"/>
+          </p:cNvSpPr>
+          <p:nvPr>
+            <p:ph idx="1"/>
+          </p:nvPr>
+        </p:nvSpPr>
+        <p:spPr/>
+        <p:txBody>
+          <a:bodyPr/>
+          <a:lstStyle/>
+          <a:p>
+            <a:r>
+              <a:rPr lang="en-US" dirty="0" smtClean="0"/>
+              <a:t>The information about the shape of the traffic sign, that has been segmented, is captured in a more detailed manner in the edge information.</a:t>
+            </a:r>
+          </a:p>
+          <a:p>
+            <a:r>
+              <a:rPr lang="en-US" dirty="0" smtClean="0"/>
+              <a:t>So, we propose to extract the features of the input image for neural network from the edges of the segmented sign, rather than from the sign itself.</a:t>
+            </a:r>
+            <a:endParaRPr lang="en-US" dirty="0"/>
+          </a:p>
+        </p:txBody>
+      </p:sp>
+    </p:spTree>
+  </p:cSld>
+  <p:clrMapOvr>
+    <a:masterClrMapping/>
+  </p:clrMapOvr>
+</p:sld>
+</file>
+
+<file path=ppt/slides/slide45.xml><?xml version="1.0" encoding="utf-8"?>
+<p:sld xmlns:a="http://schemas.openxmlformats.org/drawingml/2006/main" xmlns:r="http://schemas.openxmlformats.org/officeDocument/2006/relationships" xmlns:p="http://schemas.openxmlformats.org/presentationml/2006/main">
+  <p:cSld>
+    <p:spTree>
+      <p:nvGrpSpPr>
+        <p:cNvPr id="1" name=""/>
+        <p:cNvGrpSpPr/>
+        <p:nvPr/>
+      </p:nvGrpSpPr>
+      <p:grpSpPr>
+        <a:xfrm>
+          <a:off x="0" y="0"/>
+          <a:ext cx="0" cy="0"/>
+          <a:chOff x="0" y="0"/>
+          <a:chExt cx="0" cy="0"/>
+        </a:xfrm>
+      </p:grpSpPr>
+      <p:sp>
+        <p:nvSpPr>
+          <p:cNvPr id="2" name="Title 1"/>
+          <p:cNvSpPr>
+            <a:spLocks noGrp="1"/>
+          </p:cNvSpPr>
+          <p:nvPr>
+            <p:ph type="title"/>
+          </p:nvPr>
+        </p:nvSpPr>
+        <p:spPr/>
+        <p:txBody>
+          <a:bodyPr/>
+          <a:lstStyle/>
+          <a:p>
+            <a:r>
+              <a:rPr lang="en-US" dirty="0" smtClean="0"/>
+              <a:t>Feature Set: Size of Image</a:t>
+            </a:r>
+            <a:endParaRPr lang="en-US" dirty="0"/>
+          </a:p>
+        </p:txBody>
+      </p:sp>
+      <p:sp>
+        <p:nvSpPr>
+          <p:cNvPr id="3" name="Content Placeholder 2"/>
+          <p:cNvSpPr>
+            <a:spLocks noGrp="1"/>
+          </p:cNvSpPr>
+          <p:nvPr>
+            <p:ph idx="1"/>
+          </p:nvPr>
+        </p:nvSpPr>
+        <p:spPr/>
+        <p:txBody>
+          <a:bodyPr/>
+          <a:lstStyle/>
+          <a:p>
+            <a:r>
+              <a:rPr lang="en-US" dirty="0" smtClean="0"/>
+              <a:t>We propose to extract features from a 100x100 image, as this shows the edges clearly, as compared to 25x25 as in the paper.</a:t>
+            </a:r>
+            <a:endParaRPr lang="en-US" dirty="0"/>
+          </a:p>
+        </p:txBody>
+      </p:sp>
+      <p:pic>
+        <p:nvPicPr>
+          <p:cNvPr id="7" name="Picture 2"/>
+          <p:cNvPicPr>
+            <a:picLocks noChangeAspect="1" noChangeArrowheads="1"/>
+          </p:cNvPicPr>
+          <p:nvPr/>
+        </p:nvPicPr>
+        <p:blipFill>
+          <a:blip r:embed="rId2" cstate="print"/>
+          <a:srcRect/>
+          <a:stretch>
+            <a:fillRect/>
+          </a:stretch>
+        </p:blipFill>
+        <p:spPr bwMode="auto">
+          <a:xfrm>
+            <a:off x="2286000" y="4191000"/>
+            <a:ext cx="419100" cy="419100"/>
+          </a:xfrm>
+          <a:prstGeom prst="rect">
+            <a:avLst/>
+          </a:prstGeom>
+          <a:noFill/>
+          <a:ln w="9525">
+            <a:noFill/>
+            <a:miter lim="800000"/>
+            <a:headEnd/>
+            <a:tailEnd/>
+          </a:ln>
+          <a:effectLst/>
+        </p:spPr>
+      </p:pic>
+      <p:pic>
+        <p:nvPicPr>
+          <p:cNvPr id="23557" name="Picture 5"/>
+          <p:cNvPicPr>
+            <a:picLocks noChangeAspect="1" noChangeArrowheads="1"/>
+          </p:cNvPicPr>
+          <p:nvPr/>
+        </p:nvPicPr>
+        <p:blipFill>
+          <a:blip r:embed="rId3" cstate="print"/>
+          <a:srcRect/>
+          <a:stretch>
+            <a:fillRect/>
+          </a:stretch>
+        </p:blipFill>
+        <p:spPr bwMode="auto">
+          <a:xfrm>
+            <a:off x="5715000" y="3810000"/>
+            <a:ext cx="1190625" cy="1209675"/>
+          </a:xfrm>
+          <a:prstGeom prst="rect">
+            <a:avLst/>
+          </a:prstGeom>
+          <a:noFill/>
+          <a:ln w="9525">
+            <a:noFill/>
+            <a:miter lim="800000"/>
+            <a:headEnd/>
+            <a:tailEnd/>
+          </a:ln>
+          <a:effectLst/>
+        </p:spPr>
+      </p:pic>
+      <p:sp>
+        <p:nvSpPr>
+          <p:cNvPr id="9" name="TextBox 8"/>
+          <p:cNvSpPr txBox="1"/>
+          <p:nvPr/>
+        </p:nvSpPr>
+        <p:spPr>
+          <a:xfrm>
+            <a:off x="1752600" y="4876800"/>
+            <a:ext cx="1428276" cy="369332"/>
+          </a:xfrm>
+          <a:prstGeom prst="rect">
+            <a:avLst/>
+          </a:prstGeom>
+          <a:noFill/>
+        </p:spPr>
+        <p:txBody>
+          <a:bodyPr wrap="none" rtlCol="0">
+            <a:spAutoFit/>
+          </a:bodyPr>
+          <a:lstStyle/>
+          <a:p>
+            <a:r>
+              <a:rPr lang="en-US" dirty="0" smtClean="0"/>
+              <a:t>25x25 image</a:t>
+            </a:r>
+            <a:endParaRPr lang="en-US" dirty="0"/>
+          </a:p>
+        </p:txBody>
+      </p:sp>
+      <p:sp>
+        <p:nvSpPr>
+          <p:cNvPr id="10" name="TextBox 9"/>
+          <p:cNvSpPr txBox="1"/>
+          <p:nvPr/>
+        </p:nvSpPr>
+        <p:spPr>
+          <a:xfrm>
+            <a:off x="5486400" y="5181600"/>
+            <a:ext cx="1609415" cy="369332"/>
+          </a:xfrm>
+          <a:prstGeom prst="rect">
+            <a:avLst/>
+          </a:prstGeom>
+          <a:noFill/>
+        </p:spPr>
+        <p:txBody>
+          <a:bodyPr wrap="none" rtlCol="0">
+            <a:spAutoFit/>
+          </a:bodyPr>
+          <a:lstStyle/>
+          <a:p>
+            <a:r>
+              <a:rPr lang="en-US" dirty="0" smtClean="0"/>
+              <a:t>100x100 image</a:t>
+            </a:r>
+            <a:endParaRPr lang="en-US" dirty="0"/>
+          </a:p>
+        </p:txBody>
+      </p:sp>
+    </p:spTree>
+  </p:cSld>
+  <p:clrMapOvr>
+    <a:masterClrMapping/>
+  </p:clrMapOvr>
+  <p:timing>
+    <p:tnLst>
+      <p:par>
+        <p:cTn id="1" dur="indefinite" restart="never" nodeType="tmRoot"/>
+      </p:par>
+    </p:tnLst>
+  </p:timing>
+</p:sld>
+</file>
+
+<file path=ppt/slides/slide46.xml><?xml version="1.0" encoding="utf-8"?>
+<p:sld xmlns:a="http://schemas.openxmlformats.org/drawingml/2006/main" xmlns:r="http://schemas.openxmlformats.org/officeDocument/2006/relationships" xmlns:p="http://schemas.openxmlformats.org/presentationml/2006/main">
+  <p:cSld>
+    <p:spTree>
+      <p:nvGrpSpPr>
+        <p:cNvPr id="1" name=""/>
+        <p:cNvGrpSpPr/>
+        <p:nvPr/>
+      </p:nvGrpSpPr>
+      <p:grpSpPr>
+        <a:xfrm>
+          <a:off x="0" y="0"/>
+          <a:ext cx="0" cy="0"/>
+          <a:chOff x="0" y="0"/>
+          <a:chExt cx="0" cy="0"/>
+        </a:xfrm>
+      </p:grpSpPr>
+      <p:sp>
+        <p:nvSpPr>
+          <p:cNvPr id="2" name="Title 1"/>
+          <p:cNvSpPr>
+            <a:spLocks noGrp="1"/>
+          </p:cNvSpPr>
+          <p:nvPr>
+            <p:ph type="title"/>
+          </p:nvPr>
+        </p:nvSpPr>
+        <p:spPr/>
+        <p:txBody>
+          <a:bodyPr/>
+          <a:lstStyle/>
+          <a:p>
+            <a:r>
+              <a:rPr lang="en-US" dirty="0" smtClean="0"/>
+              <a:t>Feature Set: Results</a:t>
+            </a:r>
+            <a:endParaRPr lang="en-US" dirty="0"/>
+          </a:p>
+        </p:txBody>
+      </p:sp>
+      <p:sp>
+        <p:nvSpPr>
+          <p:cNvPr id="3" name="Content Placeholder 2"/>
+          <p:cNvSpPr>
+            <a:spLocks noGrp="1"/>
+          </p:cNvSpPr>
+          <p:nvPr>
+            <p:ph idx="1"/>
+          </p:nvPr>
+        </p:nvSpPr>
+        <p:spPr/>
+        <p:txBody>
+          <a:bodyPr/>
+          <a:lstStyle/>
+          <a:p>
+            <a:r>
+              <a:rPr lang="en-US" dirty="0" smtClean="0"/>
+              <a:t>The results are better for this new method.</a:t>
+            </a:r>
+          </a:p>
+          <a:p>
+            <a:r>
+              <a:rPr lang="en-US" dirty="0" smtClean="0"/>
+              <a:t>Although, some images which were working with the earlier method are not working with this new method, the edge data is unique, and this reduces the possibility of </a:t>
+            </a:r>
+            <a:r>
+              <a:rPr lang="en-US" dirty="0" err="1" smtClean="0"/>
+              <a:t>mis</a:t>
+            </a:r>
+            <a:r>
+              <a:rPr lang="en-US" dirty="0" smtClean="0"/>
+              <a:t>-classification considerably.</a:t>
+            </a:r>
+            <a:endParaRPr lang="en-US" dirty="0"/>
+          </a:p>
+        </p:txBody>
+      </p:sp>
+    </p:spTree>
+  </p:cSld>
+  <p:clrMapOvr>
+    <a:masterClrMapping/>
+  </p:clrMapOvr>
+  <p:timing>
+    <p:tnLst>
+      <p:par>
+        <p:cTn id="1" dur="indefinite" restart="never" nodeType="tmRoot"/>
+      </p:par>
+    </p:tnLst>
+  </p:timing>
+</p:sld>
+</file>
+
+<file path=ppt/slides/slide47.xml><?xml version="1.0" encoding="utf-8"?>
+<p:sld xmlns:a="http://schemas.openxmlformats.org/drawingml/2006/main" xmlns:r="http://schemas.openxmlformats.org/officeDocument/2006/relationships" xmlns:p="http://schemas.openxmlformats.org/presentationml/2006/main">
+  <p:cSld>
+    <p:spTree>
+      <p:nvGrpSpPr>
+        <p:cNvPr id="1" name=""/>
+        <p:cNvGrpSpPr/>
+        <p:nvPr/>
+      </p:nvGrpSpPr>
+      <p:grpSpPr>
+        <a:xfrm>
+          <a:off x="0" y="0"/>
+          <a:ext cx="0" cy="0"/>
+          <a:chOff x="0" y="0"/>
+          <a:chExt cx="0" cy="0"/>
+        </a:xfrm>
+      </p:grpSpPr>
+      <p:sp>
+        <p:nvSpPr>
+          <p:cNvPr id="4" name="Title 3"/>
+          <p:cNvSpPr>
+            <a:spLocks noGrp="1"/>
+          </p:cNvSpPr>
+          <p:nvPr>
+            <p:ph type="title"/>
+          </p:nvPr>
+        </p:nvSpPr>
+        <p:spPr/>
+        <p:txBody>
+          <a:bodyPr/>
+          <a:lstStyle/>
+          <a:p>
+            <a:r>
+              <a:rPr lang="en-US" dirty="0" smtClean="0"/>
+              <a:t>Neural network 2 (for  further classification)</a:t>
+            </a:r>
+            <a:endParaRPr lang="en-US" dirty="0"/>
+          </a:p>
+        </p:txBody>
+      </p:sp>
+      <p:sp>
+        <p:nvSpPr>
+          <p:cNvPr id="5" name="Text Placeholder 4"/>
+          <p:cNvSpPr>
+            <a:spLocks noGrp="1"/>
+          </p:cNvSpPr>
+          <p:nvPr>
+            <p:ph type="body" idx="1"/>
+          </p:nvPr>
+        </p:nvSpPr>
+        <p:spPr/>
+        <p:txBody>
+          <a:bodyPr/>
+          <a:lstStyle/>
+          <a:p>
+            <a:endParaRPr lang="en-US"/>
+          </a:p>
+        </p:txBody>
+      </p:sp>
+    </p:spTree>
+  </p:cSld>
+  <p:clrMapOvr>
+    <a:masterClrMapping/>
+  </p:clrMapOvr>
+</p:sld>
+</file>
+
+<file path=ppt/slides/slide48.xml><?xml version="1.0" encoding="utf-8"?>
+<p:sld xmlns:a="http://schemas.openxmlformats.org/drawingml/2006/main" xmlns:r="http://schemas.openxmlformats.org/officeDocument/2006/relationships" xmlns:p="http://schemas.openxmlformats.org/presentationml/2006/main">
+  <p:cSld>
+    <p:spTree>
+      <p:nvGrpSpPr>
+        <p:cNvPr id="1" name=""/>
+        <p:cNvGrpSpPr/>
+        <p:nvPr/>
+      </p:nvGrpSpPr>
+      <p:grpSpPr>
+        <a:xfrm>
+          <a:off x="0" y="0"/>
+          <a:ext cx="0" cy="0"/>
+          <a:chOff x="0" y="0"/>
+          <a:chExt cx="0" cy="0"/>
+        </a:xfrm>
+      </p:grpSpPr>
+      <p:sp>
+        <p:nvSpPr>
+          <p:cNvPr id="4" name="Title 3"/>
+          <p:cNvSpPr>
+            <a:spLocks noGrp="1"/>
+          </p:cNvSpPr>
+          <p:nvPr>
+            <p:ph type="title"/>
+          </p:nvPr>
+        </p:nvSpPr>
+        <p:spPr/>
+        <p:txBody>
+          <a:bodyPr/>
+          <a:lstStyle/>
+          <a:p>
+            <a:r>
+              <a:rPr lang="en-US" dirty="0" smtClean="0"/>
+              <a:t>Neural Network 2</a:t>
+            </a:r>
+            <a:endParaRPr lang="en-US" dirty="0"/>
+          </a:p>
+        </p:txBody>
+      </p:sp>
+      <p:sp>
+        <p:nvSpPr>
+          <p:cNvPr id="5" name="Content Placeholder 4"/>
+          <p:cNvSpPr>
+            <a:spLocks noGrp="1"/>
+          </p:cNvSpPr>
+          <p:nvPr>
+            <p:ph idx="1"/>
+          </p:nvPr>
+        </p:nvSpPr>
+        <p:spPr/>
+        <p:txBody>
+          <a:bodyPr/>
+          <a:lstStyle/>
+          <a:p>
+            <a:r>
+              <a:rPr lang="en-US" dirty="0" smtClean="0"/>
+              <a:t>This will go into the top-level classes of warning, compulsory etc like “vehicles prohibited”, “silence zone”, etc.</a:t>
+            </a:r>
+          </a:p>
+          <a:p>
+            <a:r>
+              <a:rPr lang="en-US" dirty="0" smtClean="0"/>
+              <a:t>Although, exact classification of sign (i.e. The exact meaning of a sign) can’t be extracted without a much more complex approach, we can divide it into sub-classes, with a slightly improved approach.</a:t>
+            </a:r>
+          </a:p>
+        </p:txBody>
+      </p:sp>
+    </p:spTree>
+  </p:cSld>
+  <p:clrMapOvr>
+    <a:masterClrMapping/>
+  </p:clrMapOvr>
+</p:sld>
+</file>
+
+<file path=ppt/slides/slide49.xml><?xml version="1.0" encoding="utf-8"?>
+<p:sld xmlns:a="http://schemas.openxmlformats.org/drawingml/2006/main" xmlns:r="http://schemas.openxmlformats.org/officeDocument/2006/relationships" xmlns:p="http://schemas.openxmlformats.org/presentationml/2006/main">
+  <p:cSld>
+    <p:spTree>
+      <p:nvGrpSpPr>
+        <p:cNvPr id="1" name=""/>
+        <p:cNvGrpSpPr/>
+        <p:nvPr/>
+      </p:nvGrpSpPr>
+      <p:grpSpPr>
+        <a:xfrm>
+          <a:off x="0" y="0"/>
+          <a:ext cx="0" cy="0"/>
+          <a:chOff x="0" y="0"/>
+          <a:chExt cx="0" cy="0"/>
+        </a:xfrm>
+      </p:grpSpPr>
+      <p:sp>
+        <p:nvSpPr>
+          <p:cNvPr id="2" name="Title 1"/>
+          <p:cNvSpPr>
+            <a:spLocks noGrp="1"/>
+          </p:cNvSpPr>
+          <p:nvPr>
+            <p:ph type="title"/>
+          </p:nvPr>
+        </p:nvSpPr>
+        <p:spPr/>
+        <p:txBody>
+          <a:bodyPr/>
+          <a:lstStyle/>
+          <a:p>
+            <a:r>
+              <a:rPr lang="en-US" dirty="0" smtClean="0"/>
+              <a:t>Classification Chart</a:t>
+            </a:r>
+            <a:endParaRPr lang="en-US" dirty="0"/>
+          </a:p>
+        </p:txBody>
+      </p:sp>
+      <p:graphicFrame>
+        <p:nvGraphicFramePr>
+          <p:cNvPr id="3" name="Diagram 2"/>
+          <p:cNvGraphicFramePr/>
+          <p:nvPr/>
+        </p:nvGraphicFramePr>
+        <p:xfrm>
+          <a:off x="304800" y="1447800"/>
+          <a:ext cx="8153400" cy="4724400"/>
+        </p:xfrm>
+        <a:graphic>
+          <a:graphicData uri="http://schemas.openxmlformats.org/drawingml/2006/diagram">
+            <dgm:relIds xmlns:dgm="http://schemas.openxmlformats.org/drawingml/2006/diagram" xmlns:r="http://schemas.openxmlformats.org/officeDocument/2006/relationships" r:dm="rId2" r:lo="rId3" r:qs="rId4" r:cs="rId5"/>
+          </a:graphicData>
+        </a:graphic>
+      </p:graphicFrame>
+      <p:cxnSp>
+        <p:nvCxnSpPr>
+          <p:cNvPr id="6" name="Straight Connector 5"/>
+          <p:cNvCxnSpPr/>
+          <p:nvPr/>
+        </p:nvCxnSpPr>
+        <p:spPr>
+          <a:xfrm>
+            <a:off x="0" y="3733800"/>
+            <a:ext cx="9144000" cy="0"/>
+          </a:xfrm>
+          <a:prstGeom prst="line">
+            <a:avLst/>
+          </a:prstGeom>
+          <a:ln w="107950" cmpd="sng">
+            <a:solidFill>
+              <a:schemeClr val="accent3"/>
+            </a:solidFill>
+          </a:ln>
+        </p:spPr>
+        <p:style>
+          <a:lnRef idx="1">
+            <a:schemeClr val="accent1"/>
+          </a:lnRef>
+          <a:fillRef idx="0">
+            <a:schemeClr val="accent1"/>
+          </a:fillRef>
+          <a:effectRef idx="0">
+            <a:schemeClr val="accent1"/>
+          </a:effectRef>
+          <a:fontRef idx="minor">
+            <a:schemeClr val="tx1"/>
+          </a:fontRef>
+        </p:style>
+      </p:cxnSp>
+    </p:spTree>
+  </p:cSld>
+  <p:clrMapOvr>
+    <a:masterClrMapping/>
+  </p:clrMapOvr>
+  <p:timing>
+    <p:tnLst>
+      <p:par>
+        <p:cTn id="1" dur="indefinite" restart="never" nodeType="tmRoot"/>
+      </p:par>
+    </p:tnLst>
+  </p:timing>
+</p:sld>
+</file>
+
 <file path=ppt/slides/slide5.xml><?xml version="1.0" encoding="utf-8"?>
 <p:sld xmlns:a="http://schemas.openxmlformats.org/drawingml/2006/main" xmlns:r="http://schemas.openxmlformats.org/officeDocument/2006/relationships" xmlns:p="http://schemas.openxmlformats.org/presentationml/2006/main">
   <p:cSld>
@@ -20988,6 +26284,350 @@
       </p:par>
     </p:tnLst>
   </p:timing>
+</p:sld>
+</file>
+
+<file path=ppt/slides/slide50.xml><?xml version="1.0" encoding="utf-8"?>
+<p:sld xmlns:a="http://schemas.openxmlformats.org/drawingml/2006/main" xmlns:r="http://schemas.openxmlformats.org/officeDocument/2006/relationships" xmlns:p="http://schemas.openxmlformats.org/presentationml/2006/main">
+  <p:cSld>
+    <p:spTree>
+      <p:nvGrpSpPr>
+        <p:cNvPr id="1" name=""/>
+        <p:cNvGrpSpPr/>
+        <p:nvPr/>
+      </p:nvGrpSpPr>
+      <p:grpSpPr>
+        <a:xfrm>
+          <a:off x="0" y="0"/>
+          <a:ext cx="0" cy="0"/>
+          <a:chOff x="0" y="0"/>
+          <a:chExt cx="0" cy="0"/>
+        </a:xfrm>
+      </p:grpSpPr>
+      <p:sp>
+        <p:nvSpPr>
+          <p:cNvPr id="4" name="Title 3"/>
+          <p:cNvSpPr>
+            <a:spLocks noGrp="1"/>
+          </p:cNvSpPr>
+          <p:nvPr>
+            <p:ph type="title"/>
+          </p:nvPr>
+        </p:nvSpPr>
+        <p:spPr/>
+        <p:txBody>
+          <a:bodyPr/>
+          <a:lstStyle/>
+          <a:p>
+            <a:r>
+              <a:rPr lang="en-US" dirty="0" smtClean="0"/>
+              <a:t>Limitations with new approach</a:t>
+            </a:r>
+            <a:endParaRPr lang="en-US" dirty="0"/>
+          </a:p>
+        </p:txBody>
+      </p:sp>
+      <p:sp>
+        <p:nvSpPr>
+          <p:cNvPr id="5" name="Text Placeholder 4"/>
+          <p:cNvSpPr>
+            <a:spLocks noGrp="1"/>
+          </p:cNvSpPr>
+          <p:nvPr>
+            <p:ph type="body" idx="1"/>
+          </p:nvPr>
+        </p:nvSpPr>
+        <p:spPr/>
+        <p:txBody>
+          <a:bodyPr/>
+          <a:lstStyle/>
+          <a:p>
+            <a:endParaRPr lang="en-US"/>
+          </a:p>
+        </p:txBody>
+      </p:sp>
+    </p:spTree>
+  </p:cSld>
+  <p:clrMapOvr>
+    <a:masterClrMapping/>
+  </p:clrMapOvr>
+  <p:timing>
+    <p:tnLst>
+      <p:par>
+        <p:cTn id="1" dur="indefinite" restart="never" nodeType="tmRoot"/>
+      </p:par>
+    </p:tnLst>
+  </p:timing>
+</p:sld>
+</file>
+
+<file path=ppt/slides/slide51.xml><?xml version="1.0" encoding="utf-8"?>
+<p:sld xmlns:a="http://schemas.openxmlformats.org/drawingml/2006/main" xmlns:r="http://schemas.openxmlformats.org/officeDocument/2006/relationships" xmlns:p="http://schemas.openxmlformats.org/presentationml/2006/main">
+  <p:cSld>
+    <p:spTree>
+      <p:nvGrpSpPr>
+        <p:cNvPr id="1" name=""/>
+        <p:cNvGrpSpPr/>
+        <p:nvPr/>
+      </p:nvGrpSpPr>
+      <p:grpSpPr>
+        <a:xfrm>
+          <a:off x="0" y="0"/>
+          <a:ext cx="0" cy="0"/>
+          <a:chOff x="0" y="0"/>
+          <a:chExt cx="0" cy="0"/>
+        </a:xfrm>
+      </p:grpSpPr>
+      <p:sp>
+        <p:nvSpPr>
+          <p:cNvPr id="4" name="Title 3"/>
+          <p:cNvSpPr>
+            <a:spLocks noGrp="1"/>
+          </p:cNvSpPr>
+          <p:nvPr>
+            <p:ph type="title"/>
+          </p:nvPr>
+        </p:nvSpPr>
+        <p:spPr/>
+        <p:txBody>
+          <a:bodyPr/>
+          <a:lstStyle/>
+          <a:p>
+            <a:r>
+              <a:rPr lang="en-US" dirty="0" smtClean="0"/>
+              <a:t>Incomplete edges</a:t>
+            </a:r>
+            <a:endParaRPr lang="en-US" dirty="0"/>
+          </a:p>
+        </p:txBody>
+      </p:sp>
+      <p:pic>
+        <p:nvPicPr>
+          <p:cNvPr id="1026" name="Picture 2"/>
+          <p:cNvPicPr>
+            <a:picLocks noChangeAspect="1" noChangeArrowheads="1"/>
+          </p:cNvPicPr>
+          <p:nvPr/>
+        </p:nvPicPr>
+        <p:blipFill>
+          <a:blip r:embed="rId3" cstate="print"/>
+          <a:srcRect/>
+          <a:stretch>
+            <a:fillRect/>
+          </a:stretch>
+        </p:blipFill>
+        <p:spPr bwMode="auto">
+          <a:xfrm>
+            <a:off x="1905000" y="1600200"/>
+            <a:ext cx="5343525" cy="4010616"/>
+          </a:xfrm>
+          <a:prstGeom prst="rect">
+            <a:avLst/>
+          </a:prstGeom>
+          <a:noFill/>
+          <a:ln w="9525">
+            <a:noFill/>
+            <a:miter lim="800000"/>
+            <a:headEnd/>
+            <a:tailEnd/>
+          </a:ln>
+          <a:effectLst/>
+        </p:spPr>
+      </p:pic>
+    </p:spTree>
+  </p:cSld>
+  <p:clrMapOvr>
+    <a:masterClrMapping/>
+  </p:clrMapOvr>
+  <p:timing>
+    <p:tnLst>
+      <p:par>
+        <p:cTn id="1" dur="indefinite" restart="never" nodeType="tmRoot"/>
+      </p:par>
+    </p:tnLst>
+  </p:timing>
+</p:sld>
+</file>
+
+<file path=ppt/slides/slide52.xml><?xml version="1.0" encoding="utf-8"?>
+<p:sld xmlns:a="http://schemas.openxmlformats.org/drawingml/2006/main" xmlns:r="http://schemas.openxmlformats.org/officeDocument/2006/relationships" xmlns:p="http://schemas.openxmlformats.org/presentationml/2006/main">
+  <p:cSld>
+    <p:spTree>
+      <p:nvGrpSpPr>
+        <p:cNvPr id="1" name=""/>
+        <p:cNvGrpSpPr/>
+        <p:nvPr/>
+      </p:nvGrpSpPr>
+      <p:grpSpPr>
+        <a:xfrm>
+          <a:off x="0" y="0"/>
+          <a:ext cx="0" cy="0"/>
+          <a:chOff x="0" y="0"/>
+          <a:chExt cx="0" cy="0"/>
+        </a:xfrm>
+      </p:grpSpPr>
+      <p:sp>
+        <p:nvSpPr>
+          <p:cNvPr id="2" name="Title 1"/>
+          <p:cNvSpPr>
+            <a:spLocks noGrp="1"/>
+          </p:cNvSpPr>
+          <p:nvPr>
+            <p:ph type="title"/>
+          </p:nvPr>
+        </p:nvSpPr>
+        <p:spPr/>
+        <p:txBody>
+          <a:bodyPr/>
+          <a:lstStyle/>
+          <a:p>
+            <a:r>
+              <a:rPr lang="en-US" dirty="0" smtClean="0"/>
+              <a:t>After extraction of blob…</a:t>
+            </a:r>
+            <a:endParaRPr lang="en-US" dirty="0"/>
+          </a:p>
+        </p:txBody>
+      </p:sp>
+      <p:pic>
+        <p:nvPicPr>
+          <p:cNvPr id="2050" name="Picture 2"/>
+          <p:cNvPicPr>
+            <a:picLocks noChangeAspect="1" noChangeArrowheads="1"/>
+          </p:cNvPicPr>
+          <p:nvPr/>
+        </p:nvPicPr>
+        <p:blipFill>
+          <a:blip r:embed="rId2" cstate="print"/>
+          <a:srcRect/>
+          <a:stretch>
+            <a:fillRect/>
+          </a:stretch>
+        </p:blipFill>
+        <p:spPr bwMode="auto">
+          <a:xfrm>
+            <a:off x="1066800" y="1828800"/>
+            <a:ext cx="4095750" cy="3943350"/>
+          </a:xfrm>
+          <a:prstGeom prst="rect">
+            <a:avLst/>
+          </a:prstGeom>
+          <a:noFill/>
+          <a:ln w="9525">
+            <a:noFill/>
+            <a:miter lim="800000"/>
+            <a:headEnd/>
+            <a:tailEnd/>
+          </a:ln>
+          <a:effectLst/>
+        </p:spPr>
+      </p:pic>
+      <p:sp>
+        <p:nvSpPr>
+          <p:cNvPr id="5" name="TextBox 4"/>
+          <p:cNvSpPr txBox="1"/>
+          <p:nvPr/>
+        </p:nvSpPr>
+        <p:spPr>
+          <a:xfrm>
+            <a:off x="6858000" y="1828800"/>
+            <a:ext cx="1981200" cy="3139321"/>
+          </a:xfrm>
+          <a:prstGeom prst="rect">
+            <a:avLst/>
+          </a:prstGeom>
+          <a:noFill/>
+        </p:spPr>
+        <p:txBody>
+          <a:bodyPr wrap="square" rtlCol="0">
+            <a:spAutoFit/>
+          </a:bodyPr>
+          <a:lstStyle/>
+          <a:p>
+            <a:r>
+              <a:rPr lang="en-US" dirty="0" smtClean="0"/>
+              <a:t>This is </a:t>
+            </a:r>
+          </a:p>
+          <a:p>
+            <a:r>
+              <a:rPr lang="en-US" dirty="0" err="1" smtClean="0"/>
+              <a:t>mis</a:t>
+            </a:r>
+            <a:r>
+              <a:rPr lang="en-US" dirty="0" smtClean="0"/>
+              <a:t>-classified as a triangle, if directly used.</a:t>
+            </a:r>
+          </a:p>
+          <a:p>
+            <a:endParaRPr lang="en-US" dirty="0" smtClean="0"/>
+          </a:p>
+          <a:p>
+            <a:r>
+              <a:rPr lang="en-US" dirty="0" smtClean="0"/>
+              <a:t>If the image is sharpened using a high pass filter, then it is </a:t>
+            </a:r>
+            <a:r>
+              <a:rPr lang="en-US" dirty="0" err="1" smtClean="0"/>
+              <a:t>mis</a:t>
+            </a:r>
+            <a:r>
+              <a:rPr lang="en-US" dirty="0" smtClean="0"/>
+              <a:t>-classified as </a:t>
+            </a:r>
+            <a:r>
+              <a:rPr lang="en-US" smtClean="0"/>
+              <a:t>a prohibitory sign.</a:t>
+            </a:r>
+            <a:endParaRPr lang="en-US" dirty="0"/>
+          </a:p>
+        </p:txBody>
+      </p:sp>
+      <p:sp>
+        <p:nvSpPr>
+          <p:cNvPr id="8" name="Right Arrow 7"/>
+          <p:cNvSpPr/>
+          <p:nvPr/>
+        </p:nvSpPr>
+        <p:spPr>
+          <a:xfrm rot="10800000">
+            <a:off x="5486400" y="2286000"/>
+            <a:ext cx="1066800" cy="457200"/>
+          </a:xfrm>
+          <a:prstGeom prst="rightArrow">
+            <a:avLst/>
+          </a:prstGeom>
+        </p:spPr>
+        <p:style>
+          <a:lnRef idx="2">
+            <a:schemeClr val="accent1">
+              <a:shade val="50000"/>
+            </a:schemeClr>
+          </a:lnRef>
+          <a:fillRef idx="1">
+            <a:schemeClr val="accent1"/>
+          </a:fillRef>
+          <a:effectRef idx="0">
+            <a:schemeClr val="accent1"/>
+          </a:effectRef>
+          <a:fontRef idx="minor">
+            <a:schemeClr val="lt1"/>
+          </a:fontRef>
+        </p:style>
+        <p:txBody>
+          <a:bodyPr rtlCol="0" anchor="ctr"/>
+          <a:lstStyle/>
+          <a:p>
+            <a:pPr algn="ctr"/>
+            <a:endParaRPr lang="en-US"/>
+          </a:p>
+        </p:txBody>
+      </p:sp>
+    </p:spTree>
+  </p:cSld>
+  <p:clrMapOvr>
+    <a:masterClrMapping/>
+  </p:clrMapOvr>
 </p:sld>
 </file>
 
